--- a/파이썬 프로젝트 포스터.pptx
+++ b/파이썬 프로젝트 포스터.pptx
@@ -330,7 +330,7 @@
           <a:p>
             <a:fld id="{E293D5AC-2710-4F16-88C6-6198256876E7}" type="datetimeFigureOut">
               <a:rPr lang="ko-KR" altLang="en-US" smtClean="0"/>
-              <a:t>2024-08-25</a:t>
+              <a:t>2024-08-27</a:t>
             </a:fld>
             <a:endParaRPr lang="ko-KR" altLang="en-US"/>
           </a:p>
@@ -865,7 +865,7 @@
           <a:p>
             <a:fld id="{D3C3110D-FB7B-436B-BE39-85198A496AA6}" type="datetimeFigureOut">
               <a:rPr lang="ko-KR" altLang="en-US" smtClean="0"/>
-              <a:t>2024-08-25</a:t>
+              <a:t>2024-08-27</a:t>
             </a:fld>
             <a:endParaRPr lang="ko-KR" altLang="en-US"/>
           </a:p>
@@ -1033,7 +1033,7 @@
           <a:p>
             <a:fld id="{D3C3110D-FB7B-436B-BE39-85198A496AA6}" type="datetimeFigureOut">
               <a:rPr lang="ko-KR" altLang="en-US" smtClean="0"/>
-              <a:t>2024-08-25</a:t>
+              <a:t>2024-08-27</a:t>
             </a:fld>
             <a:endParaRPr lang="ko-KR" altLang="en-US"/>
           </a:p>
@@ -1211,7 +1211,7 @@
           <a:p>
             <a:fld id="{D3C3110D-FB7B-436B-BE39-85198A496AA6}" type="datetimeFigureOut">
               <a:rPr lang="ko-KR" altLang="en-US" smtClean="0"/>
-              <a:t>2024-08-25</a:t>
+              <a:t>2024-08-27</a:t>
             </a:fld>
             <a:endParaRPr lang="ko-KR" altLang="en-US"/>
           </a:p>
@@ -1379,7 +1379,7 @@
           <a:p>
             <a:fld id="{D3C3110D-FB7B-436B-BE39-85198A496AA6}" type="datetimeFigureOut">
               <a:rPr lang="ko-KR" altLang="en-US" smtClean="0"/>
-              <a:t>2024-08-25</a:t>
+              <a:t>2024-08-27</a:t>
             </a:fld>
             <a:endParaRPr lang="ko-KR" altLang="en-US"/>
           </a:p>
@@ -1624,7 +1624,7 @@
           <a:p>
             <a:fld id="{D3C3110D-FB7B-436B-BE39-85198A496AA6}" type="datetimeFigureOut">
               <a:rPr lang="ko-KR" altLang="en-US" smtClean="0"/>
-              <a:t>2024-08-25</a:t>
+              <a:t>2024-08-27</a:t>
             </a:fld>
             <a:endParaRPr lang="ko-KR" altLang="en-US"/>
           </a:p>
@@ -1909,7 +1909,7 @@
           <a:p>
             <a:fld id="{D3C3110D-FB7B-436B-BE39-85198A496AA6}" type="datetimeFigureOut">
               <a:rPr lang="ko-KR" altLang="en-US" smtClean="0"/>
-              <a:t>2024-08-25</a:t>
+              <a:t>2024-08-27</a:t>
             </a:fld>
             <a:endParaRPr lang="ko-KR" altLang="en-US"/>
           </a:p>
@@ -2328,7 +2328,7 @@
           <a:p>
             <a:fld id="{D3C3110D-FB7B-436B-BE39-85198A496AA6}" type="datetimeFigureOut">
               <a:rPr lang="ko-KR" altLang="en-US" smtClean="0"/>
-              <a:t>2024-08-25</a:t>
+              <a:t>2024-08-27</a:t>
             </a:fld>
             <a:endParaRPr lang="ko-KR" altLang="en-US"/>
           </a:p>
@@ -2445,7 +2445,7 @@
           <a:p>
             <a:fld id="{D3C3110D-FB7B-436B-BE39-85198A496AA6}" type="datetimeFigureOut">
               <a:rPr lang="ko-KR" altLang="en-US" smtClean="0"/>
-              <a:t>2024-08-25</a:t>
+              <a:t>2024-08-27</a:t>
             </a:fld>
             <a:endParaRPr lang="ko-KR" altLang="en-US"/>
           </a:p>
@@ -2540,7 +2540,7 @@
           <a:p>
             <a:fld id="{D3C3110D-FB7B-436B-BE39-85198A496AA6}" type="datetimeFigureOut">
               <a:rPr lang="ko-KR" altLang="en-US" smtClean="0"/>
-              <a:t>2024-08-25</a:t>
+              <a:t>2024-08-27</a:t>
             </a:fld>
             <a:endParaRPr lang="ko-KR" altLang="en-US"/>
           </a:p>
@@ -2815,7 +2815,7 @@
           <a:p>
             <a:fld id="{D3C3110D-FB7B-436B-BE39-85198A496AA6}" type="datetimeFigureOut">
               <a:rPr lang="ko-KR" altLang="en-US" smtClean="0"/>
-              <a:t>2024-08-25</a:t>
+              <a:t>2024-08-27</a:t>
             </a:fld>
             <a:endParaRPr lang="ko-KR" altLang="en-US"/>
           </a:p>
@@ -3067,7 +3067,7 @@
           <a:p>
             <a:fld id="{D3C3110D-FB7B-436B-BE39-85198A496AA6}" type="datetimeFigureOut">
               <a:rPr lang="ko-KR" altLang="en-US" smtClean="0"/>
-              <a:t>2024-08-25</a:t>
+              <a:t>2024-08-27</a:t>
             </a:fld>
             <a:endParaRPr lang="ko-KR" altLang="en-US"/>
           </a:p>
@@ -3278,7 +3278,7 @@
           <a:p>
             <a:fld id="{D3C3110D-FB7B-436B-BE39-85198A496AA6}" type="datetimeFigureOut">
               <a:rPr lang="ko-KR" altLang="en-US" smtClean="0"/>
-              <a:t>2024-08-25</a:t>
+              <a:t>2024-08-27</a:t>
             </a:fld>
             <a:endParaRPr lang="ko-KR" altLang="en-US"/>
           </a:p>
@@ -3705,7 +3705,7 @@
         </p:nvSpPr>
         <p:spPr>
           <a:xfrm>
-            <a:off x="323114" y="7010160"/>
+            <a:off x="392313" y="6983539"/>
             <a:ext cx="29684871" cy="35993261"/>
           </a:xfrm>
           <a:prstGeom prst="roundRect">
@@ -3740,8 +3740,33 @@
           <a:bodyPr rtlCol="0" anchor="ctr"/>
           <a:lstStyle/>
           <a:p>
-            <a:pPr algn="ctr"/>
-            <a:endParaRPr lang="ko-KR" altLang="en-US" sz="36387" dirty="0"/>
+            <a:r>
+              <a:rPr lang="ko-KR" altLang="ko-KR" sz="1800" b="1" kern="100">
+                <a:effectLst/>
+                <a:latin typeface="Calibri" panose="020F0502020204030204" pitchFamily="34" charset="0"/>
+                <a:ea typeface="맑은 고딕" panose="020B0503020000020004" pitchFamily="50" charset="-127"/>
+                <a:cs typeface="Times New Roman" panose="02020603050405020304" pitchFamily="18" charset="0"/>
+              </a:rPr>
+              <a:t>그림 </a:t>
+            </a:r>
+            <a:r>
+              <a:rPr lang="en-US" altLang="ko-KR" sz="1800" b="1" kern="100">
+                <a:effectLst/>
+                <a:latin typeface="Calibri" panose="020F0502020204030204" pitchFamily="34" charset="0"/>
+                <a:ea typeface="맑은 고딕" panose="020B0503020000020004" pitchFamily="50" charset="-127"/>
+                <a:cs typeface="Times New Roman" panose="02020603050405020304" pitchFamily="18" charset="0"/>
+              </a:rPr>
+              <a:t>1 </a:t>
+            </a:r>
+            <a:r>
+              <a:rPr lang="ko-KR" altLang="ko-KR" sz="1800" b="1" kern="100">
+                <a:effectLst/>
+                <a:latin typeface="Calibri" panose="020F0502020204030204" pitchFamily="34" charset="0"/>
+                <a:ea typeface="맑은 고딕" panose="020B0503020000020004" pitchFamily="50" charset="-127"/>
+                <a:cs typeface="Times New Roman" panose="02020603050405020304" pitchFamily="18" charset="0"/>
+              </a:rPr>
+              <a:t>각 변수의 상관관계 분석표</a:t>
+            </a:r>
           </a:p>
         </p:txBody>
       </p:sp>
@@ -4527,8 +4552,8 @@
         </p:nvSpPr>
         <p:spPr>
           <a:xfrm>
-            <a:off x="-38084" y="2473481"/>
-            <a:ext cx="30240283" cy="1015663"/>
+            <a:off x="-38084" y="2302175"/>
+            <a:ext cx="30240283" cy="1200329"/>
           </a:xfrm>
           <a:prstGeom prst="rect">
             <a:avLst/>
@@ -4542,21 +4567,61 @@
           <a:p>
             <a:pPr algn="ctr"/>
             <a:r>
-              <a:rPr lang="ko-KR" altLang="en-US" sz="6000" b="1" dirty="0">
+              <a:rPr lang="ko-KR" altLang="ko-KR" sz="7200" b="1" kern="100" dirty="0">
                 <a:solidFill>
                   <a:schemeClr val="bg1"/>
                 </a:solidFill>
-                <a:latin typeface="KoPub돋움체 Bold" panose="00000800000000000000" pitchFamily="2" charset="-127"/>
-                <a:ea typeface="KoPub돋움체 Bold" panose="00000800000000000000" pitchFamily="2" charset="-127"/>
-              </a:rPr>
-              <a:t>리프트 프로젝트 이름</a:t>
-            </a:r>
-            <a:endParaRPr lang="ko-KR" altLang="en-US" sz="9600" b="1" dirty="0">
+                <a:effectLst/>
+                <a:latin typeface="Calibri" panose="020F0502020204030204" pitchFamily="34" charset="0"/>
+                <a:ea typeface="맑은 고딕" panose="020B0503020000020004" pitchFamily="50" charset="-127"/>
+                <a:cs typeface="Times New Roman" panose="02020603050405020304" pitchFamily="18" charset="0"/>
+              </a:rPr>
+              <a:t>이지 리프트</a:t>
+            </a:r>
+            <a:r>
+              <a:rPr lang="en-US" altLang="ko-KR" sz="7200" b="1" kern="100" dirty="0">
+                <a:solidFill>
+                  <a:schemeClr val="bg1"/>
+                </a:solidFill>
+                <a:effectLst/>
+                <a:latin typeface="Calibri" panose="020F0502020204030204" pitchFamily="34" charset="0"/>
+                <a:ea typeface="맑은 고딕" panose="020B0503020000020004" pitchFamily="50" charset="-127"/>
+                <a:cs typeface="Times New Roman" panose="02020603050405020304" pitchFamily="18" charset="0"/>
+              </a:rPr>
+              <a:t> (</a:t>
+            </a:r>
+            <a:r>
+              <a:rPr lang="en-US" altLang="ko-KR" sz="7200" b="1" kern="100" dirty="0" err="1">
+                <a:solidFill>
+                  <a:schemeClr val="bg1"/>
+                </a:solidFill>
+                <a:effectLst/>
+                <a:latin typeface="Calibri" panose="020F0502020204030204" pitchFamily="34" charset="0"/>
+                <a:ea typeface="맑은 고딕" panose="020B0503020000020004" pitchFamily="50" charset="-127"/>
+                <a:cs typeface="Times New Roman" panose="02020603050405020304" pitchFamily="18" charset="0"/>
+              </a:rPr>
+              <a:t>easy_lift</a:t>
+            </a:r>
+            <a:r>
+              <a:rPr lang="en-US" altLang="ko-KR" sz="7200" b="1" kern="100" dirty="0">
+                <a:solidFill>
+                  <a:schemeClr val="bg1"/>
+                </a:solidFill>
+                <a:effectLst/>
+                <a:latin typeface="Calibri" panose="020F0502020204030204" pitchFamily="34" charset="0"/>
+                <a:ea typeface="맑은 고딕" panose="020B0503020000020004" pitchFamily="50" charset="-127"/>
+                <a:cs typeface="Times New Roman" panose="02020603050405020304" pitchFamily="18" charset="0"/>
+              </a:rPr>
+              <a:t>)</a:t>
+            </a:r>
+            <a:endParaRPr lang="ko-KR" altLang="ko-KR" sz="7200" kern="100" dirty="0">
               <a:solidFill>
                 <a:schemeClr val="bg1"/>
               </a:solidFill>
-              <a:latin typeface="KoPub돋움체 Bold" panose="00000800000000000000" pitchFamily="2" charset="-127"/>
-              <a:ea typeface="KoPub돋움체 Bold" panose="00000800000000000000" pitchFamily="2" charset="-127"/>
+              <a:effectLst/>
+              <a:latin typeface="Calibri" panose="020F0502020204030204" pitchFamily="34" charset="0"/>
+              <a:ea typeface="맑은 고딕" panose="020B0503020000020004" pitchFamily="50" charset="-127"/>
+              <a:cs typeface="Times New Roman" panose="02020603050405020304" pitchFamily="18" charset="0"/>
             </a:endParaRPr>
           </a:p>
         </p:txBody>
@@ -5993,14 +6058,17 @@
           <a:lstStyle/>
           <a:p>
             <a:pPr algn="ctr"/>
-            <a:endParaRPr lang="ko-KR" altLang="en-US" sz="5200" b="1" dirty="0">
-              <a:solidFill>
-                <a:schemeClr val="bg1"/>
-              </a:solidFill>
-              <a:latin typeface="Arial" panose="020B0604020202020204" pitchFamily="34" charset="0"/>
-              <a:ea typeface="KoPub돋움체 Bold" panose="00000800000000000000" pitchFamily="2" charset="-127"/>
-              <a:cs typeface="Arial" panose="020B0604020202020204" pitchFamily="34" charset="0"/>
-            </a:endParaRPr>
+            <a:r>
+              <a:rPr lang="ko-KR" altLang="en-US" sz="5200" b="1" dirty="0">
+                <a:solidFill>
+                  <a:schemeClr val="bg1"/>
+                </a:solidFill>
+                <a:latin typeface="Arial" panose="020B0604020202020204" pitchFamily="34" charset="0"/>
+                <a:ea typeface="KoPub돋움체 Bold" panose="00000800000000000000" pitchFamily="2" charset="-127"/>
+                <a:cs typeface="Arial" panose="020B0604020202020204" pitchFamily="34" charset="0"/>
+              </a:rPr>
+              <a:t>데이터</a:t>
+            </a:r>
           </a:p>
         </p:txBody>
       </p:sp>
@@ -6012,7 +6080,7 @@
         </p:nvSpPr>
         <p:spPr>
           <a:xfrm>
-            <a:off x="15552192" y="16901434"/>
+            <a:off x="15552192" y="19872127"/>
             <a:ext cx="6066309" cy="1007973"/>
           </a:xfrm>
           <a:prstGeom prst="roundRect">
@@ -6058,17 +6126,28 @@
           <a:lstStyle/>
           <a:p>
             <a:pPr algn="ctr"/>
-            <a:endParaRPr lang="en-US" altLang="ko-KR" sz="5200" b="1" dirty="0">
-              <a:solidFill>
-                <a:schemeClr val="bg1"/>
-              </a:solidFill>
-              <a:latin typeface="Arial" panose="020B0604020202020204" pitchFamily="34" charset="0"/>
-              <a:ea typeface="KoPub돋움체 Bold" panose="00000800000000000000" pitchFamily="2" charset="-127"/>
-              <a:cs typeface="Arial" panose="020B0604020202020204" pitchFamily="34" charset="0"/>
-            </a:endParaRPr>
-          </a:p>
-          <a:p>
-            <a:pPr algn="ctr"/>
+            <a:r>
+              <a:rPr lang="ko-KR" altLang="en-US" sz="5200" b="1" dirty="0">
+                <a:solidFill>
+                  <a:schemeClr val="bg1"/>
+                </a:solidFill>
+                <a:latin typeface="Arial" panose="020B0604020202020204" pitchFamily="34" charset="0"/>
+                <a:ea typeface="KoPub돋움체 Bold" panose="00000800000000000000" pitchFamily="2" charset="-127"/>
+                <a:cs typeface="Arial" panose="020B0604020202020204" pitchFamily="34" charset="0"/>
+              </a:rPr>
+              <a:t>데이터 </a:t>
+            </a:r>
+            <a:r>
+              <a:rPr lang="ko-KR" altLang="en-US" sz="5200" b="1" dirty="0" err="1">
+                <a:solidFill>
+                  <a:schemeClr val="bg1"/>
+                </a:solidFill>
+                <a:latin typeface="Arial" panose="020B0604020202020204" pitchFamily="34" charset="0"/>
+                <a:ea typeface="KoPub돋움체 Bold" panose="00000800000000000000" pitchFamily="2" charset="-127"/>
+                <a:cs typeface="Arial" panose="020B0604020202020204" pitchFamily="34" charset="0"/>
+              </a:rPr>
+              <a:t>전처리</a:t>
+            </a:r>
             <a:endParaRPr lang="ko-KR" altLang="en-US" sz="5200" b="1" dirty="0">
               <a:solidFill>
                 <a:schemeClr val="bg1"/>
@@ -6239,7 +6318,7 @@
         </p:blipFill>
         <p:spPr bwMode="auto">
           <a:xfrm>
-            <a:off x="823382" y="20993784"/>
+            <a:off x="823382" y="20698948"/>
             <a:ext cx="7236576" cy="5427432"/>
           </a:xfrm>
           <a:prstGeom prst="rect">
@@ -6280,7 +6359,7 @@
         </p:blipFill>
         <p:spPr bwMode="auto">
           <a:xfrm>
-            <a:off x="8169474" y="20959051"/>
+            <a:off x="8169474" y="20664215"/>
             <a:ext cx="6487399" cy="5462165"/>
           </a:xfrm>
           <a:prstGeom prst="rect">
@@ -6684,6 +6763,852 @@
               <a:effectLst/>
               <a:latin typeface="-apple-system"/>
             </a:endParaRPr>
+          </a:p>
+        </p:txBody>
+      </p:sp>
+      <p:pic>
+        <p:nvPicPr>
+          <p:cNvPr id="3" name="그림 2">
+            <a:extLst>
+              <a:ext uri="{FF2B5EF4-FFF2-40B4-BE49-F238E27FC236}">
+                <a16:creationId xmlns:a16="http://schemas.microsoft.com/office/drawing/2014/main" id="{8DDC7750-CC3E-413A-9822-90ED7216F8A8}"/>
+              </a:ext>
+            </a:extLst>
+          </p:cNvPr>
+          <p:cNvPicPr>
+            <a:picLocks noChangeAspect="1"/>
+          </p:cNvPicPr>
+          <p:nvPr/>
+        </p:nvPicPr>
+        <p:blipFill>
+          <a:blip r:embed="rId5"/>
+          <a:stretch>
+            <a:fillRect/>
+          </a:stretch>
+        </p:blipFill>
+        <p:spPr>
+          <a:xfrm>
+            <a:off x="35223" y="-9996"/>
+            <a:ext cx="6993543" cy="7007904"/>
+          </a:xfrm>
+          <a:prstGeom prst="rect">
+            <a:avLst/>
+          </a:prstGeom>
+        </p:spPr>
+      </p:pic>
+      <p:pic>
+        <p:nvPicPr>
+          <p:cNvPr id="1026" name="Picture 2">
+            <a:extLst>
+              <a:ext uri="{FF2B5EF4-FFF2-40B4-BE49-F238E27FC236}">
+                <a16:creationId xmlns:a16="http://schemas.microsoft.com/office/drawing/2014/main" id="{6ED57415-1708-4542-80EB-062727209AF7}"/>
+              </a:ext>
+            </a:extLst>
+          </p:cNvPr>
+          <p:cNvPicPr>
+            <a:picLocks noChangeAspect="1" noChangeArrowheads="1"/>
+          </p:cNvPicPr>
+          <p:nvPr/>
+        </p:nvPicPr>
+        <p:blipFill>
+          <a:blip r:embed="rId6" cstate="print">
+            <a:extLst>
+              <a:ext uri="{28A0092B-C50C-407E-A947-70E740481C1C}">
+                <a14:useLocalDpi xmlns:a14="http://schemas.microsoft.com/office/drawing/2010/main" val="0"/>
+              </a:ext>
+            </a:extLst>
+          </a:blip>
+          <a:srcRect/>
+          <a:stretch>
+            <a:fillRect/>
+          </a:stretch>
+        </p:blipFill>
+        <p:spPr bwMode="auto">
+          <a:xfrm>
+            <a:off x="26500803" y="3776442"/>
+            <a:ext cx="3122484" cy="3122484"/>
+          </a:xfrm>
+          <a:prstGeom prst="rect">
+            <a:avLst/>
+          </a:prstGeom>
+          <a:noFill/>
+          <a:extLst>
+            <a:ext uri="{909E8E84-426E-40DD-AFC4-6F175D3DCCD1}">
+              <a14:hiddenFill xmlns:a14="http://schemas.microsoft.com/office/drawing/2010/main">
+                <a:solidFill>
+                  <a:srgbClr val="FFFFFF"/>
+                </a:solidFill>
+              </a14:hiddenFill>
+            </a:ext>
+          </a:extLst>
+        </p:spPr>
+      </p:pic>
+      <p:sp>
+        <p:nvSpPr>
+          <p:cNvPr id="6" name="TextBox 5">
+            <a:extLst>
+              <a:ext uri="{FF2B5EF4-FFF2-40B4-BE49-F238E27FC236}">
+                <a16:creationId xmlns:a16="http://schemas.microsoft.com/office/drawing/2014/main" id="{FC4AB5CB-9920-4518-8C12-E0A3A84712FF}"/>
+              </a:ext>
+            </a:extLst>
+          </p:cNvPr>
+          <p:cNvSpPr txBox="1"/>
+          <p:nvPr/>
+        </p:nvSpPr>
+        <p:spPr>
+          <a:xfrm>
+            <a:off x="14656873" y="9947412"/>
+            <a:ext cx="13865212" cy="3970318"/>
+          </a:xfrm>
+          <a:prstGeom prst="rect">
+            <a:avLst/>
+          </a:prstGeom>
+          <a:noFill/>
+        </p:spPr>
+        <p:txBody>
+          <a:bodyPr wrap="square" rtlCol="0">
+            <a:spAutoFit/>
+          </a:bodyPr>
+          <a:lstStyle/>
+          <a:p>
+            <a:pPr marL="1437005"/>
+            <a:r>
+              <a:rPr lang="ko-KR" altLang="ko-KR" sz="2800" b="1" kern="100" dirty="0">
+                <a:effectLst/>
+                <a:ea typeface="맑은 고딕" panose="020B0503020000020004" pitchFamily="50" charset="-127"/>
+                <a:cs typeface="Times New Roman" panose="02020603050405020304" pitchFamily="18" charset="0"/>
+              </a:rPr>
+              <a:t>독립변수</a:t>
+            </a:r>
+            <a:r>
+              <a:rPr lang="en-US" altLang="ko-KR" sz="2800" b="1" kern="100" dirty="0">
+                <a:effectLst/>
+                <a:ea typeface="맑은 고딕" panose="020B0503020000020004" pitchFamily="50" charset="-127"/>
+                <a:cs typeface="Times New Roman" panose="02020603050405020304" pitchFamily="18" charset="0"/>
+              </a:rPr>
+              <a:t> 1 = </a:t>
+            </a:r>
+            <a:r>
+              <a:rPr lang="ko-KR" altLang="ko-KR" sz="2800" b="1" kern="100" dirty="0">
+                <a:effectLst/>
+                <a:ea typeface="맑은 고딕" panose="020B0503020000020004" pitchFamily="50" charset="-127"/>
+                <a:cs typeface="Times New Roman" panose="02020603050405020304" pitchFamily="18" charset="0"/>
+              </a:rPr>
+              <a:t>온도</a:t>
+            </a:r>
+            <a:r>
+              <a:rPr lang="en-US" altLang="ko-KR" sz="2800" b="1" kern="100" dirty="0">
+                <a:effectLst/>
+                <a:ea typeface="맑은 고딕" panose="020B0503020000020004" pitchFamily="50" charset="-127"/>
+                <a:cs typeface="Times New Roman" panose="02020603050405020304" pitchFamily="18" charset="0"/>
+              </a:rPr>
+              <a:t> (</a:t>
+            </a:r>
+            <a:r>
+              <a:rPr lang="ko-KR" altLang="ko-KR" sz="2800" b="1" kern="100" dirty="0">
+                <a:effectLst/>
+                <a:ea typeface="맑은 고딕" panose="020B0503020000020004" pitchFamily="50" charset="-127"/>
+                <a:cs typeface="Times New Roman" panose="02020603050405020304" pitchFamily="18" charset="0"/>
+              </a:rPr>
+              <a:t>장비의 과열</a:t>
+            </a:r>
+            <a:r>
+              <a:rPr lang="en-US" altLang="ko-KR" sz="2800" b="1" kern="100" dirty="0">
+                <a:effectLst/>
+                <a:ea typeface="맑은 고딕" panose="020B0503020000020004" pitchFamily="50" charset="-127"/>
+                <a:cs typeface="Times New Roman" panose="02020603050405020304" pitchFamily="18" charset="0"/>
+              </a:rPr>
+              <a:t>, </a:t>
+            </a:r>
+            <a:r>
+              <a:rPr lang="ko-KR" altLang="ko-KR" sz="2800" b="1" kern="100" dirty="0">
+                <a:effectLst/>
+                <a:ea typeface="맑은 고딕" panose="020B0503020000020004" pitchFamily="50" charset="-127"/>
+                <a:cs typeface="Times New Roman" panose="02020603050405020304" pitchFamily="18" charset="0"/>
+              </a:rPr>
+              <a:t>외부 온도에 의한 인장</a:t>
+            </a:r>
+            <a:r>
+              <a:rPr lang="en-US" altLang="ko-KR" sz="2800" b="1" kern="100" dirty="0">
+                <a:effectLst/>
+                <a:ea typeface="맑은 고딕" panose="020B0503020000020004" pitchFamily="50" charset="-127"/>
+                <a:cs typeface="Times New Roman" panose="02020603050405020304" pitchFamily="18" charset="0"/>
+              </a:rPr>
+              <a:t>)</a:t>
+            </a:r>
+            <a:endParaRPr lang="ko-KR" altLang="ko-KR" sz="2800" b="1" kern="100" dirty="0">
+              <a:effectLst/>
+              <a:ea typeface="맑은 고딕" panose="020B0503020000020004" pitchFamily="50" charset="-127"/>
+              <a:cs typeface="Times New Roman" panose="02020603050405020304" pitchFamily="18" charset="0"/>
+            </a:endParaRPr>
+          </a:p>
+          <a:p>
+            <a:pPr marL="1437005"/>
+            <a:r>
+              <a:rPr lang="ko-KR" altLang="ko-KR" sz="2800" b="1" kern="100" dirty="0">
+                <a:effectLst/>
+                <a:ea typeface="맑은 고딕" panose="020B0503020000020004" pitchFamily="50" charset="-127"/>
+                <a:cs typeface="Times New Roman" panose="02020603050405020304" pitchFamily="18" charset="0"/>
+              </a:rPr>
+              <a:t>독립변수</a:t>
+            </a:r>
+            <a:r>
+              <a:rPr lang="en-US" altLang="ko-KR" sz="2800" b="1" kern="100" dirty="0">
+                <a:effectLst/>
+                <a:ea typeface="맑은 고딕" panose="020B0503020000020004" pitchFamily="50" charset="-127"/>
+                <a:cs typeface="Times New Roman" panose="02020603050405020304" pitchFamily="18" charset="0"/>
+              </a:rPr>
+              <a:t> 2 = </a:t>
+            </a:r>
+            <a:r>
+              <a:rPr lang="ko-KR" altLang="ko-KR" sz="2800" b="1" kern="100" dirty="0">
+                <a:effectLst/>
+                <a:ea typeface="맑은 고딕" panose="020B0503020000020004" pitchFamily="50" charset="-127"/>
+                <a:cs typeface="Times New Roman" panose="02020603050405020304" pitchFamily="18" charset="0"/>
+              </a:rPr>
+              <a:t>습도</a:t>
+            </a:r>
+            <a:r>
+              <a:rPr lang="en-US" altLang="ko-KR" sz="2800" b="1" kern="100" dirty="0">
+                <a:effectLst/>
+                <a:ea typeface="맑은 고딕" panose="020B0503020000020004" pitchFamily="50" charset="-127"/>
+                <a:cs typeface="Times New Roman" panose="02020603050405020304" pitchFamily="18" charset="0"/>
+              </a:rPr>
+              <a:t> (</a:t>
+            </a:r>
+            <a:r>
+              <a:rPr lang="ko-KR" altLang="ko-KR" sz="2800" b="1" kern="100" dirty="0">
+                <a:effectLst/>
+                <a:ea typeface="맑은 고딕" panose="020B0503020000020004" pitchFamily="50" charset="-127"/>
+                <a:cs typeface="Times New Roman" panose="02020603050405020304" pitchFamily="18" charset="0"/>
+              </a:rPr>
+              <a:t>습도</a:t>
+            </a:r>
+            <a:r>
+              <a:rPr lang="en-US" altLang="ko-KR" sz="2800" b="1" kern="100" dirty="0">
+                <a:effectLst/>
+                <a:ea typeface="맑은 고딕" panose="020B0503020000020004" pitchFamily="50" charset="-127"/>
+                <a:cs typeface="Times New Roman" panose="02020603050405020304" pitchFamily="18" charset="0"/>
+              </a:rPr>
+              <a:t>, </a:t>
+            </a:r>
+            <a:r>
+              <a:rPr lang="ko-KR" altLang="ko-KR" sz="2800" b="1" kern="100" dirty="0">
+                <a:effectLst/>
+                <a:ea typeface="맑은 고딕" panose="020B0503020000020004" pitchFamily="50" charset="-127"/>
+                <a:cs typeface="Times New Roman" panose="02020603050405020304" pitchFamily="18" charset="0"/>
+              </a:rPr>
+              <a:t>장비의 부식</a:t>
+            </a:r>
+            <a:r>
+              <a:rPr lang="en-US" altLang="ko-KR" sz="2800" b="1" kern="100" dirty="0">
+                <a:effectLst/>
+                <a:ea typeface="맑은 고딕" panose="020B0503020000020004" pitchFamily="50" charset="-127"/>
+                <a:cs typeface="Times New Roman" panose="02020603050405020304" pitchFamily="18" charset="0"/>
+              </a:rPr>
+              <a:t>, </a:t>
+            </a:r>
+            <a:r>
+              <a:rPr lang="ko-KR" altLang="ko-KR" sz="2800" b="1" kern="100" dirty="0">
+                <a:effectLst/>
+                <a:ea typeface="맑은 고딕" panose="020B0503020000020004" pitchFamily="50" charset="-127"/>
+                <a:cs typeface="Times New Roman" panose="02020603050405020304" pitchFamily="18" charset="0"/>
+              </a:rPr>
+              <a:t>무게 증량</a:t>
+            </a:r>
+            <a:r>
+              <a:rPr lang="en-US" altLang="ko-KR" sz="2800" b="1" kern="100" dirty="0">
+                <a:effectLst/>
+                <a:ea typeface="맑은 고딕" panose="020B0503020000020004" pitchFamily="50" charset="-127"/>
+                <a:cs typeface="Times New Roman" panose="02020603050405020304" pitchFamily="18" charset="0"/>
+              </a:rPr>
+              <a:t>)</a:t>
+            </a:r>
+            <a:endParaRPr lang="ko-KR" altLang="ko-KR" sz="2800" b="1" kern="100" dirty="0">
+              <a:effectLst/>
+              <a:ea typeface="맑은 고딕" panose="020B0503020000020004" pitchFamily="50" charset="-127"/>
+              <a:cs typeface="Times New Roman" panose="02020603050405020304" pitchFamily="18" charset="0"/>
+            </a:endParaRPr>
+          </a:p>
+          <a:p>
+            <a:pPr marL="1437005"/>
+            <a:r>
+              <a:rPr lang="ko-KR" altLang="ko-KR" sz="2800" b="1" kern="100" dirty="0">
+                <a:effectLst/>
+                <a:ea typeface="맑은 고딕" panose="020B0503020000020004" pitchFamily="50" charset="-127"/>
+                <a:cs typeface="Times New Roman" panose="02020603050405020304" pitchFamily="18" charset="0"/>
+              </a:rPr>
+              <a:t>독립변수</a:t>
+            </a:r>
+            <a:r>
+              <a:rPr lang="en-US" altLang="ko-KR" sz="2800" b="1" kern="100" dirty="0">
+                <a:effectLst/>
+                <a:ea typeface="맑은 고딕" panose="020B0503020000020004" pitchFamily="50" charset="-127"/>
+                <a:cs typeface="Times New Roman" panose="02020603050405020304" pitchFamily="18" charset="0"/>
+              </a:rPr>
+              <a:t> 3 = RPM (</a:t>
+            </a:r>
+            <a:r>
+              <a:rPr lang="ko-KR" altLang="ko-KR" sz="2800" b="1" kern="100" dirty="0">
+                <a:effectLst/>
+                <a:ea typeface="맑은 고딕" panose="020B0503020000020004" pitchFamily="50" charset="-127"/>
+                <a:cs typeface="Times New Roman" panose="02020603050405020304" pitchFamily="18" charset="0"/>
+              </a:rPr>
+              <a:t>장비의 과부화</a:t>
+            </a:r>
+            <a:r>
+              <a:rPr lang="en-US" altLang="ko-KR" sz="2800" b="1" kern="100" dirty="0">
+                <a:effectLst/>
+                <a:ea typeface="맑은 고딕" panose="020B0503020000020004" pitchFamily="50" charset="-127"/>
+                <a:cs typeface="Times New Roman" panose="02020603050405020304" pitchFamily="18" charset="0"/>
+              </a:rPr>
+              <a:t>, </a:t>
+            </a:r>
+            <a:r>
+              <a:rPr lang="ko-KR" altLang="ko-KR" sz="2800" b="1" kern="100" dirty="0">
+                <a:effectLst/>
+                <a:ea typeface="맑은 고딕" panose="020B0503020000020004" pitchFamily="50" charset="-127"/>
+                <a:cs typeface="Times New Roman" panose="02020603050405020304" pitchFamily="18" charset="0"/>
+              </a:rPr>
+              <a:t>오작동 상태</a:t>
+            </a:r>
+            <a:r>
+              <a:rPr lang="en-US" altLang="ko-KR" sz="2800" b="1" kern="100" dirty="0">
+                <a:effectLst/>
+                <a:ea typeface="맑은 고딕" panose="020B0503020000020004" pitchFamily="50" charset="-127"/>
+                <a:cs typeface="Times New Roman" panose="02020603050405020304" pitchFamily="18" charset="0"/>
+              </a:rPr>
+              <a:t>)</a:t>
+            </a:r>
+            <a:endParaRPr lang="ko-KR" altLang="ko-KR" sz="2800" b="1" kern="100" dirty="0">
+              <a:effectLst/>
+              <a:ea typeface="맑은 고딕" panose="020B0503020000020004" pitchFamily="50" charset="-127"/>
+              <a:cs typeface="Times New Roman" panose="02020603050405020304" pitchFamily="18" charset="0"/>
+            </a:endParaRPr>
+          </a:p>
+          <a:p>
+            <a:pPr marL="1437005"/>
+            <a:r>
+              <a:rPr lang="ko-KR" altLang="ko-KR" sz="2800" b="1" kern="100" dirty="0">
+                <a:effectLst/>
+                <a:ea typeface="맑은 고딕" panose="020B0503020000020004" pitchFamily="50" charset="-127"/>
+                <a:cs typeface="Times New Roman" panose="02020603050405020304" pitchFamily="18" charset="0"/>
+              </a:rPr>
+              <a:t>독립변수</a:t>
+            </a:r>
+            <a:r>
+              <a:rPr lang="en-US" altLang="ko-KR" sz="2800" b="1" kern="100" dirty="0">
+                <a:effectLst/>
+                <a:ea typeface="맑은 고딕" panose="020B0503020000020004" pitchFamily="50" charset="-127"/>
+                <a:cs typeface="Times New Roman" panose="02020603050405020304" pitchFamily="18" charset="0"/>
+              </a:rPr>
+              <a:t> 4 = </a:t>
+            </a:r>
+            <a:r>
+              <a:rPr lang="ko-KR" altLang="ko-KR" sz="2800" b="1" kern="100" dirty="0">
+                <a:effectLst/>
+                <a:ea typeface="맑은 고딕" panose="020B0503020000020004" pitchFamily="50" charset="-127"/>
+                <a:cs typeface="Times New Roman" panose="02020603050405020304" pitchFamily="18" charset="0"/>
+              </a:rPr>
+              <a:t>진동</a:t>
+            </a:r>
+            <a:r>
+              <a:rPr lang="en-US" altLang="ko-KR" sz="2800" b="1" kern="100" dirty="0">
+                <a:effectLst/>
+                <a:ea typeface="맑은 고딕" panose="020B0503020000020004" pitchFamily="50" charset="-127"/>
+                <a:cs typeface="Times New Roman" panose="02020603050405020304" pitchFamily="18" charset="0"/>
+              </a:rPr>
+              <a:t> (</a:t>
+            </a:r>
+            <a:r>
+              <a:rPr lang="ko-KR" altLang="ko-KR" sz="2800" b="1" kern="100" dirty="0">
+                <a:effectLst/>
+                <a:ea typeface="맑은 고딕" panose="020B0503020000020004" pitchFamily="50" charset="-127"/>
+                <a:cs typeface="Times New Roman" panose="02020603050405020304" pitchFamily="18" charset="0"/>
+              </a:rPr>
+              <a:t>장비의 과부화</a:t>
+            </a:r>
+            <a:r>
+              <a:rPr lang="en-US" altLang="ko-KR" sz="2800" b="1" kern="100" dirty="0">
+                <a:effectLst/>
+                <a:ea typeface="맑은 고딕" panose="020B0503020000020004" pitchFamily="50" charset="-127"/>
+                <a:cs typeface="Times New Roman" panose="02020603050405020304" pitchFamily="18" charset="0"/>
+              </a:rPr>
+              <a:t>, </a:t>
+            </a:r>
+            <a:r>
+              <a:rPr lang="ko-KR" altLang="ko-KR" sz="2800" b="1" kern="100" dirty="0">
+                <a:effectLst/>
+                <a:ea typeface="맑은 고딕" panose="020B0503020000020004" pitchFamily="50" charset="-127"/>
+                <a:cs typeface="Times New Roman" panose="02020603050405020304" pitchFamily="18" charset="0"/>
+              </a:rPr>
+              <a:t>장비의 부하</a:t>
+            </a:r>
+            <a:r>
+              <a:rPr lang="en-US" altLang="ko-KR" sz="2800" b="1" kern="100" dirty="0">
+                <a:effectLst/>
+                <a:ea typeface="맑은 고딕" panose="020B0503020000020004" pitchFamily="50" charset="-127"/>
+                <a:cs typeface="Times New Roman" panose="02020603050405020304" pitchFamily="18" charset="0"/>
+              </a:rPr>
+              <a:t>)</a:t>
+            </a:r>
+            <a:endParaRPr lang="ko-KR" altLang="ko-KR" sz="2800" b="1" kern="100" dirty="0">
+              <a:effectLst/>
+              <a:ea typeface="맑은 고딕" panose="020B0503020000020004" pitchFamily="50" charset="-127"/>
+              <a:cs typeface="Times New Roman" panose="02020603050405020304" pitchFamily="18" charset="0"/>
+            </a:endParaRPr>
+          </a:p>
+          <a:p>
+            <a:pPr marL="1437005"/>
+            <a:r>
+              <a:rPr lang="ko-KR" altLang="ko-KR" sz="2800" b="1" kern="100" dirty="0">
+                <a:effectLst/>
+                <a:ea typeface="맑은 고딕" panose="020B0503020000020004" pitchFamily="50" charset="-127"/>
+                <a:cs typeface="Times New Roman" panose="02020603050405020304" pitchFamily="18" charset="0"/>
+              </a:rPr>
+              <a:t>독립변수</a:t>
+            </a:r>
+            <a:r>
+              <a:rPr lang="en-US" altLang="ko-KR" sz="2800" b="1" kern="100" dirty="0">
+                <a:effectLst/>
+                <a:ea typeface="맑은 고딕" panose="020B0503020000020004" pitchFamily="50" charset="-127"/>
+                <a:cs typeface="Times New Roman" panose="02020603050405020304" pitchFamily="18" charset="0"/>
+              </a:rPr>
+              <a:t> 5 = </a:t>
+            </a:r>
+            <a:r>
+              <a:rPr lang="ko-KR" altLang="ko-KR" sz="2800" b="1" kern="100" dirty="0">
+                <a:effectLst/>
+                <a:ea typeface="맑은 고딕" panose="020B0503020000020004" pitchFamily="50" charset="-127"/>
+                <a:cs typeface="Times New Roman" panose="02020603050405020304" pitchFamily="18" charset="0"/>
+              </a:rPr>
+              <a:t>압력</a:t>
+            </a:r>
+            <a:r>
+              <a:rPr lang="en-US" altLang="ko-KR" sz="2800" b="1" kern="100" dirty="0">
+                <a:effectLst/>
+                <a:ea typeface="맑은 고딕" panose="020B0503020000020004" pitchFamily="50" charset="-127"/>
+                <a:cs typeface="Times New Roman" panose="02020603050405020304" pitchFamily="18" charset="0"/>
+              </a:rPr>
+              <a:t> (</a:t>
+            </a:r>
+            <a:r>
+              <a:rPr lang="ko-KR" altLang="ko-KR" sz="2800" b="1" kern="100" dirty="0">
+                <a:effectLst/>
+                <a:ea typeface="맑은 고딕" panose="020B0503020000020004" pitchFamily="50" charset="-127"/>
+                <a:cs typeface="Times New Roman" panose="02020603050405020304" pitchFamily="18" charset="0"/>
+              </a:rPr>
+              <a:t>장비의 부하</a:t>
+            </a:r>
+            <a:r>
+              <a:rPr lang="en-US" altLang="ko-KR" sz="2800" b="1" kern="100" dirty="0">
+                <a:effectLst/>
+                <a:ea typeface="맑은 고딕" panose="020B0503020000020004" pitchFamily="50" charset="-127"/>
+                <a:cs typeface="Times New Roman" panose="02020603050405020304" pitchFamily="18" charset="0"/>
+              </a:rPr>
+              <a:t>, </a:t>
+            </a:r>
+            <a:r>
+              <a:rPr lang="ko-KR" altLang="ko-KR" sz="2800" b="1" kern="100" dirty="0">
+                <a:effectLst/>
+                <a:ea typeface="맑은 고딕" panose="020B0503020000020004" pitchFamily="50" charset="-127"/>
+                <a:cs typeface="Times New Roman" panose="02020603050405020304" pitchFamily="18" charset="0"/>
+              </a:rPr>
+              <a:t>하중</a:t>
+            </a:r>
+            <a:r>
+              <a:rPr lang="en-US" altLang="ko-KR" sz="2800" b="1" kern="100" dirty="0">
+                <a:effectLst/>
+                <a:ea typeface="맑은 고딕" panose="020B0503020000020004" pitchFamily="50" charset="-127"/>
+                <a:cs typeface="Times New Roman" panose="02020603050405020304" pitchFamily="18" charset="0"/>
+              </a:rPr>
+              <a:t>)</a:t>
+            </a:r>
+            <a:endParaRPr lang="ko-KR" altLang="ko-KR" sz="2800" b="1" kern="100" dirty="0">
+              <a:effectLst/>
+              <a:ea typeface="맑은 고딕" panose="020B0503020000020004" pitchFamily="50" charset="-127"/>
+              <a:cs typeface="Times New Roman" panose="02020603050405020304" pitchFamily="18" charset="0"/>
+            </a:endParaRPr>
+          </a:p>
+          <a:p>
+            <a:pPr marL="1437005"/>
+            <a:r>
+              <a:rPr lang="ko-KR" altLang="ko-KR" sz="2800" b="1" kern="100" dirty="0">
+                <a:effectLst/>
+                <a:ea typeface="맑은 고딕" panose="020B0503020000020004" pitchFamily="50" charset="-127"/>
+                <a:cs typeface="Times New Roman" panose="02020603050405020304" pitchFamily="18" charset="0"/>
+              </a:rPr>
+              <a:t>센서</a:t>
+            </a:r>
+            <a:r>
+              <a:rPr lang="en-US" altLang="ko-KR" sz="2800" b="1" kern="100" dirty="0">
+                <a:effectLst/>
+                <a:ea typeface="맑은 고딕" panose="020B0503020000020004" pitchFamily="50" charset="-127"/>
+                <a:cs typeface="Times New Roman" panose="02020603050405020304" pitchFamily="18" charset="0"/>
+              </a:rPr>
+              <a:t>1~6 (</a:t>
+            </a:r>
+            <a:r>
+              <a:rPr lang="ko-KR" altLang="ko-KR" sz="2800" b="1" kern="100" dirty="0">
+                <a:effectLst/>
+                <a:ea typeface="맑은 고딕" panose="020B0503020000020004" pitchFamily="50" charset="-127"/>
+                <a:cs typeface="Times New Roman" panose="02020603050405020304" pitchFamily="18" charset="0"/>
+              </a:rPr>
+              <a:t>베어링</a:t>
+            </a:r>
+            <a:r>
+              <a:rPr lang="en-US" altLang="ko-KR" sz="2800" b="1" kern="100" dirty="0">
+                <a:effectLst/>
+                <a:ea typeface="맑은 고딕" panose="020B0503020000020004" pitchFamily="50" charset="-127"/>
+                <a:cs typeface="Times New Roman" panose="02020603050405020304" pitchFamily="18" charset="0"/>
+              </a:rPr>
+              <a:t>, </a:t>
+            </a:r>
+            <a:r>
+              <a:rPr lang="ko-KR" altLang="ko-KR" sz="2800" b="1" kern="100" dirty="0">
+                <a:effectLst/>
+                <a:ea typeface="맑은 고딕" panose="020B0503020000020004" pitchFamily="50" charset="-127"/>
+                <a:cs typeface="Times New Roman" panose="02020603050405020304" pitchFamily="18" charset="0"/>
+              </a:rPr>
+              <a:t>와이어로프 등 장비에 대한 센서</a:t>
+            </a:r>
+            <a:r>
+              <a:rPr lang="en-US" altLang="ko-KR" sz="2800" b="1" kern="100" dirty="0">
+                <a:effectLst/>
+                <a:ea typeface="맑은 고딕" panose="020B0503020000020004" pitchFamily="50" charset="-127"/>
+                <a:cs typeface="Times New Roman" panose="02020603050405020304" pitchFamily="18" charset="0"/>
+              </a:rPr>
+              <a:t>)</a:t>
+            </a:r>
+          </a:p>
+          <a:p>
+            <a:pPr marL="1437005"/>
+            <a:endParaRPr lang="ko-KR" altLang="ko-KR" sz="2800" b="1" kern="100" dirty="0">
+              <a:effectLst/>
+              <a:ea typeface="맑은 고딕" panose="020B0503020000020004" pitchFamily="50" charset="-127"/>
+              <a:cs typeface="Times New Roman" panose="02020603050405020304" pitchFamily="18" charset="0"/>
+            </a:endParaRPr>
+          </a:p>
+          <a:p>
+            <a:pPr marL="1437005"/>
+            <a:r>
+              <a:rPr lang="ko-KR" altLang="ko-KR" sz="2800" b="1" kern="100" dirty="0">
+                <a:effectLst/>
+                <a:ea typeface="맑은 고딕" panose="020B0503020000020004" pitchFamily="50" charset="-127"/>
+                <a:cs typeface="Times New Roman" panose="02020603050405020304" pitchFamily="18" charset="0"/>
+              </a:rPr>
+              <a:t>종속변수</a:t>
+            </a:r>
+            <a:r>
+              <a:rPr lang="en-US" altLang="ko-KR" sz="2800" b="1" kern="100" dirty="0">
+                <a:effectLst/>
+                <a:ea typeface="맑은 고딕" panose="020B0503020000020004" pitchFamily="50" charset="-127"/>
+                <a:cs typeface="Times New Roman" panose="02020603050405020304" pitchFamily="18" charset="0"/>
+              </a:rPr>
+              <a:t> = </a:t>
+            </a:r>
+            <a:r>
+              <a:rPr lang="ko-KR" altLang="ko-KR" sz="2800" b="1" kern="100" dirty="0">
+                <a:effectLst/>
+                <a:ea typeface="맑은 고딕" panose="020B0503020000020004" pitchFamily="50" charset="-127"/>
+                <a:cs typeface="Times New Roman" panose="02020603050405020304" pitchFamily="18" charset="0"/>
+              </a:rPr>
+              <a:t>고장유무</a:t>
+            </a:r>
+            <a:r>
+              <a:rPr lang="en-US" altLang="ko-KR" sz="2800" b="1" kern="100" dirty="0">
+                <a:effectLst/>
+                <a:ea typeface="맑은 고딕" panose="020B0503020000020004" pitchFamily="50" charset="-127"/>
+                <a:cs typeface="Times New Roman" panose="02020603050405020304" pitchFamily="18" charset="0"/>
+              </a:rPr>
+              <a:t>(0</a:t>
+            </a:r>
+            <a:r>
+              <a:rPr lang="ko-KR" altLang="ko-KR" sz="2800" b="1" kern="100" dirty="0">
+                <a:effectLst/>
+                <a:ea typeface="맑은 고딕" panose="020B0503020000020004" pitchFamily="50" charset="-127"/>
+                <a:cs typeface="Times New Roman" panose="02020603050405020304" pitchFamily="18" charset="0"/>
+              </a:rPr>
+              <a:t>정상</a:t>
+            </a:r>
+            <a:r>
+              <a:rPr lang="en-US" altLang="ko-KR" sz="2800" b="1" kern="100" dirty="0">
+                <a:effectLst/>
+                <a:ea typeface="맑은 고딕" panose="020B0503020000020004" pitchFamily="50" charset="-127"/>
+                <a:cs typeface="Times New Roman" panose="02020603050405020304" pitchFamily="18" charset="0"/>
+              </a:rPr>
+              <a:t>, 1</a:t>
+            </a:r>
+            <a:r>
+              <a:rPr lang="ko-KR" altLang="ko-KR" sz="2800" b="1" kern="100" dirty="0">
+                <a:effectLst/>
+                <a:ea typeface="맑은 고딕" panose="020B0503020000020004" pitchFamily="50" charset="-127"/>
+                <a:cs typeface="Times New Roman" panose="02020603050405020304" pitchFamily="18" charset="0"/>
+              </a:rPr>
+              <a:t>위험</a:t>
+            </a:r>
+            <a:r>
+              <a:rPr lang="en-US" altLang="ko-KR" sz="2800" b="1" kern="100" dirty="0">
+                <a:effectLst/>
+                <a:ea typeface="맑은 고딕" panose="020B0503020000020004" pitchFamily="50" charset="-127"/>
+                <a:cs typeface="Times New Roman" panose="02020603050405020304" pitchFamily="18" charset="0"/>
+              </a:rPr>
+              <a:t>, 2</a:t>
+            </a:r>
+            <a:r>
+              <a:rPr lang="ko-KR" altLang="ko-KR" sz="2800" b="1" kern="100" dirty="0">
+                <a:effectLst/>
+                <a:ea typeface="맑은 고딕" panose="020B0503020000020004" pitchFamily="50" charset="-127"/>
+                <a:cs typeface="Times New Roman" panose="02020603050405020304" pitchFamily="18" charset="0"/>
+              </a:rPr>
+              <a:t>고장</a:t>
+            </a:r>
+            <a:r>
+              <a:rPr lang="en-US" altLang="ko-KR" sz="2800" b="1" kern="100" dirty="0">
+                <a:effectLst/>
+                <a:ea typeface="맑은 고딕" panose="020B0503020000020004" pitchFamily="50" charset="-127"/>
+                <a:cs typeface="Times New Roman" panose="02020603050405020304" pitchFamily="18" charset="0"/>
+              </a:rPr>
+              <a:t>) </a:t>
+            </a:r>
+            <a:endParaRPr lang="ko-KR" altLang="ko-KR" sz="2800" b="1" kern="100" dirty="0">
+              <a:effectLst/>
+              <a:ea typeface="맑은 고딕" panose="020B0503020000020004" pitchFamily="50" charset="-127"/>
+              <a:cs typeface="Times New Roman" panose="02020603050405020304" pitchFamily="18" charset="0"/>
+            </a:endParaRPr>
+          </a:p>
+          <a:p>
+            <a:pPr marL="685800"/>
+            <a:r>
+              <a:rPr lang="en-US" altLang="ko-KR" sz="2800" kern="100" dirty="0">
+                <a:effectLst/>
+                <a:latin typeface="Calibri" panose="020F0502020204030204" pitchFamily="34" charset="0"/>
+                <a:ea typeface="맑은 고딕" panose="020B0503020000020004" pitchFamily="50" charset="-127"/>
+                <a:cs typeface="Times New Roman" panose="02020603050405020304" pitchFamily="18" charset="0"/>
+              </a:rPr>
+              <a:t> </a:t>
+            </a:r>
+            <a:endParaRPr lang="ko-KR" altLang="ko-KR" sz="2800" kern="100" dirty="0">
+              <a:effectLst/>
+              <a:latin typeface="Calibri" panose="020F0502020204030204" pitchFamily="34" charset="0"/>
+              <a:ea typeface="맑은 고딕" panose="020B0503020000020004" pitchFamily="50" charset="-127"/>
+              <a:cs typeface="Times New Roman" panose="02020603050405020304" pitchFamily="18" charset="0"/>
+            </a:endParaRPr>
+          </a:p>
+        </p:txBody>
+      </p:sp>
+      <p:pic>
+        <p:nvPicPr>
+          <p:cNvPr id="53" name="그림 52" descr="텍스트, 스크린샷, 사각형, 패턴이(가) 표시된 사진&#10;&#10;자동 생성된 설명">
+            <a:extLst>
+              <a:ext uri="{FF2B5EF4-FFF2-40B4-BE49-F238E27FC236}">
+                <a16:creationId xmlns:a16="http://schemas.microsoft.com/office/drawing/2014/main" id="{6629CA43-E8F2-4F65-8D31-A181540EED2B}"/>
+              </a:ext>
+            </a:extLst>
+          </p:cNvPr>
+          <p:cNvPicPr/>
+          <p:nvPr/>
+        </p:nvPicPr>
+        <p:blipFill>
+          <a:blip r:embed="rId7" cstate="print">
+            <a:extLst>
+              <a:ext uri="{28A0092B-C50C-407E-A947-70E740481C1C}">
+                <a14:useLocalDpi xmlns:a14="http://schemas.microsoft.com/office/drawing/2010/main" val="0"/>
+              </a:ext>
+            </a:extLst>
+          </a:blip>
+          <a:srcRect/>
+          <a:stretch>
+            <a:fillRect/>
+          </a:stretch>
+        </p:blipFill>
+        <p:spPr bwMode="auto">
+          <a:xfrm>
+            <a:off x="15840224" y="13540510"/>
+            <a:ext cx="6929741" cy="5343491"/>
+          </a:xfrm>
+          <a:prstGeom prst="rect">
+            <a:avLst/>
+          </a:prstGeom>
+          <a:noFill/>
+          <a:ln>
+            <a:noFill/>
+          </a:ln>
+        </p:spPr>
+      </p:pic>
+      <p:sp>
+        <p:nvSpPr>
+          <p:cNvPr id="8" name="TextBox 7">
+            <a:extLst>
+              <a:ext uri="{FF2B5EF4-FFF2-40B4-BE49-F238E27FC236}">
+                <a16:creationId xmlns:a16="http://schemas.microsoft.com/office/drawing/2014/main" id="{1DA8EA10-3741-492F-BB14-CC87001BD4AC}"/>
+              </a:ext>
+            </a:extLst>
+          </p:cNvPr>
+          <p:cNvSpPr txBox="1"/>
+          <p:nvPr/>
+        </p:nvSpPr>
+        <p:spPr>
+          <a:xfrm>
+            <a:off x="17049588" y="19011572"/>
+            <a:ext cx="6337027" cy="400110"/>
+          </a:xfrm>
+          <a:prstGeom prst="rect">
+            <a:avLst/>
+          </a:prstGeom>
+          <a:noFill/>
+        </p:spPr>
+        <p:txBody>
+          <a:bodyPr wrap="square" rtlCol="0">
+            <a:spAutoFit/>
+          </a:bodyPr>
+          <a:lstStyle/>
+          <a:p>
+            <a:r>
+              <a:rPr lang="ko-KR" altLang="en-US" sz="2000" dirty="0"/>
+              <a:t>그림 </a:t>
+            </a:r>
+            <a:r>
+              <a:rPr lang="en-US" altLang="ko-KR" sz="2000" dirty="0"/>
+              <a:t>2 </a:t>
+            </a:r>
+            <a:r>
+              <a:rPr lang="ko-KR" altLang="en-US" sz="2000" dirty="0"/>
+              <a:t>각 변수의 상관관계 분석표</a:t>
+            </a:r>
+          </a:p>
+        </p:txBody>
+      </p:sp>
+      <p:sp>
+        <p:nvSpPr>
+          <p:cNvPr id="55" name="TextBox 54">
+            <a:extLst>
+              <a:ext uri="{FF2B5EF4-FFF2-40B4-BE49-F238E27FC236}">
+                <a16:creationId xmlns:a16="http://schemas.microsoft.com/office/drawing/2014/main" id="{DC47903F-6B5D-45A2-A145-A12E49DE902C}"/>
+              </a:ext>
+            </a:extLst>
+          </p:cNvPr>
+          <p:cNvSpPr txBox="1"/>
+          <p:nvPr/>
+        </p:nvSpPr>
+        <p:spPr>
+          <a:xfrm>
+            <a:off x="5543882" y="26384785"/>
+            <a:ext cx="6337027" cy="400110"/>
+          </a:xfrm>
+          <a:prstGeom prst="rect">
+            <a:avLst/>
+          </a:prstGeom>
+          <a:noFill/>
+        </p:spPr>
+        <p:txBody>
+          <a:bodyPr wrap="square" rtlCol="0">
+            <a:spAutoFit/>
+          </a:bodyPr>
+          <a:lstStyle/>
+          <a:p>
+            <a:r>
+              <a:rPr lang="ko-KR" altLang="en-US" sz="2000" dirty="0"/>
+              <a:t>그림 </a:t>
+            </a:r>
+            <a:r>
+              <a:rPr lang="en-US" altLang="ko-KR" sz="2000" dirty="0"/>
+              <a:t>1 </a:t>
+            </a:r>
+            <a:r>
+              <a:rPr lang="ko-KR" altLang="en-US" sz="2000" dirty="0"/>
+              <a:t>건설용 리프트 추락 사고</a:t>
+            </a:r>
+          </a:p>
+        </p:txBody>
+      </p:sp>
+      <p:pic>
+        <p:nvPicPr>
+          <p:cNvPr id="56" name="그림 55" descr="텍스트, 도표, 평면도, 기술 도면이(가) 표시된 사진&#10;&#10;자동 생성된 설명">
+            <a:extLst>
+              <a:ext uri="{FF2B5EF4-FFF2-40B4-BE49-F238E27FC236}">
+                <a16:creationId xmlns:a16="http://schemas.microsoft.com/office/drawing/2014/main" id="{C5721F02-365F-4DAC-A8DC-098D271B64B7}"/>
+              </a:ext>
+            </a:extLst>
+          </p:cNvPr>
+          <p:cNvPicPr/>
+          <p:nvPr/>
+        </p:nvPicPr>
+        <p:blipFill>
+          <a:blip r:embed="rId8">
+            <a:extLst>
+              <a:ext uri="{28A0092B-C50C-407E-A947-70E740481C1C}">
+                <a14:useLocalDpi xmlns:a14="http://schemas.microsoft.com/office/drawing/2010/main" val="0"/>
+              </a:ext>
+            </a:extLst>
+          </a:blip>
+          <a:srcRect/>
+          <a:stretch>
+            <a:fillRect/>
+          </a:stretch>
+        </p:blipFill>
+        <p:spPr bwMode="auto">
+          <a:xfrm>
+            <a:off x="23055165" y="12834283"/>
+            <a:ext cx="6021867" cy="6339917"/>
+          </a:xfrm>
+          <a:prstGeom prst="rect">
+            <a:avLst/>
+          </a:prstGeom>
+          <a:noFill/>
+          <a:ln>
+            <a:noFill/>
+          </a:ln>
+        </p:spPr>
+      </p:pic>
+      <p:sp>
+        <p:nvSpPr>
+          <p:cNvPr id="58" name="TextBox 57">
+            <a:extLst>
+              <a:ext uri="{FF2B5EF4-FFF2-40B4-BE49-F238E27FC236}">
+                <a16:creationId xmlns:a16="http://schemas.microsoft.com/office/drawing/2014/main" id="{609E8F6D-D3FC-4697-B244-BBE359BB21F0}"/>
+              </a:ext>
+            </a:extLst>
+          </p:cNvPr>
+          <p:cNvSpPr txBox="1"/>
+          <p:nvPr/>
+        </p:nvSpPr>
+        <p:spPr>
+          <a:xfrm>
+            <a:off x="23401064" y="19011572"/>
+            <a:ext cx="6337027" cy="400110"/>
+          </a:xfrm>
+          <a:prstGeom prst="rect">
+            <a:avLst/>
+          </a:prstGeom>
+          <a:noFill/>
+        </p:spPr>
+        <p:txBody>
+          <a:bodyPr wrap="square" rtlCol="0">
+            <a:spAutoFit/>
+          </a:bodyPr>
+          <a:lstStyle/>
+          <a:p>
+            <a:r>
+              <a:rPr lang="ko-KR" altLang="en-US" sz="2000" dirty="0"/>
+              <a:t>그림 </a:t>
+            </a:r>
+            <a:r>
+              <a:rPr lang="en-US" altLang="ko-KR" sz="2000" dirty="0"/>
+              <a:t>3 </a:t>
+            </a:r>
+            <a:r>
+              <a:rPr lang="ko-KR" altLang="en-US" sz="2000" dirty="0"/>
+              <a:t>종속변수별 각 독립변수의 </a:t>
+            </a:r>
+            <a:r>
+              <a:rPr lang="ko-KR" altLang="en-US" sz="2000" dirty="0" err="1"/>
+              <a:t>데이터량</a:t>
+            </a:r>
+            <a:r>
+              <a:rPr lang="ko-KR" altLang="en-US" sz="2000" dirty="0"/>
+              <a:t> 수치</a:t>
+            </a:r>
           </a:p>
         </p:txBody>
       </p:sp>

--- a/파이썬 프로젝트 포스터.pptx
+++ b/파이썬 프로젝트 포스터.pptx
@@ -135,7 +135,7 @@
             <a:srgbClr val="A4A3A4"/>
           </p15:clr>
         </p15:guide>
-        <p15:guide id="20" orient="horz" pos="9960" userDrawn="1">
+        <p15:guide id="20" orient="horz" pos="9978" userDrawn="1">
           <p15:clr>
             <a:srgbClr val="A4A3A4"/>
           </p15:clr>
@@ -3705,8 +3705,8 @@
         </p:nvSpPr>
         <p:spPr>
           <a:xfrm>
-            <a:off x="392313" y="6983539"/>
-            <a:ext cx="29684871" cy="35993261"/>
+            <a:off x="205477" y="5203866"/>
+            <a:ext cx="29779223" cy="37847851"/>
           </a:xfrm>
           <a:prstGeom prst="roundRect">
             <a:avLst>
@@ -3740,33 +3740,37 @@
           <a:bodyPr rtlCol="0" anchor="ctr"/>
           <a:lstStyle/>
           <a:p>
-            <a:r>
-              <a:rPr lang="ko-KR" altLang="ko-KR" sz="1800" b="1" kern="100">
-                <a:effectLst/>
-                <a:latin typeface="Calibri" panose="020F0502020204030204" pitchFamily="34" charset="0"/>
-                <a:ea typeface="맑은 고딕" panose="020B0503020000020004" pitchFamily="50" charset="-127"/>
-                <a:cs typeface="Times New Roman" panose="02020603050405020304" pitchFamily="18" charset="0"/>
-              </a:rPr>
-              <a:t>그림 </a:t>
-            </a:r>
-            <a:r>
-              <a:rPr lang="en-US" altLang="ko-KR" sz="1800" b="1" kern="100">
-                <a:effectLst/>
-                <a:latin typeface="Calibri" panose="020F0502020204030204" pitchFamily="34" charset="0"/>
-                <a:ea typeface="맑은 고딕" panose="020B0503020000020004" pitchFamily="50" charset="-127"/>
-                <a:cs typeface="Times New Roman" panose="02020603050405020304" pitchFamily="18" charset="0"/>
-              </a:rPr>
-              <a:t>1 </a:t>
-            </a:r>
-            <a:r>
-              <a:rPr lang="ko-KR" altLang="ko-KR" sz="1800" b="1" kern="100">
-                <a:effectLst/>
-                <a:latin typeface="Calibri" panose="020F0502020204030204" pitchFamily="34" charset="0"/>
-                <a:ea typeface="맑은 고딕" panose="020B0503020000020004" pitchFamily="50" charset="-127"/>
-                <a:cs typeface="Times New Roman" panose="02020603050405020304" pitchFamily="18" charset="0"/>
-              </a:rPr>
-              <a:t>각 변수의 상관관계 분석표</a:t>
-            </a:r>
+            <a:pPr algn="ctr"/>
+            <a:r>
+              <a:rPr lang="ko-KR" altLang="en-US" sz="1800" b="1" dirty="0">
+                <a:solidFill>
+                  <a:schemeClr val="bg1"/>
+                </a:solidFill>
+                <a:latin typeface="Arial" panose="020B0604020202020204" pitchFamily="34" charset="0"/>
+                <a:ea typeface="KoPub돋움체 Bold" panose="00000800000000000000" pitchFamily="2" charset="-127"/>
+                <a:cs typeface="Arial" panose="020B0604020202020204" pitchFamily="34" charset="0"/>
+              </a:rPr>
+              <a:t>데이터 </a:t>
+            </a:r>
+            <a:r>
+              <a:rPr lang="ko-KR" altLang="en-US" sz="1800" b="1" dirty="0" err="1">
+                <a:solidFill>
+                  <a:schemeClr val="bg1"/>
+                </a:solidFill>
+                <a:latin typeface="Arial" panose="020B0604020202020204" pitchFamily="34" charset="0"/>
+                <a:ea typeface="KoPub돋움체 Bold" panose="00000800000000000000" pitchFamily="2" charset="-127"/>
+                <a:cs typeface="Arial" panose="020B0604020202020204" pitchFamily="34" charset="0"/>
+              </a:rPr>
+              <a:t>전처리</a:t>
+            </a:r>
+            <a:endParaRPr lang="ko-KR" altLang="en-US" sz="1800" b="1" dirty="0">
+              <a:solidFill>
+                <a:schemeClr val="bg1"/>
+              </a:solidFill>
+              <a:latin typeface="Arial" panose="020B0604020202020204" pitchFamily="34" charset="0"/>
+              <a:ea typeface="KoPub돋움체 Bold" panose="00000800000000000000" pitchFamily="2" charset="-127"/>
+              <a:cs typeface="Arial" panose="020B0604020202020204" pitchFamily="34" charset="0"/>
+            </a:endParaRPr>
           </a:p>
         </p:txBody>
       </p:sp>
@@ -3778,10 +3782,10 @@
         </p:nvGrpSpPr>
         <p:grpSpPr>
           <a:xfrm>
-            <a:off x="541816" y="7188082"/>
-            <a:ext cx="14507684" cy="1162765"/>
-            <a:chOff x="3495193" y="1847112"/>
-            <a:chExt cx="15696738" cy="1384106"/>
+            <a:off x="430511" y="5398519"/>
+            <a:ext cx="14617401" cy="1162768"/>
+            <a:chOff x="3495193" y="-283106"/>
+            <a:chExt cx="15696738" cy="1384109"/>
           </a:xfrm>
         </p:grpSpPr>
         <p:sp>
@@ -3792,7 +3796,7 @@
           </p:nvSpPr>
           <p:spPr>
             <a:xfrm>
-              <a:off x="3495193" y="1850424"/>
+              <a:off x="3495193" y="-279791"/>
               <a:ext cx="15696738" cy="1380794"/>
             </a:xfrm>
             <a:prstGeom prst="roundRect">
@@ -3866,8 +3870,8 @@
           </p:nvSpPr>
           <p:spPr>
             <a:xfrm>
-              <a:off x="3658844" y="2032397"/>
-              <a:ext cx="1041815" cy="1041817"/>
+              <a:off x="3658844" y="-97821"/>
+              <a:ext cx="1041815" cy="1041818"/>
             </a:xfrm>
             <a:prstGeom prst="ellipse">
               <a:avLst/>
@@ -3923,8 +3927,8 @@
           </p:nvSpPr>
           <p:spPr>
             <a:xfrm>
-              <a:off x="3495198" y="1847112"/>
-              <a:ext cx="15695016" cy="1384105"/>
+              <a:off x="3495198" y="-283106"/>
+              <a:ext cx="15695016" cy="1384106"/>
             </a:xfrm>
             <a:prstGeom prst="rect">
               <a:avLst/>
@@ -3971,10 +3975,10 @@
         </p:nvGrpSpPr>
         <p:grpSpPr>
           <a:xfrm>
-            <a:off x="548628" y="27144935"/>
-            <a:ext cx="14500872" cy="1170235"/>
+            <a:off x="497297" y="23454418"/>
+            <a:ext cx="14500872" cy="1170237"/>
             <a:chOff x="3491124" y="1838220"/>
-            <a:chExt cx="15689369" cy="1392998"/>
+            <a:chExt cx="15689369" cy="1393000"/>
           </a:xfrm>
         </p:grpSpPr>
         <p:sp>
@@ -3986,7 +3990,7 @@
           <p:spPr>
             <a:xfrm>
               <a:off x="3495198" y="1850424"/>
-              <a:ext cx="15685295" cy="1380794"/>
+              <a:ext cx="15685295" cy="1380796"/>
             </a:xfrm>
             <a:prstGeom prst="roundRect">
               <a:avLst>
@@ -4117,7 +4121,7 @@
           <p:spPr>
             <a:xfrm>
               <a:off x="3491124" y="1838220"/>
-              <a:ext cx="15687652" cy="1381096"/>
+              <a:ext cx="15687652" cy="1381097"/>
             </a:xfrm>
             <a:prstGeom prst="rect">
               <a:avLst/>
@@ -4161,8 +4165,8 @@
         </p:nvSpPr>
         <p:spPr>
           <a:xfrm>
-            <a:off x="430511" y="8494863"/>
-            <a:ext cx="14679860" cy="4929753"/>
+            <a:off x="502520" y="6694664"/>
+            <a:ext cx="14358500" cy="3744415"/>
           </a:xfrm>
           <a:prstGeom prst="roundRect">
             <a:avLst>
@@ -4224,23 +4228,39 @@
                   <a:schemeClr val="tx1"/>
                 </a:solidFill>
               </a:rPr>
-              <a:t> 건설현장의 리프트</a:t>
+              <a:t> </a:t>
+            </a:r>
+            <a:r>
+              <a:rPr lang="ko-KR" altLang="en-US" sz="2800" b="1" dirty="0">
+                <a:solidFill>
+                  <a:srgbClr val="FF0000"/>
+                </a:solidFill>
+              </a:rPr>
+              <a:t>건설현장의 리프트</a:t>
             </a:r>
             <a:r>
               <a:rPr lang="en-US" altLang="ko-KR" sz="2800" b="1" dirty="0">
                 <a:solidFill>
+                  <a:srgbClr val="FF0000"/>
+                </a:solidFill>
+              </a:rPr>
+              <a:t>, </a:t>
+            </a:r>
+            <a:r>
+              <a:rPr lang="ko-KR" altLang="en-US" sz="2800" b="1" dirty="0">
+                <a:solidFill>
+                  <a:srgbClr val="FF0000"/>
+                </a:solidFill>
+              </a:rPr>
+              <a:t>곤돌라 등 양중기에 접목</a:t>
+            </a:r>
+            <a:r>
+              <a:rPr lang="ko-KR" altLang="en-US" sz="2800" b="1" dirty="0">
+                <a:solidFill>
                   <a:schemeClr val="tx1"/>
                 </a:solidFill>
               </a:rPr>
-              <a:t>, </a:t>
-            </a:r>
-            <a:r>
-              <a:rPr lang="ko-KR" altLang="en-US" sz="2800" b="1" dirty="0">
-                <a:solidFill>
-                  <a:schemeClr val="tx1"/>
-                </a:solidFill>
-              </a:rPr>
-              <a:t>곤돌라 등 양중기에 접목하여 안전관리를 보다 편리하고 정밀하게 수행</a:t>
+              <a:t>하여 안전관리를 보다 편리하고 정밀하게 수행</a:t>
             </a:r>
             <a:endParaRPr lang="en-US" altLang="ko-KR" sz="2800" b="1" dirty="0">
               <a:solidFill>
@@ -4489,7 +4509,23 @@
                   <a:schemeClr val="tx1"/>
                 </a:solidFill>
               </a:rPr>
-              <a:t>승강 장비의 안전성 확보 및 안전관리 효율성과 정확성 기대 가능 </a:t>
+              <a:t>승강 장비의 안전성 확보 및 </a:t>
+            </a:r>
+            <a:r>
+              <a:rPr lang="ko-KR" altLang="en-US" sz="2800" b="1" dirty="0">
+                <a:solidFill>
+                  <a:srgbClr val="FF0000"/>
+                </a:solidFill>
+              </a:rPr>
+              <a:t>안전관리 효율성과 정확성</a:t>
+            </a:r>
+            <a:r>
+              <a:rPr lang="ko-KR" altLang="en-US" sz="2800" b="1" dirty="0">
+                <a:solidFill>
+                  <a:schemeClr val="tx1"/>
+                </a:solidFill>
+              </a:rPr>
+              <a:t> 기대 가능 </a:t>
             </a:r>
           </a:p>
         </p:txBody>
@@ -4836,9 +4872,9 @@
         </p:nvGrpSpPr>
         <p:grpSpPr>
           <a:xfrm>
-            <a:off x="533338" y="13538686"/>
-            <a:ext cx="14516162" cy="1220873"/>
-            <a:chOff x="3495203" y="1777942"/>
+            <a:off x="430511" y="10583095"/>
+            <a:ext cx="14598807" cy="1220873"/>
+            <a:chOff x="3495203" y="-1650659"/>
             <a:chExt cx="15705911" cy="1453276"/>
           </a:xfrm>
         </p:grpSpPr>
@@ -4856,8 +4892,8 @@
           </p:nvSpPr>
           <p:spPr>
             <a:xfrm>
-              <a:off x="3495203" y="1850424"/>
-              <a:ext cx="15705911" cy="1380794"/>
+              <a:off x="3495203" y="-1578180"/>
+              <a:ext cx="15705911" cy="1380797"/>
             </a:xfrm>
             <a:prstGeom prst="roundRect">
               <a:avLst>
@@ -4936,8 +4972,8 @@
           </p:nvSpPr>
           <p:spPr>
             <a:xfrm>
-              <a:off x="3658845" y="2065726"/>
-              <a:ext cx="1041816" cy="1041817"/>
+              <a:off x="3658845" y="-1362874"/>
+              <a:ext cx="1041816" cy="1041819"/>
             </a:xfrm>
             <a:prstGeom prst="ellipse">
               <a:avLst/>
@@ -4999,8 +5035,8 @@
           </p:nvSpPr>
           <p:spPr>
             <a:xfrm>
-              <a:off x="3522321" y="1777942"/>
-              <a:ext cx="15678793" cy="1442409"/>
+              <a:off x="3522321" y="-1650659"/>
+              <a:ext cx="15678793" cy="1442415"/>
             </a:xfrm>
             <a:prstGeom prst="rect">
               <a:avLst/>
@@ -5036,8 +5072,8 @@
         </p:nvSpPr>
         <p:spPr>
           <a:xfrm>
-            <a:off x="430510" y="28449720"/>
-            <a:ext cx="14676282" cy="7407181"/>
+            <a:off x="533400" y="24768671"/>
+            <a:ext cx="14327620" cy="7021177"/>
           </a:xfrm>
           <a:prstGeom prst="roundRect">
             <a:avLst>
@@ -5086,8 +5122,8 @@
         </p:nvSpPr>
         <p:spPr>
           <a:xfrm>
-            <a:off x="430511" y="14903575"/>
-            <a:ext cx="14676281" cy="12101950"/>
+            <a:off x="504844" y="11951247"/>
+            <a:ext cx="14356176" cy="11277924"/>
           </a:xfrm>
           <a:prstGeom prst="roundRect">
             <a:avLst>
@@ -5147,8 +5183,8 @@
         </p:nvGrpSpPr>
         <p:grpSpPr>
           <a:xfrm>
-            <a:off x="15227300" y="7188082"/>
-            <a:ext cx="14503400" cy="1162764"/>
+            <a:off x="480420" y="31950563"/>
+            <a:ext cx="14516162" cy="1162764"/>
             <a:chOff x="3487138" y="1832629"/>
             <a:chExt cx="15692104" cy="1398589"/>
           </a:xfrm>
@@ -5355,8 +5391,8 @@
         </p:nvSpPr>
         <p:spPr>
           <a:xfrm>
-            <a:off x="15210971" y="8470570"/>
-            <a:ext cx="14601948" cy="27386331"/>
+            <a:off x="15210971" y="5476603"/>
+            <a:ext cx="14601948" cy="29398262"/>
           </a:xfrm>
           <a:prstGeom prst="roundRect">
             <a:avLst>
@@ -5411,9 +5447,9 @@
         </p:nvGrpSpPr>
         <p:grpSpPr>
           <a:xfrm>
-            <a:off x="657667" y="15045849"/>
-            <a:ext cx="14283192" cy="865838"/>
-            <a:chOff x="3779763" y="1761201"/>
+            <a:off x="657667" y="12093519"/>
+            <a:ext cx="14011405" cy="955278"/>
+            <a:chOff x="3779763" y="1353989"/>
             <a:chExt cx="3289991" cy="196358"/>
           </a:xfrm>
         </p:grpSpPr>
@@ -5425,7 +5461,7 @@
           </p:nvSpPr>
           <p:spPr>
             <a:xfrm>
-              <a:off x="3779763" y="1761201"/>
+              <a:off x="3779763" y="1353989"/>
               <a:ext cx="3289991" cy="196358"/>
             </a:xfrm>
             <a:prstGeom prst="roundRect">
@@ -5493,7 +5529,7 @@
           </p:nvSpPr>
           <p:spPr>
             <a:xfrm>
-              <a:off x="3818685" y="1780345"/>
+              <a:off x="3818685" y="1373135"/>
               <a:ext cx="173384" cy="157595"/>
             </a:xfrm>
             <a:prstGeom prst="ellipse">
@@ -5551,7 +5587,7 @@
         </p:nvSpPr>
         <p:spPr>
           <a:xfrm>
-            <a:off x="929453" y="15983695"/>
+            <a:off x="929453" y="12959359"/>
             <a:ext cx="14011405" cy="5109091"/>
           </a:xfrm>
           <a:prstGeom prst="rect">
@@ -5679,7 +5715,7 @@
             <a:r>
               <a:rPr lang="en-US" altLang="ko-KR" sz="2800" b="1" dirty="0">
                 <a:solidFill>
-                  <a:srgbClr val="0070C0"/>
+                  <a:srgbClr val="FF0000"/>
                 </a:solidFill>
               </a:rPr>
               <a:t>(</a:t>
@@ -5687,7 +5723,7 @@
             <a:r>
               <a:rPr lang="ko-KR" altLang="en-US" sz="2800" b="1" dirty="0">
                 <a:solidFill>
-                  <a:srgbClr val="0070C0"/>
+                  <a:srgbClr val="FF0000"/>
                 </a:solidFill>
               </a:rPr>
               <a:t>추락</a:t>
@@ -5695,7 +5731,7 @@
             <a:r>
               <a:rPr lang="en-US" altLang="ko-KR" sz="2800" b="1" dirty="0">
                 <a:solidFill>
-                  <a:srgbClr val="0070C0"/>
+                  <a:srgbClr val="FF0000"/>
                 </a:solidFill>
               </a:rPr>
               <a:t>)</a:t>
@@ -5754,30 +5790,2021 @@
           </a:p>
         </p:txBody>
       </p:sp>
+      <p:sp>
+        <p:nvSpPr>
+          <p:cNvPr id="191" name="모서리가 둥근 직사각형 190"/>
+          <p:cNvSpPr/>
+          <p:nvPr/>
+        </p:nvSpPr>
+        <p:spPr>
+          <a:xfrm>
+            <a:off x="15287953" y="36385057"/>
+            <a:ext cx="14524966" cy="6385368"/>
+          </a:xfrm>
+          <a:prstGeom prst="roundRect">
+            <a:avLst>
+              <a:gd name="adj" fmla="val 10233"/>
+            </a:avLst>
+          </a:prstGeom>
+          <a:noFill/>
+          <a:ln w="38100">
+            <a:solidFill>
+              <a:schemeClr val="accent1">
+                <a:lumMod val="50000"/>
+              </a:schemeClr>
+            </a:solidFill>
+          </a:ln>
+        </p:spPr>
+        <p:style>
+          <a:lnRef idx="2">
+            <a:schemeClr val="accent1">
+              <a:shade val="50000"/>
+            </a:schemeClr>
+          </a:lnRef>
+          <a:fillRef idx="1">
+            <a:schemeClr val="accent1"/>
+          </a:fillRef>
+          <a:effectRef idx="0">
+            <a:schemeClr val="accent1"/>
+          </a:effectRef>
+          <a:fontRef idx="minor">
+            <a:schemeClr val="lt1"/>
+          </a:fontRef>
+        </p:style>
+        <p:txBody>
+          <a:bodyPr lIns="72000" tIns="36000" rIns="0" bIns="36000" rtlCol="0" anchor="ctr"/>
+          <a:lstStyle/>
+          <a:p>
+            <a:pPr>
+              <a:spcAft>
+                <a:spcPts val="200"/>
+              </a:spcAft>
+            </a:pPr>
+            <a:endParaRPr lang="en-US" altLang="ko-KR" sz="4000" dirty="0">
+              <a:solidFill>
+                <a:schemeClr val="tx1"/>
+              </a:solidFill>
+              <a:latin typeface="Arial" panose="020B0604020202020204" pitchFamily="34" charset="0"/>
+              <a:ea typeface="KoPub돋움체 Medium" panose="00000600000000000000" pitchFamily="2" charset="-127"/>
+            </a:endParaRPr>
+          </a:p>
+        </p:txBody>
+      </p:sp>
+      <p:sp>
+        <p:nvSpPr>
+          <p:cNvPr id="252" name="모서리가 둥근 직사각형 251"/>
+          <p:cNvSpPr/>
+          <p:nvPr/>
+        </p:nvSpPr>
+        <p:spPr>
+          <a:xfrm>
+            <a:off x="751267" y="33573647"/>
+            <a:ext cx="2784596" cy="988112"/>
+          </a:xfrm>
+          <a:prstGeom prst="roundRect">
+            <a:avLst>
+              <a:gd name="adj" fmla="val 50000"/>
+            </a:avLst>
+          </a:prstGeom>
+          <a:solidFill>
+            <a:schemeClr val="tx2">
+              <a:lumMod val="60000"/>
+              <a:lumOff val="40000"/>
+            </a:schemeClr>
+          </a:solidFill>
+          <a:ln>
+            <a:noFill/>
+          </a:ln>
+          <a:effectLst>
+            <a:outerShdw blurRad="50800" dist="38100" algn="l" rotWithShape="0">
+              <a:prstClr val="black">
+                <a:alpha val="40000"/>
+              </a:prstClr>
+            </a:outerShdw>
+          </a:effectLst>
+        </p:spPr>
+        <p:style>
+          <a:lnRef idx="2">
+            <a:schemeClr val="accent1">
+              <a:shade val="50000"/>
+            </a:schemeClr>
+          </a:lnRef>
+          <a:fillRef idx="1">
+            <a:schemeClr val="accent1"/>
+          </a:fillRef>
+          <a:effectRef idx="0">
+            <a:schemeClr val="accent1"/>
+          </a:effectRef>
+          <a:fontRef idx="minor">
+            <a:schemeClr val="lt1"/>
+          </a:fontRef>
+        </p:style>
+        <p:txBody>
+          <a:bodyPr lIns="72000" tIns="36000" rIns="72000" bIns="36000" rtlCol="0" anchor="ctr"/>
+          <a:lstStyle/>
+          <a:p>
+            <a:pPr algn="ctr"/>
+            <a:r>
+              <a:rPr lang="ko-KR" altLang="en-US" sz="5200" b="1" dirty="0">
+                <a:solidFill>
+                  <a:schemeClr val="bg1"/>
+                </a:solidFill>
+                <a:latin typeface="Arial" panose="020B0604020202020204" pitchFamily="34" charset="0"/>
+                <a:ea typeface="KoPub돋움체 Bold" panose="00000800000000000000" pitchFamily="2" charset="-127"/>
+                <a:cs typeface="Arial" panose="020B0604020202020204" pitchFamily="34" charset="0"/>
+              </a:rPr>
+              <a:t>데이터</a:t>
+            </a:r>
+          </a:p>
+        </p:txBody>
+      </p:sp>
+      <p:sp>
+        <p:nvSpPr>
+          <p:cNvPr id="296" name="모서리가 둥근 직사각형 295"/>
+          <p:cNvSpPr/>
+          <p:nvPr/>
+        </p:nvSpPr>
+        <p:spPr>
+          <a:xfrm>
+            <a:off x="15473694" y="5690613"/>
+            <a:ext cx="4968551" cy="1029333"/>
+          </a:xfrm>
+          <a:prstGeom prst="roundRect">
+            <a:avLst>
+              <a:gd name="adj" fmla="val 50000"/>
+            </a:avLst>
+          </a:prstGeom>
+          <a:solidFill>
+            <a:schemeClr val="tx2">
+              <a:lumMod val="60000"/>
+              <a:lumOff val="40000"/>
+            </a:schemeClr>
+          </a:solidFill>
+          <a:ln>
+            <a:noFill/>
+          </a:ln>
+          <a:effectLst>
+            <a:outerShdw blurRad="50800" dist="38100" algn="l" rotWithShape="0">
+              <a:prstClr val="black">
+                <a:alpha val="40000"/>
+              </a:prstClr>
+            </a:outerShdw>
+          </a:effectLst>
+        </p:spPr>
+        <p:style>
+          <a:lnRef idx="2">
+            <a:schemeClr val="accent1">
+              <a:shade val="50000"/>
+            </a:schemeClr>
+          </a:lnRef>
+          <a:fillRef idx="1">
+            <a:schemeClr val="accent1"/>
+          </a:fillRef>
+          <a:effectRef idx="0">
+            <a:schemeClr val="accent1"/>
+          </a:effectRef>
+          <a:fontRef idx="minor">
+            <a:schemeClr val="lt1"/>
+          </a:fontRef>
+        </p:style>
+        <p:txBody>
+          <a:bodyPr lIns="72000" tIns="36000" rIns="72000" bIns="36000" rtlCol="0" anchor="ctr"/>
+          <a:lstStyle/>
+          <a:p>
+            <a:pPr algn="ctr"/>
+            <a:r>
+              <a:rPr lang="ko-KR" altLang="en-US" sz="5200" b="1" dirty="0">
+                <a:solidFill>
+                  <a:schemeClr val="bg1"/>
+                </a:solidFill>
+                <a:latin typeface="Arial" panose="020B0604020202020204" pitchFamily="34" charset="0"/>
+                <a:ea typeface="KoPub돋움체 Bold" panose="00000800000000000000" pitchFamily="2" charset="-127"/>
+                <a:cs typeface="Arial" panose="020B0604020202020204" pitchFamily="34" charset="0"/>
+              </a:rPr>
+              <a:t>데이터 </a:t>
+            </a:r>
+            <a:r>
+              <a:rPr lang="ko-KR" altLang="en-US" sz="5200" b="1" dirty="0" err="1">
+                <a:solidFill>
+                  <a:schemeClr val="bg1"/>
+                </a:solidFill>
+                <a:latin typeface="Arial" panose="020B0604020202020204" pitchFamily="34" charset="0"/>
+                <a:ea typeface="KoPub돋움체 Bold" panose="00000800000000000000" pitchFamily="2" charset="-127"/>
+                <a:cs typeface="Arial" panose="020B0604020202020204" pitchFamily="34" charset="0"/>
+              </a:rPr>
+              <a:t>전처리</a:t>
+            </a:r>
+            <a:endParaRPr lang="ko-KR" altLang="en-US" sz="5200" b="1" dirty="0">
+              <a:solidFill>
+                <a:schemeClr val="bg1"/>
+              </a:solidFill>
+              <a:latin typeface="Arial" panose="020B0604020202020204" pitchFamily="34" charset="0"/>
+              <a:ea typeface="KoPub돋움체 Bold" panose="00000800000000000000" pitchFamily="2" charset="-127"/>
+              <a:cs typeface="Arial" panose="020B0604020202020204" pitchFamily="34" charset="0"/>
+            </a:endParaRPr>
+          </a:p>
+        </p:txBody>
+      </p:sp>
+      <p:sp>
+        <p:nvSpPr>
+          <p:cNvPr id="301" name="모서리가 둥근 직사각형 300"/>
+          <p:cNvSpPr/>
+          <p:nvPr/>
+        </p:nvSpPr>
+        <p:spPr>
+          <a:xfrm>
+            <a:off x="15473694" y="9588872"/>
+            <a:ext cx="8640960" cy="988112"/>
+          </a:xfrm>
+          <a:prstGeom prst="roundRect">
+            <a:avLst>
+              <a:gd name="adj" fmla="val 50000"/>
+            </a:avLst>
+          </a:prstGeom>
+          <a:solidFill>
+            <a:schemeClr val="tx2">
+              <a:lumMod val="60000"/>
+              <a:lumOff val="40000"/>
+            </a:schemeClr>
+          </a:solidFill>
+          <a:ln>
+            <a:noFill/>
+          </a:ln>
+          <a:effectLst>
+            <a:outerShdw blurRad="50800" dist="38100" algn="l" rotWithShape="0">
+              <a:prstClr val="black">
+                <a:alpha val="40000"/>
+              </a:prstClr>
+            </a:outerShdw>
+          </a:effectLst>
+        </p:spPr>
+        <p:style>
+          <a:lnRef idx="2">
+            <a:schemeClr val="accent1">
+              <a:shade val="50000"/>
+            </a:schemeClr>
+          </a:lnRef>
+          <a:fillRef idx="1">
+            <a:schemeClr val="accent1"/>
+          </a:fillRef>
+          <a:effectRef idx="0">
+            <a:schemeClr val="accent1"/>
+          </a:effectRef>
+          <a:fontRef idx="minor">
+            <a:schemeClr val="lt1"/>
+          </a:fontRef>
+        </p:style>
+        <p:txBody>
+          <a:bodyPr lIns="72000" tIns="36000" rIns="72000" bIns="36000" rtlCol="0" anchor="ctr"/>
+          <a:lstStyle/>
+          <a:p>
+            <a:pPr algn="ctr"/>
+            <a:r>
+              <a:rPr lang="ko-KR" altLang="en-US" sz="5200" b="1" dirty="0" err="1">
+                <a:solidFill>
+                  <a:schemeClr val="bg1"/>
+                </a:solidFill>
+                <a:latin typeface="Arial" panose="020B0604020202020204" pitchFamily="34" charset="0"/>
+                <a:ea typeface="KoPub돋움체 Bold" panose="00000800000000000000" pitchFamily="2" charset="-127"/>
+                <a:cs typeface="Arial" panose="020B0604020202020204" pitchFamily="34" charset="0"/>
+              </a:rPr>
+              <a:t>머신러닝</a:t>
+            </a:r>
+            <a:r>
+              <a:rPr lang="ko-KR" altLang="en-US" sz="5200" b="1" dirty="0">
+                <a:solidFill>
+                  <a:schemeClr val="bg1"/>
+                </a:solidFill>
+                <a:latin typeface="Arial" panose="020B0604020202020204" pitchFamily="34" charset="0"/>
+                <a:ea typeface="KoPub돋움체 Bold" panose="00000800000000000000" pitchFamily="2" charset="-127"/>
+                <a:cs typeface="Arial" panose="020B0604020202020204" pitchFamily="34" charset="0"/>
+              </a:rPr>
+              <a:t> 모델 및 성능지표</a:t>
+            </a:r>
+          </a:p>
+        </p:txBody>
+      </p:sp>
+      <p:sp>
+        <p:nvSpPr>
+          <p:cNvPr id="302" name="모서리가 둥근 직사각형 301"/>
+          <p:cNvSpPr/>
+          <p:nvPr/>
+        </p:nvSpPr>
+        <p:spPr>
+          <a:xfrm>
+            <a:off x="15473694" y="14402504"/>
+            <a:ext cx="3750905" cy="1014616"/>
+          </a:xfrm>
+          <a:prstGeom prst="roundRect">
+            <a:avLst>
+              <a:gd name="adj" fmla="val 50000"/>
+            </a:avLst>
+          </a:prstGeom>
+          <a:solidFill>
+            <a:schemeClr val="tx2">
+              <a:lumMod val="60000"/>
+              <a:lumOff val="40000"/>
+            </a:schemeClr>
+          </a:solidFill>
+          <a:ln>
+            <a:noFill/>
+          </a:ln>
+          <a:effectLst>
+            <a:outerShdw blurRad="50800" dist="38100" algn="l" rotWithShape="0">
+              <a:prstClr val="black">
+                <a:alpha val="40000"/>
+              </a:prstClr>
+            </a:outerShdw>
+          </a:effectLst>
+        </p:spPr>
+        <p:style>
+          <a:lnRef idx="2">
+            <a:schemeClr val="accent1">
+              <a:shade val="50000"/>
+            </a:schemeClr>
+          </a:lnRef>
+          <a:fillRef idx="1">
+            <a:schemeClr val="accent1"/>
+          </a:fillRef>
+          <a:effectRef idx="0">
+            <a:schemeClr val="accent1"/>
+          </a:effectRef>
+          <a:fontRef idx="minor">
+            <a:schemeClr val="lt1"/>
+          </a:fontRef>
+        </p:style>
+        <p:txBody>
+          <a:bodyPr lIns="72000" tIns="36000" rIns="72000" bIns="36000" rtlCol="0" anchor="ctr"/>
+          <a:lstStyle/>
+          <a:p>
+            <a:pPr algn="ctr"/>
+            <a:r>
+              <a:rPr lang="ko-KR" altLang="en-US" sz="5200" b="1" dirty="0">
+                <a:solidFill>
+                  <a:schemeClr val="bg1"/>
+                </a:solidFill>
+                <a:latin typeface="Arial" panose="020B0604020202020204" pitchFamily="34" charset="0"/>
+                <a:ea typeface="KoPub돋움체 Bold" panose="00000800000000000000" pitchFamily="2" charset="-127"/>
+                <a:cs typeface="Arial" panose="020B0604020202020204" pitchFamily="34" charset="0"/>
+              </a:rPr>
+              <a:t>개발 결과</a:t>
+            </a:r>
+          </a:p>
+        </p:txBody>
+      </p:sp>
+      <p:pic>
+        <p:nvPicPr>
+          <p:cNvPr id="2" name="그림 1">
+            <a:extLst>
+              <a:ext uri="{FF2B5EF4-FFF2-40B4-BE49-F238E27FC236}">
+                <a16:creationId xmlns:a16="http://schemas.microsoft.com/office/drawing/2014/main" id="{AF1A4CE4-B72D-6BB5-D05E-DFEE500120BE}"/>
+              </a:ext>
+            </a:extLst>
+          </p:cNvPr>
+          <p:cNvPicPr>
+            <a:picLocks noChangeAspect="1"/>
+          </p:cNvPicPr>
+          <p:nvPr/>
+        </p:nvPicPr>
+        <p:blipFill>
+          <a:blip r:embed="rId3">
+            <a:extLst>
+              <a:ext uri="{28A0092B-C50C-407E-A947-70E740481C1C}">
+                <a14:useLocalDpi xmlns:a14="http://schemas.microsoft.com/office/drawing/2010/main" val="0"/>
+              </a:ext>
+            </a:extLst>
+          </a:blip>
+          <a:srcRect/>
+          <a:stretch>
+            <a:fillRect/>
+          </a:stretch>
+        </p:blipFill>
+        <p:spPr bwMode="auto">
+          <a:xfrm>
+            <a:off x="1023171" y="17541039"/>
+            <a:ext cx="6896173" cy="5153385"/>
+          </a:xfrm>
+          <a:prstGeom prst="rect">
+            <a:avLst/>
+          </a:prstGeom>
+          <a:noFill/>
+          <a:ln>
+            <a:noFill/>
+          </a:ln>
+        </p:spPr>
+      </p:pic>
+      <p:pic>
+        <p:nvPicPr>
+          <p:cNvPr id="4" name="그림 3">
+            <a:extLst>
+              <a:ext uri="{FF2B5EF4-FFF2-40B4-BE49-F238E27FC236}">
+                <a16:creationId xmlns:a16="http://schemas.microsoft.com/office/drawing/2014/main" id="{E657547E-AF6B-0755-61EB-AFFA04FADFA8}"/>
+              </a:ext>
+            </a:extLst>
+          </p:cNvPr>
+          <p:cNvPicPr>
+            <a:picLocks noChangeAspect="1"/>
+          </p:cNvPicPr>
+          <p:nvPr/>
+        </p:nvPicPr>
+        <p:blipFill>
+          <a:blip r:embed="rId4">
+            <a:extLst>
+              <a:ext uri="{28A0092B-C50C-407E-A947-70E740481C1C}">
+                <a14:useLocalDpi xmlns:a14="http://schemas.microsoft.com/office/drawing/2010/main" val="0"/>
+              </a:ext>
+            </a:extLst>
+          </a:blip>
+          <a:srcRect/>
+          <a:stretch>
+            <a:fillRect/>
+          </a:stretch>
+        </p:blipFill>
+        <p:spPr bwMode="auto">
+          <a:xfrm>
+            <a:off x="8063360" y="17506307"/>
+            <a:ext cx="6337028" cy="5187991"/>
+          </a:xfrm>
+          <a:prstGeom prst="rect">
+            <a:avLst/>
+          </a:prstGeom>
+          <a:noFill/>
+          <a:ln>
+            <a:noFill/>
+          </a:ln>
+        </p:spPr>
+      </p:pic>
+      <p:sp>
+        <p:nvSpPr>
+          <p:cNvPr id="7" name="TextBox 6">
+            <a:extLst>
+              <a:ext uri="{FF2B5EF4-FFF2-40B4-BE49-F238E27FC236}">
+                <a16:creationId xmlns:a16="http://schemas.microsoft.com/office/drawing/2014/main" id="{D3AA5F8A-C264-3009-FB35-2B9C22DB18C7}"/>
+              </a:ext>
+            </a:extLst>
+          </p:cNvPr>
+          <p:cNvSpPr txBox="1"/>
+          <p:nvPr/>
+        </p:nvSpPr>
+        <p:spPr>
+          <a:xfrm>
+            <a:off x="862560" y="25004710"/>
+            <a:ext cx="13786566" cy="6555641"/>
+          </a:xfrm>
+          <a:prstGeom prst="rect">
+            <a:avLst/>
+          </a:prstGeom>
+          <a:noFill/>
+        </p:spPr>
+        <p:txBody>
+          <a:bodyPr wrap="square" rtlCol="0">
+            <a:spAutoFit/>
+          </a:bodyPr>
+          <a:lstStyle/>
+          <a:p>
+            <a:pPr algn="l"/>
+            <a:r>
+              <a:rPr lang="en-US" altLang="ko-KR" sz="2800" b="1" i="0" dirty="0">
+                <a:solidFill>
+                  <a:srgbClr val="1F2328"/>
+                </a:solidFill>
+                <a:effectLst/>
+                <a:latin typeface="-apple-system"/>
+              </a:rPr>
+              <a:t>1. </a:t>
+            </a:r>
+            <a:r>
+              <a:rPr lang="ko-KR" altLang="en-US" sz="2800" b="1" i="0" dirty="0">
+                <a:solidFill>
+                  <a:srgbClr val="1F2328"/>
+                </a:solidFill>
+                <a:effectLst/>
+                <a:latin typeface="-apple-system"/>
+              </a:rPr>
+              <a:t>실시간 모니터링</a:t>
+            </a:r>
+          </a:p>
+          <a:p>
+            <a:pPr algn="l"/>
+            <a:r>
+              <a:rPr lang="en-US" altLang="ko-KR" sz="2800" b="1" dirty="0">
+                <a:solidFill>
+                  <a:srgbClr val="1F2328"/>
+                </a:solidFill>
+                <a:latin typeface="-apple-system"/>
+              </a:rPr>
+              <a:t> </a:t>
+            </a:r>
+            <a:r>
+              <a:rPr lang="ko-KR" altLang="en-US" sz="2800" b="1" i="0" dirty="0">
+                <a:solidFill>
+                  <a:srgbClr val="1F2328"/>
+                </a:solidFill>
+                <a:effectLst/>
+                <a:latin typeface="-apple-system"/>
+              </a:rPr>
+              <a:t>승강기의 상태를 실시간으로 감시하고</a:t>
+            </a:r>
+            <a:r>
+              <a:rPr lang="en-US" altLang="ko-KR" sz="2800" b="1" i="0" dirty="0">
+                <a:solidFill>
+                  <a:srgbClr val="1F2328"/>
+                </a:solidFill>
+                <a:effectLst/>
+                <a:latin typeface="-apple-system"/>
+              </a:rPr>
+              <a:t>, </a:t>
+            </a:r>
+            <a:r>
+              <a:rPr lang="ko-KR" altLang="en-US" sz="2800" b="1" i="0" dirty="0">
+                <a:solidFill>
+                  <a:srgbClr val="FF0000"/>
+                </a:solidFill>
+                <a:effectLst/>
+                <a:latin typeface="-apple-system"/>
+              </a:rPr>
+              <a:t>이상 징후를 조기에 감지</a:t>
+            </a:r>
+            <a:endParaRPr lang="en-US" altLang="ko-KR" sz="2800" b="1" i="0" dirty="0">
+              <a:solidFill>
+                <a:srgbClr val="FF0000"/>
+              </a:solidFill>
+              <a:effectLst/>
+              <a:latin typeface="-apple-system"/>
+            </a:endParaRPr>
+          </a:p>
+          <a:p>
+            <a:pPr algn="l"/>
+            <a:endParaRPr lang="en-US" altLang="ko-KR" sz="2800" b="1" i="0" dirty="0">
+              <a:solidFill>
+                <a:srgbClr val="1F2328"/>
+              </a:solidFill>
+              <a:effectLst/>
+              <a:latin typeface="-apple-system"/>
+            </a:endParaRPr>
+          </a:p>
+          <a:p>
+            <a:pPr algn="l"/>
+            <a:r>
+              <a:rPr lang="en-US" altLang="ko-KR" sz="2800" b="1" i="0" dirty="0">
+                <a:solidFill>
+                  <a:srgbClr val="1F2328"/>
+                </a:solidFill>
+                <a:effectLst/>
+                <a:latin typeface="-apple-system"/>
+              </a:rPr>
+              <a:t>2. </a:t>
+            </a:r>
+            <a:r>
+              <a:rPr lang="ko-KR" altLang="en-US" sz="2800" b="1" i="0" dirty="0">
+                <a:solidFill>
+                  <a:srgbClr val="1F2328"/>
+                </a:solidFill>
+                <a:effectLst/>
+                <a:latin typeface="-apple-system"/>
+              </a:rPr>
+              <a:t>데이터 분석</a:t>
+            </a:r>
+          </a:p>
+          <a:p>
+            <a:pPr algn="l"/>
+            <a:r>
+              <a:rPr lang="en-US" altLang="ko-KR" sz="2800" b="1" dirty="0">
+                <a:solidFill>
+                  <a:srgbClr val="1F2328"/>
+                </a:solidFill>
+                <a:latin typeface="-apple-system"/>
+              </a:rPr>
+              <a:t> </a:t>
+            </a:r>
+            <a:r>
+              <a:rPr lang="ko-KR" altLang="en-US" sz="2800" b="1" i="0" dirty="0">
+                <a:solidFill>
+                  <a:srgbClr val="1F2328"/>
+                </a:solidFill>
+                <a:effectLst/>
+                <a:latin typeface="-apple-system"/>
+              </a:rPr>
+              <a:t>장비의 작동 데이터를 분석하여 위험 요소를 사전에 예측하고 </a:t>
+            </a:r>
+            <a:r>
+              <a:rPr lang="ko-KR" altLang="en-US" sz="2800" b="1" i="0" dirty="0">
+                <a:solidFill>
+                  <a:srgbClr val="FF0000"/>
+                </a:solidFill>
+                <a:effectLst/>
+                <a:latin typeface="-apple-system"/>
+              </a:rPr>
+              <a:t>유지보수 필요성</a:t>
+            </a:r>
+            <a:r>
+              <a:rPr lang="ko-KR" altLang="en-US" sz="2800" b="1" i="0" dirty="0">
+                <a:solidFill>
+                  <a:srgbClr val="1F2328"/>
+                </a:solidFill>
+                <a:effectLst/>
+                <a:latin typeface="-apple-system"/>
+              </a:rPr>
+              <a:t>을 자동으로 식별</a:t>
+            </a:r>
+            <a:endParaRPr lang="en-US" altLang="ko-KR" sz="2800" b="1" i="0" dirty="0">
+              <a:solidFill>
+                <a:srgbClr val="1F2328"/>
+              </a:solidFill>
+              <a:effectLst/>
+              <a:latin typeface="-apple-system"/>
+            </a:endParaRPr>
+          </a:p>
+          <a:p>
+            <a:pPr algn="l"/>
+            <a:endParaRPr lang="en-US" altLang="ko-KR" sz="2800" b="1" i="0" dirty="0">
+              <a:solidFill>
+                <a:srgbClr val="1F2328"/>
+              </a:solidFill>
+              <a:effectLst/>
+              <a:latin typeface="-apple-system"/>
+            </a:endParaRPr>
+          </a:p>
+          <a:p>
+            <a:pPr algn="l"/>
+            <a:r>
+              <a:rPr lang="en-US" altLang="ko-KR" sz="2800" b="1" i="0" dirty="0">
+                <a:solidFill>
+                  <a:srgbClr val="1F2328"/>
+                </a:solidFill>
+                <a:effectLst/>
+                <a:latin typeface="-apple-system"/>
+              </a:rPr>
+              <a:t>3. </a:t>
+            </a:r>
+            <a:r>
+              <a:rPr lang="ko-KR" altLang="en-US" sz="2800" b="1" i="0" dirty="0">
+                <a:solidFill>
+                  <a:srgbClr val="1F2328"/>
+                </a:solidFill>
+                <a:effectLst/>
+                <a:latin typeface="-apple-system"/>
+              </a:rPr>
+              <a:t>사고 예방</a:t>
+            </a:r>
+            <a:endParaRPr lang="en-US" altLang="ko-KR" sz="2800" b="1" i="0" dirty="0">
+              <a:solidFill>
+                <a:srgbClr val="1F2328"/>
+              </a:solidFill>
+              <a:effectLst/>
+              <a:latin typeface="-apple-system"/>
+            </a:endParaRPr>
+          </a:p>
+          <a:p>
+            <a:pPr algn="l"/>
+            <a:r>
+              <a:rPr lang="en-US" altLang="ko-KR" sz="2800" b="1" dirty="0">
+                <a:solidFill>
+                  <a:srgbClr val="1F2328"/>
+                </a:solidFill>
+                <a:latin typeface="-apple-system"/>
+              </a:rPr>
+              <a:t> </a:t>
+            </a:r>
+            <a:r>
+              <a:rPr lang="ko-KR" altLang="en-US" sz="2800" b="1" i="0" dirty="0">
+                <a:solidFill>
+                  <a:srgbClr val="FF0000"/>
+                </a:solidFill>
+                <a:effectLst/>
+                <a:latin typeface="-apple-system"/>
+              </a:rPr>
+              <a:t>예측 분석</a:t>
+            </a:r>
+            <a:r>
+              <a:rPr lang="ko-KR" altLang="en-US" sz="2800" b="1" i="0" dirty="0">
+                <a:solidFill>
+                  <a:srgbClr val="1F2328"/>
+                </a:solidFill>
+                <a:effectLst/>
+                <a:latin typeface="-apple-system"/>
+              </a:rPr>
+              <a:t>을 통해 사고 발생 가능성을 줄이고 안전한 작업 환경을 보장</a:t>
+            </a:r>
+            <a:endParaRPr lang="en-US" altLang="ko-KR" sz="2800" b="1" dirty="0">
+              <a:solidFill>
+                <a:srgbClr val="1F2328"/>
+              </a:solidFill>
+              <a:latin typeface="-apple-system"/>
+            </a:endParaRPr>
+          </a:p>
+          <a:p>
+            <a:pPr algn="l"/>
+            <a:endParaRPr lang="en-US" altLang="ko-KR" sz="2800" b="1" i="0" dirty="0">
+              <a:solidFill>
+                <a:srgbClr val="1F2328"/>
+              </a:solidFill>
+              <a:effectLst/>
+              <a:latin typeface="-apple-system"/>
+            </a:endParaRPr>
+          </a:p>
+          <a:p>
+            <a:pPr algn="l"/>
+            <a:r>
+              <a:rPr lang="en-US" altLang="ko-KR" sz="2800" b="1" i="0" dirty="0">
+                <a:solidFill>
+                  <a:srgbClr val="1F2328"/>
+                </a:solidFill>
+                <a:effectLst/>
+                <a:latin typeface="-apple-system"/>
+              </a:rPr>
+              <a:t>4. </a:t>
+            </a:r>
+            <a:r>
+              <a:rPr lang="ko-KR" altLang="en-US" sz="2800" b="1" i="0" dirty="0">
+                <a:solidFill>
+                  <a:srgbClr val="1F2328"/>
+                </a:solidFill>
+                <a:effectLst/>
+                <a:latin typeface="-apple-system"/>
+              </a:rPr>
+              <a:t>작업 기록 관리</a:t>
+            </a:r>
+          </a:p>
+          <a:p>
+            <a:pPr algn="l"/>
+            <a:r>
+              <a:rPr lang="en-US" altLang="ko-KR" sz="2800" b="1" dirty="0">
+                <a:solidFill>
+                  <a:srgbClr val="1F2328"/>
+                </a:solidFill>
+                <a:latin typeface="-apple-system"/>
+              </a:rPr>
+              <a:t> </a:t>
+            </a:r>
+            <a:r>
+              <a:rPr lang="ko-KR" altLang="en-US" sz="2800" b="1" i="0" dirty="0">
+                <a:solidFill>
+                  <a:srgbClr val="1F2328"/>
+                </a:solidFill>
+                <a:effectLst/>
+                <a:latin typeface="-apple-system"/>
+              </a:rPr>
+              <a:t>모든 </a:t>
+            </a:r>
+            <a:r>
+              <a:rPr lang="ko-KR" altLang="en-US" sz="2800" b="1" i="0" dirty="0">
+                <a:solidFill>
+                  <a:srgbClr val="FF0000"/>
+                </a:solidFill>
+                <a:effectLst/>
+                <a:latin typeface="-apple-system"/>
+              </a:rPr>
+              <a:t>작업 기록을 자동으로 저장</a:t>
+            </a:r>
+            <a:r>
+              <a:rPr lang="ko-KR" altLang="en-US" sz="2800" b="1" i="0" dirty="0">
+                <a:solidFill>
+                  <a:srgbClr val="1F2328"/>
+                </a:solidFill>
+                <a:effectLst/>
+                <a:latin typeface="-apple-system"/>
+              </a:rPr>
+              <a:t>하고</a:t>
+            </a:r>
+            <a:r>
+              <a:rPr lang="en-US" altLang="ko-KR" sz="2800" b="1" i="0" dirty="0">
+                <a:solidFill>
+                  <a:srgbClr val="1F2328"/>
+                </a:solidFill>
+                <a:effectLst/>
+                <a:latin typeface="-apple-system"/>
+              </a:rPr>
+              <a:t>, </a:t>
+            </a:r>
+            <a:r>
+              <a:rPr lang="ko-KR" altLang="en-US" sz="2800" b="1" i="0" dirty="0">
+                <a:solidFill>
+                  <a:srgbClr val="1F2328"/>
+                </a:solidFill>
+                <a:effectLst/>
+                <a:latin typeface="-apple-system"/>
+              </a:rPr>
+              <a:t>분석하여 문제 해결과 시스템 개선에 활용</a:t>
+            </a:r>
+            <a:endParaRPr lang="en-US" altLang="ko-KR" sz="2800" b="1" i="0" dirty="0">
+              <a:solidFill>
+                <a:srgbClr val="1F2328"/>
+              </a:solidFill>
+              <a:effectLst/>
+              <a:latin typeface="-apple-system"/>
+            </a:endParaRPr>
+          </a:p>
+          <a:p>
+            <a:pPr algn="l"/>
+            <a:endParaRPr lang="en-US" altLang="ko-KR" sz="2800" b="1" i="0" dirty="0">
+              <a:solidFill>
+                <a:srgbClr val="1F2328"/>
+              </a:solidFill>
+              <a:effectLst/>
+              <a:latin typeface="-apple-system"/>
+            </a:endParaRPr>
+          </a:p>
+          <a:p>
+            <a:pPr algn="l"/>
+            <a:r>
+              <a:rPr lang="en-US" altLang="ko-KR" sz="2800" b="1" i="0" dirty="0">
+                <a:solidFill>
+                  <a:srgbClr val="1F2328"/>
+                </a:solidFill>
+                <a:effectLst/>
+                <a:latin typeface="-apple-system"/>
+              </a:rPr>
+              <a:t>5. </a:t>
+            </a:r>
+            <a:r>
+              <a:rPr lang="ko-KR" altLang="en-US" sz="2800" b="1" i="0" dirty="0">
+                <a:solidFill>
+                  <a:srgbClr val="1F2328"/>
+                </a:solidFill>
+                <a:effectLst/>
+                <a:latin typeface="-apple-system"/>
+              </a:rPr>
+              <a:t>맞춤형 알림</a:t>
+            </a:r>
+          </a:p>
+          <a:p>
+            <a:pPr algn="l"/>
+            <a:r>
+              <a:rPr lang="en-US" altLang="ko-KR" sz="2800" b="1" dirty="0">
+                <a:solidFill>
+                  <a:srgbClr val="1F2328"/>
+                </a:solidFill>
+                <a:latin typeface="-apple-system"/>
+              </a:rPr>
+              <a:t> </a:t>
+            </a:r>
+            <a:r>
+              <a:rPr lang="ko-KR" altLang="en-US" sz="2800" b="1" i="0" dirty="0">
+                <a:solidFill>
+                  <a:srgbClr val="1F2328"/>
+                </a:solidFill>
+                <a:effectLst/>
+                <a:latin typeface="-apple-system"/>
+              </a:rPr>
+              <a:t>설정된 기준에 따라 사용자에게 중요한 </a:t>
+            </a:r>
+            <a:r>
+              <a:rPr lang="ko-KR" altLang="en-US" sz="2800" b="1" i="0" dirty="0">
+                <a:solidFill>
+                  <a:srgbClr val="FF0000"/>
+                </a:solidFill>
+                <a:effectLst/>
+                <a:latin typeface="-apple-system"/>
+              </a:rPr>
+              <a:t>알림을 제공하고 긴급 상황에서 신속 대응</a:t>
+            </a:r>
+            <a:r>
+              <a:rPr lang="ko-KR" altLang="en-US" sz="2800" b="1" i="0" dirty="0">
+                <a:solidFill>
+                  <a:srgbClr val="1F2328"/>
+                </a:solidFill>
+                <a:effectLst/>
+                <a:latin typeface="-apple-system"/>
+              </a:rPr>
+              <a:t> 가능</a:t>
+            </a:r>
+            <a:endParaRPr lang="en-US" altLang="ko-KR" sz="2800" b="1" i="0" dirty="0">
+              <a:solidFill>
+                <a:srgbClr val="1F2328"/>
+              </a:solidFill>
+              <a:effectLst/>
+              <a:latin typeface="-apple-system"/>
+            </a:endParaRPr>
+          </a:p>
+        </p:txBody>
+      </p:sp>
+      <p:pic>
+        <p:nvPicPr>
+          <p:cNvPr id="3" name="그림 2">
+            <a:extLst>
+              <a:ext uri="{FF2B5EF4-FFF2-40B4-BE49-F238E27FC236}">
+                <a16:creationId xmlns:a16="http://schemas.microsoft.com/office/drawing/2014/main" id="{8DDC7750-CC3E-413A-9822-90ED7216F8A8}"/>
+              </a:ext>
+            </a:extLst>
+          </p:cNvPr>
+          <p:cNvPicPr>
+            <a:picLocks noChangeAspect="1"/>
+          </p:cNvPicPr>
+          <p:nvPr/>
+        </p:nvPicPr>
+        <p:blipFill>
+          <a:blip r:embed="rId5"/>
+          <a:stretch>
+            <a:fillRect/>
+          </a:stretch>
+        </p:blipFill>
+        <p:spPr>
+          <a:xfrm>
+            <a:off x="0" y="-6901"/>
+            <a:ext cx="5197179" cy="5207851"/>
+          </a:xfrm>
+          <a:prstGeom prst="rect">
+            <a:avLst/>
+          </a:prstGeom>
+        </p:spPr>
+      </p:pic>
+      <p:pic>
+        <p:nvPicPr>
+          <p:cNvPr id="1026" name="Picture 2">
+            <a:extLst>
+              <a:ext uri="{FF2B5EF4-FFF2-40B4-BE49-F238E27FC236}">
+                <a16:creationId xmlns:a16="http://schemas.microsoft.com/office/drawing/2014/main" id="{6ED57415-1708-4542-80EB-062727209AF7}"/>
+              </a:ext>
+            </a:extLst>
+          </p:cNvPr>
+          <p:cNvPicPr>
+            <a:picLocks noChangeAspect="1" noChangeArrowheads="1"/>
+          </p:cNvPicPr>
+          <p:nvPr/>
+        </p:nvPicPr>
+        <p:blipFill>
+          <a:blip r:embed="rId6" cstate="print">
+            <a:extLst>
+              <a:ext uri="{28A0092B-C50C-407E-A947-70E740481C1C}">
+                <a14:useLocalDpi xmlns:a14="http://schemas.microsoft.com/office/drawing/2010/main" val="0"/>
+              </a:ext>
+            </a:extLst>
+          </a:blip>
+          <a:srcRect/>
+          <a:stretch>
+            <a:fillRect/>
+          </a:stretch>
+        </p:blipFill>
+        <p:spPr bwMode="auto">
+          <a:xfrm>
+            <a:off x="26862216" y="195872"/>
+            <a:ext cx="3122484" cy="3122484"/>
+          </a:xfrm>
+          <a:prstGeom prst="rect">
+            <a:avLst/>
+          </a:prstGeom>
+          <a:noFill/>
+          <a:extLst>
+            <a:ext uri="{909E8E84-426E-40DD-AFC4-6F175D3DCCD1}">
+              <a14:hiddenFill xmlns:a14="http://schemas.microsoft.com/office/drawing/2010/main">
+                <a:solidFill>
+                  <a:srgbClr val="FFFFFF"/>
+                </a:solidFill>
+              </a14:hiddenFill>
+            </a:ext>
+          </a:extLst>
+        </p:spPr>
+      </p:pic>
+      <p:sp>
+        <p:nvSpPr>
+          <p:cNvPr id="6" name="TextBox 5">
+            <a:extLst>
+              <a:ext uri="{FF2B5EF4-FFF2-40B4-BE49-F238E27FC236}">
+                <a16:creationId xmlns:a16="http://schemas.microsoft.com/office/drawing/2014/main" id="{FC4AB5CB-9920-4518-8C12-E0A3A84712FF}"/>
+              </a:ext>
+            </a:extLst>
+          </p:cNvPr>
+          <p:cNvSpPr txBox="1"/>
+          <p:nvPr/>
+        </p:nvSpPr>
+        <p:spPr>
+          <a:xfrm>
+            <a:off x="-433584" y="34874864"/>
+            <a:ext cx="14676281" cy="954107"/>
+          </a:xfrm>
+          <a:prstGeom prst="rect">
+            <a:avLst/>
+          </a:prstGeom>
+          <a:noFill/>
+        </p:spPr>
+        <p:txBody>
+          <a:bodyPr wrap="square" rtlCol="0">
+            <a:spAutoFit/>
+          </a:bodyPr>
+          <a:lstStyle/>
+          <a:p>
+            <a:pPr marL="1437005"/>
+            <a:r>
+              <a:rPr lang="ko-KR" altLang="en-US" sz="2800" b="1" kern="100" dirty="0">
+                <a:effectLst/>
+                <a:ea typeface="맑은 고딕" panose="020B0503020000020004" pitchFamily="50" charset="-127"/>
+                <a:cs typeface="Times New Roman" panose="02020603050405020304" pitchFamily="18" charset="0"/>
+              </a:rPr>
+              <a:t>독립변수 </a:t>
+            </a:r>
+            <a:r>
+              <a:rPr lang="en-US" altLang="ko-KR" sz="2800" b="1" kern="100" dirty="0">
+                <a:effectLst/>
+                <a:ea typeface="맑은 고딕" panose="020B0503020000020004" pitchFamily="50" charset="-127"/>
+                <a:cs typeface="Times New Roman" panose="02020603050405020304" pitchFamily="18" charset="0"/>
+              </a:rPr>
+              <a:t>= </a:t>
+            </a:r>
+            <a:r>
+              <a:rPr lang="ko-KR" altLang="en-US" sz="2800" b="1" kern="100" dirty="0">
+                <a:ea typeface="맑은 고딕" panose="020B0503020000020004" pitchFamily="50" charset="-127"/>
+                <a:cs typeface="Times New Roman" panose="02020603050405020304" pitchFamily="18" charset="0"/>
+              </a:rPr>
+              <a:t>엘리베이터 내외부의 환경 데이터 </a:t>
+            </a:r>
+            <a:r>
+              <a:rPr lang="en-US" altLang="ko-KR" sz="2800" b="1" kern="100" dirty="0">
+                <a:ea typeface="맑은 고딕" panose="020B0503020000020004" pitchFamily="50" charset="-127"/>
+                <a:cs typeface="Times New Roman" panose="02020603050405020304" pitchFamily="18" charset="0"/>
+              </a:rPr>
+              <a:t>(</a:t>
+            </a:r>
+            <a:r>
+              <a:rPr lang="ko-KR" altLang="en-US" sz="2800" b="1" kern="100" dirty="0">
+                <a:ea typeface="맑은 고딕" panose="020B0503020000020004" pitchFamily="50" charset="-127"/>
+                <a:cs typeface="Times New Roman" panose="02020603050405020304" pitchFamily="18" charset="0"/>
+              </a:rPr>
+              <a:t>온도</a:t>
+            </a:r>
+            <a:r>
+              <a:rPr lang="en-US" altLang="ko-KR" sz="2800" b="1" kern="100" dirty="0">
+                <a:ea typeface="맑은 고딕" panose="020B0503020000020004" pitchFamily="50" charset="-127"/>
+                <a:cs typeface="Times New Roman" panose="02020603050405020304" pitchFamily="18" charset="0"/>
+              </a:rPr>
+              <a:t>, </a:t>
+            </a:r>
+            <a:r>
+              <a:rPr lang="ko-KR" altLang="en-US" sz="2800" b="1" kern="100" dirty="0">
+                <a:ea typeface="맑은 고딕" panose="020B0503020000020004" pitchFamily="50" charset="-127"/>
+                <a:cs typeface="Times New Roman" panose="02020603050405020304" pitchFamily="18" charset="0"/>
+              </a:rPr>
+              <a:t>습도</a:t>
+            </a:r>
+            <a:r>
+              <a:rPr lang="en-US" altLang="ko-KR" sz="2800" b="1" kern="100" dirty="0">
+                <a:ea typeface="맑은 고딕" panose="020B0503020000020004" pitchFamily="50" charset="-127"/>
+                <a:cs typeface="Times New Roman" panose="02020603050405020304" pitchFamily="18" charset="0"/>
+              </a:rPr>
+              <a:t>, RPM, </a:t>
+            </a:r>
+            <a:r>
+              <a:rPr lang="ko-KR" altLang="en-US" sz="2800" b="1" kern="100" dirty="0">
+                <a:ea typeface="맑은 고딕" panose="020B0503020000020004" pitchFamily="50" charset="-127"/>
+                <a:cs typeface="Times New Roman" panose="02020603050405020304" pitchFamily="18" charset="0"/>
+              </a:rPr>
+              <a:t>진동</a:t>
+            </a:r>
+            <a:r>
+              <a:rPr lang="en-US" altLang="ko-KR" sz="2800" b="1" kern="100" dirty="0">
+                <a:ea typeface="맑은 고딕" panose="020B0503020000020004" pitchFamily="50" charset="-127"/>
+                <a:cs typeface="Times New Roman" panose="02020603050405020304" pitchFamily="18" charset="0"/>
+              </a:rPr>
+              <a:t>, </a:t>
+            </a:r>
+            <a:r>
+              <a:rPr lang="ko-KR" altLang="en-US" sz="2800" b="1" kern="100" dirty="0">
+                <a:ea typeface="맑은 고딕" panose="020B0503020000020004" pitchFamily="50" charset="-127"/>
+                <a:cs typeface="Times New Roman" panose="02020603050405020304" pitchFamily="18" charset="0"/>
+              </a:rPr>
+              <a:t>압력</a:t>
+            </a:r>
+            <a:r>
+              <a:rPr lang="en-US" altLang="ko-KR" sz="2800" b="1" kern="100" dirty="0">
+                <a:ea typeface="맑은 고딕" panose="020B0503020000020004" pitchFamily="50" charset="-127"/>
+                <a:cs typeface="Times New Roman" panose="02020603050405020304" pitchFamily="18" charset="0"/>
+              </a:rPr>
+              <a:t>, </a:t>
+            </a:r>
+            <a:r>
+              <a:rPr lang="ko-KR" altLang="en-US" sz="2800" b="1" kern="100" dirty="0">
+                <a:ea typeface="맑은 고딕" panose="020B0503020000020004" pitchFamily="50" charset="-127"/>
+                <a:cs typeface="Times New Roman" panose="02020603050405020304" pitchFamily="18" charset="0"/>
+              </a:rPr>
+              <a:t>센서</a:t>
+            </a:r>
+            <a:r>
+              <a:rPr lang="en-US" altLang="ko-KR" sz="2800" b="1" kern="100" dirty="0">
+                <a:ea typeface="맑은 고딕" panose="020B0503020000020004" pitchFamily="50" charset="-127"/>
+                <a:cs typeface="Times New Roman" panose="02020603050405020304" pitchFamily="18" charset="0"/>
+              </a:rPr>
+              <a:t>)</a:t>
+            </a:r>
+          </a:p>
+          <a:p>
+            <a:pPr marL="1437005"/>
+            <a:r>
+              <a:rPr lang="ko-KR" altLang="en-US" sz="2800" b="1" kern="100" dirty="0">
+                <a:effectLst/>
+                <a:ea typeface="맑은 고딕" panose="020B0503020000020004" pitchFamily="50" charset="-127"/>
+                <a:cs typeface="Times New Roman" panose="02020603050405020304" pitchFamily="18" charset="0"/>
+              </a:rPr>
+              <a:t>종속변수 </a:t>
+            </a:r>
+            <a:r>
+              <a:rPr lang="en-US" altLang="ko-KR" sz="2800" b="1" kern="100" dirty="0">
+                <a:effectLst/>
+                <a:ea typeface="맑은 고딕" panose="020B0503020000020004" pitchFamily="50" charset="-127"/>
+                <a:cs typeface="Times New Roman" panose="02020603050405020304" pitchFamily="18" charset="0"/>
+              </a:rPr>
+              <a:t>= </a:t>
+            </a:r>
+            <a:r>
+              <a:rPr lang="ko-KR" altLang="en-US" sz="2800" b="1" kern="100" dirty="0">
+                <a:effectLst/>
+                <a:ea typeface="맑은 고딕" panose="020B0503020000020004" pitchFamily="50" charset="-127"/>
+                <a:cs typeface="Times New Roman" panose="02020603050405020304" pitchFamily="18" charset="0"/>
+              </a:rPr>
+              <a:t>엘리베이터의 고장유무</a:t>
+            </a:r>
+            <a:r>
+              <a:rPr lang="en-US" altLang="ko-KR" sz="2800" kern="100" dirty="0">
+                <a:effectLst/>
+                <a:ea typeface="맑은 고딕" panose="020B0503020000020004" pitchFamily="50" charset="-127"/>
+                <a:cs typeface="Times New Roman" panose="02020603050405020304" pitchFamily="18" charset="0"/>
+              </a:rPr>
+              <a:t> </a:t>
+            </a:r>
+            <a:endParaRPr lang="ko-KR" altLang="ko-KR" sz="2800" kern="100" dirty="0">
+              <a:effectLst/>
+              <a:ea typeface="맑은 고딕" panose="020B0503020000020004" pitchFamily="50" charset="-127"/>
+              <a:cs typeface="Times New Roman" panose="02020603050405020304" pitchFamily="18" charset="0"/>
+            </a:endParaRPr>
+          </a:p>
+        </p:txBody>
+      </p:sp>
+      <p:sp>
+        <p:nvSpPr>
+          <p:cNvPr id="55" name="TextBox 54">
+            <a:extLst>
+              <a:ext uri="{FF2B5EF4-FFF2-40B4-BE49-F238E27FC236}">
+                <a16:creationId xmlns:a16="http://schemas.microsoft.com/office/drawing/2014/main" id="{DC47903F-6B5D-45A2-A145-A12E49DE902C}"/>
+              </a:ext>
+            </a:extLst>
+          </p:cNvPr>
+          <p:cNvSpPr txBox="1"/>
+          <p:nvPr/>
+        </p:nvSpPr>
+        <p:spPr>
+          <a:xfrm>
+            <a:off x="5758781" y="22752447"/>
+            <a:ext cx="6337027" cy="400110"/>
+          </a:xfrm>
+          <a:prstGeom prst="rect">
+            <a:avLst/>
+          </a:prstGeom>
+          <a:noFill/>
+        </p:spPr>
+        <p:txBody>
+          <a:bodyPr wrap="square" rtlCol="0">
+            <a:spAutoFit/>
+          </a:bodyPr>
+          <a:lstStyle/>
+          <a:p>
+            <a:r>
+              <a:rPr lang="ko-KR" altLang="en-US" sz="2000" dirty="0"/>
+              <a:t>그림 </a:t>
+            </a:r>
+            <a:r>
+              <a:rPr lang="en-US" altLang="ko-KR" sz="2000" dirty="0"/>
+              <a:t>1 </a:t>
+            </a:r>
+            <a:r>
+              <a:rPr lang="ko-KR" altLang="en-US" sz="2000" dirty="0"/>
+              <a:t>건설용 리프트 추락 사고</a:t>
+            </a:r>
+          </a:p>
+        </p:txBody>
+      </p:sp>
+      <p:sp>
+        <p:nvSpPr>
+          <p:cNvPr id="10" name="TextBox 9">
+            <a:extLst>
+              <a:ext uri="{FF2B5EF4-FFF2-40B4-BE49-F238E27FC236}">
+                <a16:creationId xmlns:a16="http://schemas.microsoft.com/office/drawing/2014/main" id="{1CD92153-7AE2-4261-8A31-9C7C6065151A}"/>
+              </a:ext>
+            </a:extLst>
+          </p:cNvPr>
+          <p:cNvSpPr txBox="1"/>
+          <p:nvPr/>
+        </p:nvSpPr>
+        <p:spPr>
+          <a:xfrm>
+            <a:off x="15741616" y="6815581"/>
+            <a:ext cx="14157194" cy="2677656"/>
+          </a:xfrm>
+          <a:prstGeom prst="rect">
+            <a:avLst/>
+          </a:prstGeom>
+          <a:noFill/>
+        </p:spPr>
+        <p:txBody>
+          <a:bodyPr wrap="square" rtlCol="0">
+            <a:spAutoFit/>
+          </a:bodyPr>
+          <a:lstStyle/>
+          <a:p>
+            <a:r>
+              <a:rPr lang="en-US" altLang="ko-KR" sz="2800" b="1" dirty="0"/>
+              <a:t>1. </a:t>
+            </a:r>
+            <a:r>
+              <a:rPr lang="ko-KR" altLang="en-US" sz="2800" b="1" dirty="0"/>
+              <a:t>데이터 공백 </a:t>
+            </a:r>
+            <a:r>
+              <a:rPr lang="en-US" altLang="ko-KR" sz="2800" b="1" dirty="0"/>
+              <a:t>0</a:t>
+            </a:r>
+            <a:r>
+              <a:rPr lang="ko-KR" altLang="en-US" sz="2800" b="1" dirty="0"/>
+              <a:t>으로 설정</a:t>
+            </a:r>
+            <a:endParaRPr lang="en-US" altLang="ko-KR" sz="2800" b="1" dirty="0"/>
+          </a:p>
+          <a:p>
+            <a:r>
+              <a:rPr lang="en-US" altLang="ko-KR" sz="2800" b="1" dirty="0"/>
+              <a:t>2. </a:t>
+            </a:r>
+            <a:r>
+              <a:rPr lang="ko-KR" altLang="en-US" sz="2800" b="1" dirty="0"/>
+              <a:t>종속변수 중 </a:t>
+            </a:r>
+            <a:r>
+              <a:rPr lang="en-US" altLang="ko-KR" sz="2800" b="1" dirty="0"/>
+              <a:t>1</a:t>
+            </a:r>
+            <a:r>
+              <a:rPr lang="ko-KR" altLang="en-US" sz="2800" b="1" dirty="0"/>
+              <a:t>위험 데이터는 전체 데이터 </a:t>
+            </a:r>
+            <a:r>
+              <a:rPr lang="en-US" altLang="ko-KR" sz="2800" b="1" dirty="0"/>
+              <a:t>44640</a:t>
+            </a:r>
+            <a:r>
+              <a:rPr lang="ko-KR" altLang="en-US" sz="2800" b="1" dirty="0"/>
+              <a:t>개 중 </a:t>
+            </a:r>
+            <a:r>
+              <a:rPr lang="en-US" altLang="ko-KR" sz="2800" b="1" dirty="0"/>
+              <a:t>2</a:t>
+            </a:r>
+            <a:r>
+              <a:rPr lang="ko-KR" altLang="en-US" sz="2800" b="1" dirty="0"/>
+              <a:t>개로 낮은 데이터 학습 가치</a:t>
+            </a:r>
+            <a:endParaRPr lang="en-US" altLang="ko-KR" sz="2800" b="1" dirty="0"/>
+          </a:p>
+          <a:p>
+            <a:r>
+              <a:rPr lang="en-US" altLang="ko-KR" sz="2800" b="1" dirty="0">
+                <a:solidFill>
+                  <a:srgbClr val="FF0000"/>
+                </a:solidFill>
+              </a:rPr>
+              <a:t>-&gt; 1</a:t>
+            </a:r>
+            <a:r>
+              <a:rPr lang="ko-KR" altLang="en-US" sz="2800" b="1" dirty="0">
+                <a:solidFill>
+                  <a:srgbClr val="FF0000"/>
+                </a:solidFill>
+              </a:rPr>
+              <a:t>위험</a:t>
+            </a:r>
+            <a:r>
+              <a:rPr lang="en-US" altLang="ko-KR" sz="2800" b="1" dirty="0">
+                <a:solidFill>
+                  <a:srgbClr val="FF0000"/>
+                </a:solidFill>
+              </a:rPr>
+              <a:t>+2</a:t>
+            </a:r>
+            <a:r>
+              <a:rPr lang="ko-KR" altLang="en-US" sz="2800" b="1" dirty="0">
+                <a:solidFill>
+                  <a:srgbClr val="FF0000"/>
+                </a:solidFill>
+              </a:rPr>
+              <a:t>고장 </a:t>
+            </a:r>
+            <a:r>
+              <a:rPr lang="en-US" altLang="ko-KR" sz="2800" b="1" dirty="0">
+                <a:solidFill>
+                  <a:srgbClr val="FF0000"/>
+                </a:solidFill>
+              </a:rPr>
+              <a:t>= 1</a:t>
+            </a:r>
+            <a:r>
+              <a:rPr lang="ko-KR" altLang="en-US" sz="2800" b="1" dirty="0">
+                <a:solidFill>
+                  <a:srgbClr val="FF0000"/>
+                </a:solidFill>
+              </a:rPr>
+              <a:t>비정상</a:t>
+            </a:r>
+            <a:endParaRPr lang="en-US" altLang="ko-KR" sz="2800" b="1" dirty="0">
+              <a:solidFill>
+                <a:srgbClr val="FF0000"/>
+              </a:solidFill>
+            </a:endParaRPr>
+          </a:p>
+          <a:p>
+            <a:r>
+              <a:rPr lang="en-US" altLang="ko-KR" sz="2800" b="1" dirty="0"/>
+              <a:t>3. 1</a:t>
+            </a:r>
+            <a:r>
+              <a:rPr lang="ko-KR" altLang="en-US" sz="2800" b="1" dirty="0"/>
+              <a:t>비정상으로 나타날 때</a:t>
+            </a:r>
+            <a:r>
+              <a:rPr lang="en-US" altLang="ko-KR" sz="2800" b="1" dirty="0"/>
+              <a:t>, </a:t>
+            </a:r>
+            <a:r>
+              <a:rPr lang="ko-KR" altLang="en-US" sz="2800" b="1" dirty="0"/>
+              <a:t>독립변수 중 </a:t>
+            </a:r>
+            <a:r>
+              <a:rPr lang="en-US" altLang="ko-KR" sz="2800" b="1" dirty="0"/>
+              <a:t>0</a:t>
+            </a:r>
+            <a:r>
+              <a:rPr lang="ko-KR" altLang="en-US" sz="2800" b="1" dirty="0"/>
+              <a:t>인 경우가 </a:t>
+            </a:r>
+            <a:r>
+              <a:rPr lang="en-US" altLang="ko-KR" sz="2800" b="1" dirty="0"/>
+              <a:t>6</a:t>
+            </a:r>
+            <a:r>
+              <a:rPr lang="ko-KR" altLang="en-US" sz="2800" b="1" dirty="0"/>
+              <a:t>개 이상인 행 제외</a:t>
+            </a:r>
+            <a:endParaRPr lang="en-US" altLang="ko-KR" sz="2800" b="1" dirty="0"/>
+          </a:p>
+          <a:p>
+            <a:r>
+              <a:rPr lang="en-US" altLang="ko-KR" sz="2800" b="1" dirty="0"/>
+              <a:t>4. </a:t>
+            </a:r>
+            <a:r>
+              <a:rPr lang="ko-KR" altLang="en-US" sz="2800" b="1" dirty="0"/>
+              <a:t>종속변수와 관계성이 없는 </a:t>
+            </a:r>
+            <a:r>
+              <a:rPr lang="ko-KR" altLang="en-US" sz="2800" b="1" dirty="0">
+                <a:solidFill>
+                  <a:srgbClr val="FF0000"/>
+                </a:solidFill>
+              </a:rPr>
+              <a:t>시간 변수</a:t>
+            </a:r>
+            <a:r>
+              <a:rPr lang="en-US" altLang="ko-KR" sz="2800" b="1" dirty="0"/>
+              <a:t>, </a:t>
+            </a:r>
+            <a:r>
+              <a:rPr lang="ko-KR" altLang="en-US" sz="2800" b="1" dirty="0"/>
+              <a:t>높은 상관관계를 나타내는 </a:t>
+            </a:r>
+            <a:r>
+              <a:rPr lang="ko-KR" altLang="en-US" sz="2800" b="1" dirty="0">
+                <a:solidFill>
+                  <a:srgbClr val="FF0000"/>
+                </a:solidFill>
+              </a:rPr>
+              <a:t>센서 </a:t>
+            </a:r>
+            <a:r>
+              <a:rPr lang="en-US" altLang="ko-KR" sz="2800" b="1" dirty="0">
+                <a:solidFill>
+                  <a:srgbClr val="FF0000"/>
+                </a:solidFill>
+              </a:rPr>
+              <a:t>2</a:t>
+            </a:r>
+            <a:r>
+              <a:rPr lang="ko-KR" altLang="en-US" sz="2800" b="1" dirty="0">
+                <a:solidFill>
+                  <a:srgbClr val="FF0000"/>
+                </a:solidFill>
+              </a:rPr>
+              <a:t>개 제외</a:t>
+            </a:r>
+            <a:endParaRPr lang="en-US" altLang="ko-KR" sz="2800" b="1" dirty="0">
+              <a:solidFill>
+                <a:srgbClr val="FF0000"/>
+              </a:solidFill>
+            </a:endParaRPr>
+          </a:p>
+          <a:p>
+            <a:r>
+              <a:rPr lang="en-US" altLang="ko-KR" sz="2800" b="1" dirty="0"/>
+              <a:t>5. </a:t>
+            </a:r>
+            <a:r>
+              <a:rPr lang="ko-KR" altLang="en-US" sz="2800" b="1" dirty="0"/>
+              <a:t>종속변수 </a:t>
+            </a:r>
+            <a:r>
+              <a:rPr lang="en-US" altLang="ko-KR" sz="2800" b="1" dirty="0"/>
+              <a:t>0</a:t>
+            </a:r>
+            <a:r>
+              <a:rPr lang="ko-KR" altLang="en-US" sz="2800" b="1" dirty="0"/>
+              <a:t>정상</a:t>
+            </a:r>
+            <a:r>
+              <a:rPr lang="en-US" altLang="ko-KR" sz="2800" b="1" dirty="0"/>
+              <a:t>, 1</a:t>
+            </a:r>
+            <a:r>
+              <a:rPr lang="ko-KR" altLang="en-US" sz="2800" b="1" dirty="0"/>
+              <a:t>비정상의 데이터 불균형으로 </a:t>
+            </a:r>
+            <a:r>
+              <a:rPr lang="en-US" altLang="ko-KR" sz="2800" b="1" dirty="0"/>
+              <a:t>1</a:t>
+            </a:r>
+            <a:r>
+              <a:rPr lang="ko-KR" altLang="en-US" sz="2800" b="1" dirty="0"/>
+              <a:t>비정상인 경우 가중치 </a:t>
+            </a:r>
+            <a:r>
+              <a:rPr lang="en-US" altLang="ko-KR" sz="2800" b="1" dirty="0"/>
+              <a:t>3</a:t>
+            </a:r>
+            <a:r>
+              <a:rPr lang="ko-KR" altLang="en-US" sz="2800" b="1" dirty="0"/>
+              <a:t>배 적용  </a:t>
+            </a:r>
+          </a:p>
+        </p:txBody>
+      </p:sp>
+      <p:sp>
+        <p:nvSpPr>
+          <p:cNvPr id="60" name="TextBox 59">
+            <a:extLst>
+              <a:ext uri="{FF2B5EF4-FFF2-40B4-BE49-F238E27FC236}">
+                <a16:creationId xmlns:a16="http://schemas.microsoft.com/office/drawing/2014/main" id="{F68FCABD-77AD-460C-93D7-2C995E75E222}"/>
+              </a:ext>
+            </a:extLst>
+          </p:cNvPr>
+          <p:cNvSpPr txBox="1"/>
+          <p:nvPr/>
+        </p:nvSpPr>
+        <p:spPr>
+          <a:xfrm>
+            <a:off x="15741616" y="10681603"/>
+            <a:ext cx="13652729" cy="4401205"/>
+          </a:xfrm>
+          <a:prstGeom prst="rect">
+            <a:avLst/>
+          </a:prstGeom>
+          <a:noFill/>
+        </p:spPr>
+        <p:txBody>
+          <a:bodyPr wrap="square" rtlCol="0">
+            <a:spAutoFit/>
+          </a:bodyPr>
+          <a:lstStyle/>
+          <a:p>
+            <a:r>
+              <a:rPr lang="ko-KR" altLang="ko-KR" sz="2800" b="1" dirty="0">
+                <a:effectLst/>
+                <a:ea typeface="맑은 고딕" panose="020B0503020000020004" pitchFamily="50" charset="-127"/>
+                <a:cs typeface="Times New Roman" panose="02020603050405020304" pitchFamily="18" charset="0"/>
+              </a:rPr>
+              <a:t>종속변수</a:t>
+            </a:r>
+            <a:r>
+              <a:rPr lang="en-US" altLang="ko-KR" sz="2800" b="1" dirty="0">
+                <a:ea typeface="Calibri" panose="020F0502020204030204" pitchFamily="34" charset="0"/>
+                <a:cs typeface="Times New Roman" panose="02020603050405020304" pitchFamily="18" charset="0"/>
+              </a:rPr>
+              <a:t> = </a:t>
+            </a:r>
+            <a:r>
+              <a:rPr lang="ko-KR" altLang="ko-KR" sz="2800" b="1" dirty="0">
+                <a:effectLst/>
+                <a:ea typeface="맑은 고딕" panose="020B0503020000020004" pitchFamily="50" charset="-127"/>
+                <a:cs typeface="Times New Roman" panose="02020603050405020304" pitchFamily="18" charset="0"/>
+              </a:rPr>
+              <a:t>정상</a:t>
+            </a:r>
+            <a:r>
+              <a:rPr lang="ko-KR" altLang="ko-KR" sz="2800" b="1" dirty="0">
+                <a:effectLst/>
+                <a:ea typeface="Calibri" panose="020F0502020204030204" pitchFamily="34" charset="0"/>
+                <a:cs typeface="Times New Roman" panose="02020603050405020304" pitchFamily="18" charset="0"/>
+              </a:rPr>
+              <a:t> </a:t>
+            </a:r>
+            <a:r>
+              <a:rPr lang="ko-KR" altLang="ko-KR" sz="2800" b="1" dirty="0">
+                <a:effectLst/>
+                <a:ea typeface="맑은 고딕" panose="020B0503020000020004" pitchFamily="50" charset="-127"/>
+                <a:cs typeface="Times New Roman" panose="02020603050405020304" pitchFamily="18" charset="0"/>
+              </a:rPr>
+              <a:t>혹은</a:t>
+            </a:r>
+            <a:r>
+              <a:rPr lang="ko-KR" altLang="ko-KR" sz="2800" b="1" dirty="0">
+                <a:effectLst/>
+                <a:ea typeface="Calibri" panose="020F0502020204030204" pitchFamily="34" charset="0"/>
+                <a:cs typeface="Times New Roman" panose="02020603050405020304" pitchFamily="18" charset="0"/>
+              </a:rPr>
+              <a:t> </a:t>
+            </a:r>
+            <a:r>
+              <a:rPr lang="ko-KR" altLang="ko-KR" sz="2800" b="1" dirty="0">
+                <a:effectLst/>
+                <a:ea typeface="맑은 고딕" panose="020B0503020000020004" pitchFamily="50" charset="-127"/>
+                <a:cs typeface="Times New Roman" panose="02020603050405020304" pitchFamily="18" charset="0"/>
+              </a:rPr>
+              <a:t>고장을</a:t>
+            </a:r>
+            <a:r>
+              <a:rPr lang="ko-KR" altLang="ko-KR" sz="2800" b="1" dirty="0">
+                <a:effectLst/>
+                <a:ea typeface="Calibri" panose="020F0502020204030204" pitchFamily="34" charset="0"/>
+                <a:cs typeface="Times New Roman" panose="02020603050405020304" pitchFamily="18" charset="0"/>
+              </a:rPr>
+              <a:t> </a:t>
+            </a:r>
+            <a:r>
+              <a:rPr lang="ko-KR" altLang="ko-KR" sz="2800" b="1" dirty="0">
+                <a:effectLst/>
+                <a:ea typeface="맑은 고딕" panose="020B0503020000020004" pitchFamily="50" charset="-127"/>
+                <a:cs typeface="Times New Roman" panose="02020603050405020304" pitchFamily="18" charset="0"/>
+              </a:rPr>
+              <a:t>나타내는</a:t>
+            </a:r>
+            <a:r>
+              <a:rPr lang="ko-KR" altLang="ko-KR" sz="2800" b="1" dirty="0">
+                <a:effectLst/>
+                <a:ea typeface="Calibri" panose="020F0502020204030204" pitchFamily="34" charset="0"/>
+                <a:cs typeface="Times New Roman" panose="02020603050405020304" pitchFamily="18" charset="0"/>
+              </a:rPr>
+              <a:t> </a:t>
+            </a:r>
+            <a:r>
+              <a:rPr lang="ko-KR" altLang="ko-KR" sz="2800" b="1" dirty="0">
+                <a:effectLst/>
+                <a:ea typeface="맑은 고딕" panose="020B0503020000020004" pitchFamily="50" charset="-127"/>
+                <a:cs typeface="Times New Roman" panose="02020603050405020304" pitchFamily="18" charset="0"/>
+              </a:rPr>
+              <a:t>카테고리</a:t>
+            </a:r>
+            <a:r>
+              <a:rPr lang="ko-KR" altLang="ko-KR" sz="2800" b="1" dirty="0">
+                <a:effectLst/>
+                <a:ea typeface="Calibri" panose="020F0502020204030204" pitchFamily="34" charset="0"/>
+                <a:cs typeface="Times New Roman" panose="02020603050405020304" pitchFamily="18" charset="0"/>
+              </a:rPr>
+              <a:t> </a:t>
+            </a:r>
+            <a:r>
+              <a:rPr lang="ko-KR" altLang="ko-KR" sz="2800" b="1" dirty="0">
+                <a:effectLst/>
+                <a:ea typeface="맑은 고딕" panose="020B0503020000020004" pitchFamily="50" charset="-127"/>
+                <a:cs typeface="Times New Roman" panose="02020603050405020304" pitchFamily="18" charset="0"/>
+              </a:rPr>
+              <a:t>형식</a:t>
+            </a:r>
+            <a:endParaRPr lang="en-US" altLang="ko-KR" sz="2800" b="1" dirty="0">
+              <a:effectLst/>
+              <a:ea typeface="맑은 고딕" panose="020B0503020000020004" pitchFamily="50" charset="-127"/>
+              <a:cs typeface="Times New Roman" panose="02020603050405020304" pitchFamily="18" charset="0"/>
+            </a:endParaRPr>
+          </a:p>
+          <a:p>
+            <a:pPr marL="457200" indent="-457200">
+              <a:buFont typeface="Arial" panose="020B0604020202020204" pitchFamily="34" charset="0"/>
+              <a:buChar char="•"/>
+            </a:pPr>
+            <a:r>
+              <a:rPr lang="ko-KR" altLang="ko-KR" sz="2800" b="1" dirty="0" err="1">
+                <a:effectLst/>
+                <a:ea typeface="맑은 고딕" panose="020B0503020000020004" pitchFamily="50" charset="-127"/>
+                <a:cs typeface="Times New Roman" panose="02020603050405020304" pitchFamily="18" charset="0"/>
+              </a:rPr>
+              <a:t>결정트리</a:t>
+            </a:r>
+            <a:r>
+              <a:rPr lang="en-US" altLang="ko-KR" sz="2800" b="1" dirty="0">
+                <a:effectLst/>
+                <a:ea typeface="맑은 고딕" panose="020B0503020000020004" pitchFamily="50" charset="-127"/>
+                <a:cs typeface="Times New Roman" panose="02020603050405020304" pitchFamily="18" charset="0"/>
+              </a:rPr>
+              <a:t>(Decision Tree)</a:t>
+            </a:r>
+          </a:p>
+          <a:p>
+            <a:pPr marL="457200" indent="-457200">
+              <a:buFont typeface="Arial" panose="020B0604020202020204" pitchFamily="34" charset="0"/>
+              <a:buChar char="•"/>
+            </a:pPr>
+            <a:r>
+              <a:rPr lang="ko-KR" altLang="ko-KR" sz="2800" b="1" dirty="0">
+                <a:effectLst/>
+                <a:ea typeface="맑은 고딕" panose="020B0503020000020004" pitchFamily="50" charset="-127"/>
+                <a:cs typeface="Times New Roman" panose="02020603050405020304" pitchFamily="18" charset="0"/>
+              </a:rPr>
+              <a:t>로지스틱</a:t>
+            </a:r>
+            <a:r>
+              <a:rPr lang="ko-KR" altLang="ko-KR" sz="2800" b="1" dirty="0">
+                <a:effectLst/>
+                <a:ea typeface="Calibri" panose="020F0502020204030204" pitchFamily="34" charset="0"/>
+                <a:cs typeface="Times New Roman" panose="02020603050405020304" pitchFamily="18" charset="0"/>
+              </a:rPr>
+              <a:t> </a:t>
+            </a:r>
+            <a:r>
+              <a:rPr lang="ko-KR" altLang="ko-KR" sz="2800" b="1" dirty="0">
+                <a:effectLst/>
+                <a:ea typeface="맑은 고딕" panose="020B0503020000020004" pitchFamily="50" charset="-127"/>
+                <a:cs typeface="Times New Roman" panose="02020603050405020304" pitchFamily="18" charset="0"/>
+              </a:rPr>
+              <a:t>회귀</a:t>
+            </a:r>
+            <a:r>
+              <a:rPr lang="en-US" altLang="ko-KR" sz="2800" b="1" dirty="0">
+                <a:effectLst/>
+                <a:ea typeface="맑은 고딕" panose="020B0503020000020004" pitchFamily="50" charset="-127"/>
+                <a:cs typeface="Times New Roman" panose="02020603050405020304" pitchFamily="18" charset="0"/>
+              </a:rPr>
+              <a:t>(Logistic regression)</a:t>
+            </a:r>
+          </a:p>
+          <a:p>
+            <a:endParaRPr lang="en-US" altLang="ko-KR" sz="2800" b="1" dirty="0">
+              <a:effectLst/>
+              <a:ea typeface="맑은 고딕" panose="020B0503020000020004" pitchFamily="50" charset="-127"/>
+              <a:cs typeface="Times New Roman" panose="02020603050405020304" pitchFamily="18" charset="0"/>
+            </a:endParaRPr>
+          </a:p>
+          <a:p>
+            <a:r>
+              <a:rPr lang="ko-KR" altLang="en-US" sz="2800" b="1" dirty="0">
+                <a:ea typeface="맑은 고딕" panose="020B0503020000020004" pitchFamily="50" charset="-127"/>
+                <a:cs typeface="Times New Roman" panose="02020603050405020304" pitchFamily="18" charset="0"/>
+              </a:rPr>
+              <a:t>대표적 성능 지표 </a:t>
+            </a:r>
+            <a:r>
+              <a:rPr lang="en-US" altLang="ko-KR" sz="2800" b="1" dirty="0">
+                <a:ea typeface="맑은 고딕" panose="020B0503020000020004" pitchFamily="50" charset="-127"/>
+                <a:cs typeface="Times New Roman" panose="02020603050405020304" pitchFamily="18" charset="0"/>
+              </a:rPr>
+              <a:t>= </a:t>
+            </a:r>
+            <a:r>
+              <a:rPr lang="ko-KR" altLang="en-US" sz="2800" b="1" dirty="0">
+                <a:ea typeface="맑은 고딕" panose="020B0503020000020004" pitchFamily="50" charset="-127"/>
+                <a:cs typeface="Times New Roman" panose="02020603050405020304" pitchFamily="18" charset="0"/>
+              </a:rPr>
+              <a:t>전체 예측 중 정확히 예측된 비율과</a:t>
+            </a:r>
+            <a:r>
+              <a:rPr lang="en-US" altLang="ko-KR" sz="2800" b="1" dirty="0">
+                <a:ea typeface="맑은 고딕" panose="020B0503020000020004" pitchFamily="50" charset="-127"/>
+                <a:cs typeface="Times New Roman" panose="02020603050405020304" pitchFamily="18" charset="0"/>
+              </a:rPr>
+              <a:t>,</a:t>
+            </a:r>
+            <a:r>
+              <a:rPr lang="ko-KR" altLang="en-US" sz="2800" b="1" dirty="0">
+                <a:ea typeface="맑은 고딕" panose="020B0503020000020004" pitchFamily="50" charset="-127"/>
+                <a:cs typeface="Times New Roman" panose="02020603050405020304" pitchFamily="18" charset="0"/>
+              </a:rPr>
+              <a:t> 종속변수의 예측 실패 수치 파악</a:t>
+            </a:r>
+            <a:endParaRPr lang="en-US" altLang="ko-KR" sz="2800" b="1" dirty="0">
+              <a:ea typeface="맑은 고딕" panose="020B0503020000020004" pitchFamily="50" charset="-127"/>
+              <a:cs typeface="Times New Roman" panose="02020603050405020304" pitchFamily="18" charset="0"/>
+            </a:endParaRPr>
+          </a:p>
+          <a:p>
+            <a:pPr marL="457200" indent="-457200">
+              <a:buFont typeface="Arial" panose="020B0604020202020204" pitchFamily="34" charset="0"/>
+              <a:buChar char="•"/>
+            </a:pPr>
+            <a:r>
+              <a:rPr lang="ko-KR" altLang="en-US" sz="2800" b="1" dirty="0">
+                <a:effectLst/>
+                <a:ea typeface="맑은 고딕" panose="020B0503020000020004" pitchFamily="50" charset="-127"/>
+                <a:cs typeface="Times New Roman" panose="02020603050405020304" pitchFamily="18" charset="0"/>
+              </a:rPr>
+              <a:t>정확도</a:t>
+            </a:r>
+            <a:r>
+              <a:rPr lang="en-US" altLang="ko-KR" sz="2800" b="1" dirty="0">
+                <a:effectLst/>
+                <a:ea typeface="맑은 고딕" panose="020B0503020000020004" pitchFamily="50" charset="-127"/>
+                <a:cs typeface="Times New Roman" panose="02020603050405020304" pitchFamily="18" charset="0"/>
+              </a:rPr>
+              <a:t>(accuracy)</a:t>
+            </a:r>
+          </a:p>
+          <a:p>
+            <a:pPr marL="457200" indent="-457200">
+              <a:buFont typeface="Arial" panose="020B0604020202020204" pitchFamily="34" charset="0"/>
+              <a:buChar char="•"/>
+            </a:pPr>
+            <a:r>
+              <a:rPr lang="ko-KR" altLang="en-US" sz="2800" b="1" dirty="0">
+                <a:effectLst/>
+                <a:ea typeface="맑은 고딕" panose="020B0503020000020004" pitchFamily="50" charset="-127"/>
+                <a:cs typeface="Times New Roman" panose="02020603050405020304" pitchFamily="18" charset="0"/>
+              </a:rPr>
+              <a:t>오차행렬</a:t>
+            </a:r>
+            <a:r>
+              <a:rPr lang="en-US" altLang="ko-KR" sz="2800" b="1" dirty="0">
+                <a:effectLst/>
+                <a:ea typeface="맑은 고딕" panose="020B0503020000020004" pitchFamily="50" charset="-127"/>
+                <a:cs typeface="Times New Roman" panose="02020603050405020304" pitchFamily="18" charset="0"/>
+              </a:rPr>
+              <a:t>(conf matrix)</a:t>
+            </a:r>
+          </a:p>
+          <a:p>
+            <a:endParaRPr lang="en-US" altLang="ko-KR" sz="2800" b="1" dirty="0">
+              <a:latin typeface="Calibri" panose="020F0502020204030204" pitchFamily="34" charset="0"/>
+              <a:ea typeface="맑은 고딕" panose="020B0503020000020004" pitchFamily="50" charset="-127"/>
+              <a:cs typeface="Times New Roman" panose="02020603050405020304" pitchFamily="18" charset="0"/>
+            </a:endParaRPr>
+          </a:p>
+          <a:p>
+            <a:endParaRPr lang="ko-KR" altLang="en-US" sz="2800" b="1" dirty="0"/>
+          </a:p>
+        </p:txBody>
+      </p:sp>
+      <p:sp>
+        <p:nvSpPr>
+          <p:cNvPr id="63" name="모서리가 둥근 직사각형 31">
+            <a:extLst>
+              <a:ext uri="{FF2B5EF4-FFF2-40B4-BE49-F238E27FC236}">
+                <a16:creationId xmlns:a16="http://schemas.microsoft.com/office/drawing/2014/main" id="{625C09CD-555C-48F9-8C94-181D752464A5}"/>
+              </a:ext>
+            </a:extLst>
+          </p:cNvPr>
+          <p:cNvSpPr/>
+          <p:nvPr/>
+        </p:nvSpPr>
+        <p:spPr>
+          <a:xfrm>
+            <a:off x="502520" y="33293627"/>
+            <a:ext cx="14358500" cy="9476798"/>
+          </a:xfrm>
+          <a:prstGeom prst="roundRect">
+            <a:avLst>
+              <a:gd name="adj" fmla="val 3188"/>
+            </a:avLst>
+          </a:prstGeom>
+          <a:noFill/>
+          <a:ln w="38100">
+            <a:solidFill>
+              <a:schemeClr val="accent1">
+                <a:lumMod val="50000"/>
+              </a:schemeClr>
+            </a:solidFill>
+          </a:ln>
+        </p:spPr>
+        <p:style>
+          <a:lnRef idx="2">
+            <a:schemeClr val="accent1">
+              <a:shade val="50000"/>
+            </a:schemeClr>
+          </a:lnRef>
+          <a:fillRef idx="1">
+            <a:schemeClr val="accent1"/>
+          </a:fillRef>
+          <a:effectRef idx="0">
+            <a:schemeClr val="accent1"/>
+          </a:effectRef>
+          <a:fontRef idx="minor">
+            <a:schemeClr val="lt1"/>
+          </a:fontRef>
+        </p:style>
+        <p:txBody>
+          <a:bodyPr lIns="72000" tIns="36000" rIns="72000" bIns="36000" rtlCol="0" anchor="ctr" anchorCtr="0"/>
+          <a:lstStyle/>
+          <a:p>
+            <a:pPr marL="457200" indent="-457200" fontAlgn="base">
+              <a:buFont typeface="맑은 고딕" panose="020B0503020000020004" pitchFamily="50" charset="-127"/>
+              <a:buChar char="-"/>
+            </a:pPr>
+            <a:endParaRPr lang="ko-KR" altLang="en-US" sz="2800" b="1" dirty="0">
+              <a:solidFill>
+                <a:schemeClr val="tx1"/>
+              </a:solidFill>
+            </a:endParaRPr>
+          </a:p>
+        </p:txBody>
+      </p:sp>
+      <p:pic>
+        <p:nvPicPr>
+          <p:cNvPr id="70" name="그림 69" descr="텍스트, 스크린샷, 사각형, 패턴이(가) 표시된 사진&#10;&#10;자동 생성된 설명">
+            <a:extLst>
+              <a:ext uri="{FF2B5EF4-FFF2-40B4-BE49-F238E27FC236}">
+                <a16:creationId xmlns:a16="http://schemas.microsoft.com/office/drawing/2014/main" id="{2251FB72-CFC8-4125-A68D-3AC0B556BDF0}"/>
+              </a:ext>
+            </a:extLst>
+          </p:cNvPr>
+          <p:cNvPicPr/>
+          <p:nvPr/>
+        </p:nvPicPr>
+        <p:blipFill>
+          <a:blip r:embed="rId7" cstate="print">
+            <a:extLst>
+              <a:ext uri="{28A0092B-C50C-407E-A947-70E740481C1C}">
+                <a14:useLocalDpi xmlns:a14="http://schemas.microsoft.com/office/drawing/2010/main" val="0"/>
+              </a:ext>
+            </a:extLst>
+          </a:blip>
+          <a:srcRect/>
+          <a:stretch>
+            <a:fillRect/>
+          </a:stretch>
+        </p:blipFill>
+        <p:spPr bwMode="auto">
+          <a:xfrm>
+            <a:off x="929453" y="35863869"/>
+            <a:ext cx="7264096" cy="5785732"/>
+          </a:xfrm>
+          <a:prstGeom prst="rect">
+            <a:avLst/>
+          </a:prstGeom>
+          <a:noFill/>
+          <a:ln>
+            <a:noFill/>
+          </a:ln>
+        </p:spPr>
+      </p:pic>
+      <p:sp>
+        <p:nvSpPr>
+          <p:cNvPr id="72" name="TextBox 71">
+            <a:extLst>
+              <a:ext uri="{FF2B5EF4-FFF2-40B4-BE49-F238E27FC236}">
+                <a16:creationId xmlns:a16="http://schemas.microsoft.com/office/drawing/2014/main" id="{97BAE7AA-0915-4BE3-9CA5-DA4847624776}"/>
+              </a:ext>
+            </a:extLst>
+          </p:cNvPr>
+          <p:cNvSpPr txBox="1"/>
+          <p:nvPr/>
+        </p:nvSpPr>
+        <p:spPr>
+          <a:xfrm>
+            <a:off x="2205559" y="41796930"/>
+            <a:ext cx="6289849" cy="397677"/>
+          </a:xfrm>
+          <a:prstGeom prst="rect">
+            <a:avLst/>
+          </a:prstGeom>
+          <a:noFill/>
+        </p:spPr>
+        <p:txBody>
+          <a:bodyPr wrap="square" rtlCol="0">
+            <a:spAutoFit/>
+          </a:bodyPr>
+          <a:lstStyle/>
+          <a:p>
+            <a:r>
+              <a:rPr lang="ko-KR" altLang="en-US" sz="2000" dirty="0"/>
+              <a:t>그림 </a:t>
+            </a:r>
+            <a:r>
+              <a:rPr lang="en-US" altLang="ko-KR" sz="2000" dirty="0"/>
+              <a:t>2 </a:t>
+            </a:r>
+            <a:r>
+              <a:rPr lang="ko-KR" altLang="en-US" sz="2000" dirty="0"/>
+              <a:t>각 변수의 상관관계 분석표</a:t>
+            </a:r>
+          </a:p>
+        </p:txBody>
+      </p:sp>
+      <p:pic>
+        <p:nvPicPr>
+          <p:cNvPr id="73" name="그림 72" descr="텍스트, 도표, 평면도, 기술 도면이(가) 표시된 사진&#10;&#10;자동 생성된 설명">
+            <a:extLst>
+              <a:ext uri="{FF2B5EF4-FFF2-40B4-BE49-F238E27FC236}">
+                <a16:creationId xmlns:a16="http://schemas.microsoft.com/office/drawing/2014/main" id="{78CC5A78-079C-4BE0-8F52-DBD48707B92E}"/>
+              </a:ext>
+            </a:extLst>
+          </p:cNvPr>
+          <p:cNvPicPr/>
+          <p:nvPr/>
+        </p:nvPicPr>
+        <p:blipFill>
+          <a:blip r:embed="rId8">
+            <a:extLst>
+              <a:ext uri="{28A0092B-C50C-407E-A947-70E740481C1C}">
+                <a14:useLocalDpi xmlns:a14="http://schemas.microsoft.com/office/drawing/2010/main" val="0"/>
+              </a:ext>
+            </a:extLst>
+          </a:blip>
+          <a:srcRect/>
+          <a:stretch>
+            <a:fillRect/>
+          </a:stretch>
+        </p:blipFill>
+        <p:spPr bwMode="auto">
+          <a:xfrm>
+            <a:off x="7749402" y="35569871"/>
+            <a:ext cx="6289849" cy="6462898"/>
+          </a:xfrm>
+          <a:prstGeom prst="rect">
+            <a:avLst/>
+          </a:prstGeom>
+          <a:noFill/>
+          <a:ln>
+            <a:noFill/>
+          </a:ln>
+        </p:spPr>
+      </p:pic>
+      <p:sp>
+        <p:nvSpPr>
+          <p:cNvPr id="74" name="TextBox 73">
+            <a:extLst>
+              <a:ext uri="{FF2B5EF4-FFF2-40B4-BE49-F238E27FC236}">
+                <a16:creationId xmlns:a16="http://schemas.microsoft.com/office/drawing/2014/main" id="{B105A872-0F8C-441B-9039-F180A9577C1D}"/>
+              </a:ext>
+            </a:extLst>
+          </p:cNvPr>
+          <p:cNvSpPr txBox="1"/>
+          <p:nvPr/>
+        </p:nvSpPr>
+        <p:spPr>
+          <a:xfrm>
+            <a:off x="8135368" y="41796930"/>
+            <a:ext cx="6289849" cy="397677"/>
+          </a:xfrm>
+          <a:prstGeom prst="rect">
+            <a:avLst/>
+          </a:prstGeom>
+          <a:noFill/>
+        </p:spPr>
+        <p:txBody>
+          <a:bodyPr wrap="square" rtlCol="0">
+            <a:spAutoFit/>
+          </a:bodyPr>
+          <a:lstStyle/>
+          <a:p>
+            <a:r>
+              <a:rPr lang="ko-KR" altLang="en-US" sz="2000" dirty="0"/>
+              <a:t>그림 </a:t>
+            </a:r>
+            <a:r>
+              <a:rPr lang="en-US" altLang="ko-KR" sz="2000" dirty="0"/>
+              <a:t>3 </a:t>
+            </a:r>
+            <a:r>
+              <a:rPr lang="ko-KR" altLang="en-US" sz="2000" dirty="0"/>
+              <a:t>종속변수별 각 독립변수의 데이터양 수치</a:t>
+            </a:r>
+          </a:p>
+        </p:txBody>
+      </p:sp>
       <p:grpSp>
         <p:nvGrpSpPr>
-          <p:cNvPr id="184" name="그룹 183"/>
+          <p:cNvPr id="76" name="그룹 75">
+            <a:extLst>
+              <a:ext uri="{FF2B5EF4-FFF2-40B4-BE49-F238E27FC236}">
+                <a16:creationId xmlns:a16="http://schemas.microsoft.com/office/drawing/2014/main" id="{D408FB38-3C71-4868-AAB2-5B5EAD0695E9}"/>
+              </a:ext>
+            </a:extLst>
+          </p:cNvPr>
           <p:cNvGrpSpPr/>
           <p:nvPr/>
         </p:nvGrpSpPr>
         <p:grpSpPr>
           <a:xfrm>
-            <a:off x="497297" y="36145935"/>
-            <a:ext cx="29182787" cy="1138733"/>
-            <a:chOff x="3452854" y="1777941"/>
-            <a:chExt cx="31608293" cy="1453277"/>
+            <a:off x="15120144" y="35065815"/>
+            <a:ext cx="14625625" cy="1159848"/>
+            <a:chOff x="3487138" y="1832629"/>
+            <a:chExt cx="15824347" cy="1395082"/>
           </a:xfrm>
         </p:grpSpPr>
         <p:sp>
           <p:nvSpPr>
-            <p:cNvPr id="185" name="모서리가 둥근 직사각형 184"/>
+            <p:cNvPr id="77" name="모서리가 둥근 직사각형 152">
+              <a:extLst>
+                <a:ext uri="{FF2B5EF4-FFF2-40B4-BE49-F238E27FC236}">
+                  <a16:creationId xmlns:a16="http://schemas.microsoft.com/office/drawing/2014/main" id="{104A513A-0B32-4EA5-AAD5-5AA3C53EE5D2}"/>
+                </a:ext>
+              </a:extLst>
+            </p:cNvPr>
             <p:cNvSpPr/>
             <p:nvPr/>
           </p:nvSpPr>
           <p:spPr>
             <a:xfrm>
-              <a:off x="3452854" y="1850424"/>
-              <a:ext cx="31608293" cy="1380794"/>
+              <a:off x="3627442" y="1846916"/>
+              <a:ext cx="15684043" cy="1380795"/>
             </a:xfrm>
             <a:prstGeom prst="roundRect">
               <a:avLst>
@@ -5844,13 +7871,19 @@
         </p:sp>
         <p:sp>
           <p:nvSpPr>
-            <p:cNvPr id="186" name="타원 185"/>
+            <p:cNvPr id="78" name="타원 77">
+              <a:extLst>
+                <a:ext uri="{FF2B5EF4-FFF2-40B4-BE49-F238E27FC236}">
+                  <a16:creationId xmlns:a16="http://schemas.microsoft.com/office/drawing/2014/main" id="{936DA4BE-2CBB-4A54-B26B-68F81B0947D6}"/>
+                </a:ext>
+              </a:extLst>
+            </p:cNvPr>
             <p:cNvSpPr/>
             <p:nvPr/>
           </p:nvSpPr>
           <p:spPr>
             <a:xfrm>
-              <a:off x="3658844" y="2023450"/>
+              <a:off x="3821261" y="2049388"/>
               <a:ext cx="1041815" cy="1041817"/>
             </a:xfrm>
             <a:prstGeom prst="ellipse">
@@ -5901,21 +7934,27 @@
         </p:sp>
         <p:sp>
           <p:nvSpPr>
-            <p:cNvPr id="187" name="직사각형 186"/>
+            <p:cNvPr id="79" name="직사각형 78">
+              <a:extLst>
+                <a:ext uri="{FF2B5EF4-FFF2-40B4-BE49-F238E27FC236}">
+                  <a16:creationId xmlns:a16="http://schemas.microsoft.com/office/drawing/2014/main" id="{C8659AC9-0422-472C-9DE0-FD9052570BF7}"/>
+                </a:ext>
+              </a:extLst>
+            </p:cNvPr>
             <p:cNvSpPr/>
             <p:nvPr/>
           </p:nvSpPr>
           <p:spPr>
             <a:xfrm>
-              <a:off x="3468559" y="1777941"/>
-              <a:ext cx="31182600" cy="1453274"/>
+              <a:off x="3487138" y="1832629"/>
+              <a:ext cx="15692104" cy="1395082"/>
             </a:xfrm>
             <a:prstGeom prst="rect">
               <a:avLst/>
             </a:prstGeom>
           </p:spPr>
           <p:txBody>
-            <a:bodyPr wrap="square" lIns="72000" tIns="0" rIns="72000" bIns="0" anchor="ctr">
+            <a:bodyPr wrap="square" lIns="72000" tIns="36000" rIns="72000" bIns="36000" anchor="ctr">
               <a:noAutofit/>
             </a:bodyPr>
             <a:lstStyle/>
@@ -5932,7 +7971,7 @@
                 </a:rPr>
                 <a:t>결론</a:t>
               </a:r>
-              <a:endParaRPr lang="en-US" altLang="ko-KR" sz="6600" b="1" dirty="0">
+              <a:endParaRPr lang="ko-KR" altLang="en-US" sz="6600" dirty="0">
                 <a:solidFill>
                   <a:schemeClr val="bg1"/>
                 </a:solidFill>
@@ -5946,365 +7985,455 @@
       </p:grpSp>
       <p:sp>
         <p:nvSpPr>
-          <p:cNvPr id="191" name="모서리가 둥근 직사각형 190"/>
-          <p:cNvSpPr/>
-          <p:nvPr/>
-        </p:nvSpPr>
-        <p:spPr>
-          <a:xfrm>
-            <a:off x="472539" y="37573700"/>
-            <a:ext cx="29150748" cy="4987794"/>
-          </a:xfrm>
-          <a:prstGeom prst="roundRect">
-            <a:avLst>
-              <a:gd name="adj" fmla="val 10233"/>
-            </a:avLst>
-          </a:prstGeom>
-          <a:noFill/>
-          <a:ln w="38100">
-            <a:solidFill>
-              <a:schemeClr val="accent1">
-                <a:lumMod val="50000"/>
-              </a:schemeClr>
-            </a:solidFill>
-          </a:ln>
-        </p:spPr>
-        <p:style>
-          <a:lnRef idx="2">
-            <a:schemeClr val="accent1">
-              <a:shade val="50000"/>
-            </a:schemeClr>
-          </a:lnRef>
-          <a:fillRef idx="1">
-            <a:schemeClr val="accent1"/>
-          </a:fillRef>
-          <a:effectRef idx="0">
-            <a:schemeClr val="accent1"/>
-          </a:effectRef>
-          <a:fontRef idx="minor">
-            <a:schemeClr val="lt1"/>
-          </a:fontRef>
-        </p:style>
-        <p:txBody>
-          <a:bodyPr lIns="72000" tIns="36000" rIns="0" bIns="36000" rtlCol="0" anchor="ctr"/>
-          <a:lstStyle/>
-          <a:p>
-            <a:pPr>
-              <a:spcAft>
-                <a:spcPts val="200"/>
-              </a:spcAft>
-            </a:pPr>
-            <a:endParaRPr lang="en-US" altLang="ko-KR" sz="4000" dirty="0">
-              <a:solidFill>
-                <a:schemeClr val="tx1"/>
-              </a:solidFill>
-              <a:latin typeface="Arial" panose="020B0604020202020204" pitchFamily="34" charset="0"/>
-              <a:ea typeface="KoPub돋움체 Medium" panose="00000600000000000000" pitchFamily="2" charset="-127"/>
-            </a:endParaRPr>
-          </a:p>
-        </p:txBody>
-      </p:sp>
-      <p:sp>
-        <p:nvSpPr>
-          <p:cNvPr id="252" name="모서리가 둥근 직사각형 251"/>
-          <p:cNvSpPr/>
-          <p:nvPr/>
-        </p:nvSpPr>
-        <p:spPr>
-          <a:xfrm>
-            <a:off x="15547029" y="8782895"/>
-            <a:ext cx="2784596" cy="988112"/>
-          </a:xfrm>
-          <a:prstGeom prst="roundRect">
-            <a:avLst>
-              <a:gd name="adj" fmla="val 50000"/>
-            </a:avLst>
-          </a:prstGeom>
-          <a:solidFill>
-            <a:schemeClr val="tx2">
-              <a:lumMod val="60000"/>
-              <a:lumOff val="40000"/>
-            </a:schemeClr>
-          </a:solidFill>
-          <a:ln>
-            <a:noFill/>
-          </a:ln>
-          <a:effectLst>
-            <a:outerShdw blurRad="50800" dist="38100" algn="l" rotWithShape="0">
-              <a:prstClr val="black">
-                <a:alpha val="40000"/>
-              </a:prstClr>
-            </a:outerShdw>
-          </a:effectLst>
-        </p:spPr>
-        <p:style>
-          <a:lnRef idx="2">
-            <a:schemeClr val="accent1">
-              <a:shade val="50000"/>
-            </a:schemeClr>
-          </a:lnRef>
-          <a:fillRef idx="1">
-            <a:schemeClr val="accent1"/>
-          </a:fillRef>
-          <a:effectRef idx="0">
-            <a:schemeClr val="accent1"/>
-          </a:effectRef>
-          <a:fontRef idx="minor">
-            <a:schemeClr val="lt1"/>
-          </a:fontRef>
-        </p:style>
-        <p:txBody>
-          <a:bodyPr lIns="72000" tIns="36000" rIns="72000" bIns="36000" rtlCol="0" anchor="ctr"/>
-          <a:lstStyle/>
-          <a:p>
-            <a:pPr algn="ctr"/>
-            <a:r>
-              <a:rPr lang="ko-KR" altLang="en-US" sz="5200" b="1" dirty="0">
-                <a:solidFill>
-                  <a:schemeClr val="bg1"/>
-                </a:solidFill>
-                <a:latin typeface="Arial" panose="020B0604020202020204" pitchFamily="34" charset="0"/>
-                <a:ea typeface="KoPub돋움체 Bold" panose="00000800000000000000" pitchFamily="2" charset="-127"/>
-                <a:cs typeface="Arial" panose="020B0604020202020204" pitchFamily="34" charset="0"/>
-              </a:rPr>
-              <a:t>데이터</a:t>
-            </a:r>
-          </a:p>
-        </p:txBody>
-      </p:sp>
-      <p:sp>
-        <p:nvSpPr>
-          <p:cNvPr id="296" name="모서리가 둥근 직사각형 295"/>
-          <p:cNvSpPr/>
-          <p:nvPr/>
-        </p:nvSpPr>
-        <p:spPr>
-          <a:xfrm>
-            <a:off x="15552192" y="19872127"/>
-            <a:ext cx="6066309" cy="1007973"/>
-          </a:xfrm>
-          <a:prstGeom prst="roundRect">
-            <a:avLst>
-              <a:gd name="adj" fmla="val 50000"/>
-            </a:avLst>
-          </a:prstGeom>
-          <a:solidFill>
-            <a:schemeClr val="tx2">
-              <a:lumMod val="60000"/>
-              <a:lumOff val="40000"/>
-            </a:schemeClr>
-          </a:solidFill>
-          <a:ln>
-            <a:noFill/>
-          </a:ln>
-          <a:effectLst>
-            <a:outerShdw blurRad="50800" dist="38100" algn="l" rotWithShape="0">
-              <a:prstClr val="black">
-                <a:alpha val="40000"/>
-              </a:prstClr>
-            </a:outerShdw>
-          </a:effectLst>
-        </p:spPr>
-        <p:style>
-          <a:lnRef idx="2">
-            <a:schemeClr val="accent1">
-              <a:shade val="50000"/>
-            </a:schemeClr>
-          </a:lnRef>
-          <a:fillRef idx="1">
-            <a:schemeClr val="accent1"/>
-          </a:fillRef>
-          <a:effectRef idx="0">
-            <a:schemeClr val="accent1"/>
-          </a:effectRef>
-          <a:fontRef idx="minor">
-            <a:schemeClr val="lt1"/>
-          </a:fontRef>
-        </p:style>
-        <p:txBody>
-          <a:bodyPr lIns="72000" tIns="36000" rIns="72000" bIns="36000" rtlCol="0" anchor="ctr"/>
-          <a:lstStyle/>
-          <a:p>
-            <a:pPr algn="ctr"/>
-            <a:r>
-              <a:rPr lang="ko-KR" altLang="en-US" sz="5200" b="1" dirty="0">
-                <a:solidFill>
-                  <a:schemeClr val="bg1"/>
-                </a:solidFill>
-                <a:latin typeface="Arial" panose="020B0604020202020204" pitchFamily="34" charset="0"/>
-                <a:ea typeface="KoPub돋움체 Bold" panose="00000800000000000000" pitchFamily="2" charset="-127"/>
-                <a:cs typeface="Arial" panose="020B0604020202020204" pitchFamily="34" charset="0"/>
-              </a:rPr>
-              <a:t>데이터 </a:t>
-            </a:r>
-            <a:r>
-              <a:rPr lang="ko-KR" altLang="en-US" sz="5200" b="1" dirty="0" err="1">
-                <a:solidFill>
-                  <a:schemeClr val="bg1"/>
-                </a:solidFill>
-                <a:latin typeface="Arial" panose="020B0604020202020204" pitchFamily="34" charset="0"/>
-                <a:ea typeface="KoPub돋움체 Bold" panose="00000800000000000000" pitchFamily="2" charset="-127"/>
-                <a:cs typeface="Arial" panose="020B0604020202020204" pitchFamily="34" charset="0"/>
-              </a:rPr>
-              <a:t>전처리</a:t>
-            </a:r>
-            <a:endParaRPr lang="ko-KR" altLang="en-US" sz="5200" b="1" dirty="0">
-              <a:solidFill>
-                <a:schemeClr val="bg1"/>
-              </a:solidFill>
-              <a:latin typeface="Arial" panose="020B0604020202020204" pitchFamily="34" charset="0"/>
-              <a:ea typeface="KoPub돋움체 Bold" panose="00000800000000000000" pitchFamily="2" charset="-127"/>
-              <a:cs typeface="Arial" panose="020B0604020202020204" pitchFamily="34" charset="0"/>
-            </a:endParaRPr>
-          </a:p>
-        </p:txBody>
-      </p:sp>
-      <p:sp>
-        <p:nvSpPr>
-          <p:cNvPr id="301" name="모서리가 둥근 직사각형 300"/>
-          <p:cNvSpPr/>
-          <p:nvPr/>
-        </p:nvSpPr>
-        <p:spPr>
-          <a:xfrm>
-            <a:off x="15552192" y="23958079"/>
-            <a:ext cx="3202799" cy="988112"/>
-          </a:xfrm>
-          <a:prstGeom prst="roundRect">
-            <a:avLst>
-              <a:gd name="adj" fmla="val 50000"/>
-            </a:avLst>
-          </a:prstGeom>
-          <a:solidFill>
-            <a:schemeClr val="tx2">
-              <a:lumMod val="60000"/>
-              <a:lumOff val="40000"/>
-            </a:schemeClr>
-          </a:solidFill>
-          <a:ln>
-            <a:noFill/>
-          </a:ln>
-          <a:effectLst>
-            <a:outerShdw blurRad="50800" dist="38100" algn="l" rotWithShape="0">
-              <a:prstClr val="black">
-                <a:alpha val="40000"/>
-              </a:prstClr>
-            </a:outerShdw>
-          </a:effectLst>
-        </p:spPr>
-        <p:style>
-          <a:lnRef idx="2">
-            <a:schemeClr val="accent1">
-              <a:shade val="50000"/>
-            </a:schemeClr>
-          </a:lnRef>
-          <a:fillRef idx="1">
-            <a:schemeClr val="accent1"/>
-          </a:fillRef>
-          <a:effectRef idx="0">
-            <a:schemeClr val="accent1"/>
-          </a:effectRef>
-          <a:fontRef idx="minor">
-            <a:schemeClr val="lt1"/>
-          </a:fontRef>
-        </p:style>
-        <p:txBody>
-          <a:bodyPr lIns="72000" tIns="36000" rIns="72000" bIns="36000" rtlCol="0" anchor="ctr"/>
-          <a:lstStyle/>
-          <a:p>
-            <a:pPr algn="ctr"/>
-            <a:endParaRPr lang="ko-KR" altLang="en-US" sz="5200" b="1" dirty="0">
-              <a:solidFill>
-                <a:schemeClr val="bg1"/>
-              </a:solidFill>
-              <a:latin typeface="Arial" panose="020B0604020202020204" pitchFamily="34" charset="0"/>
-              <a:ea typeface="KoPub돋움체 Bold" panose="00000800000000000000" pitchFamily="2" charset="-127"/>
-              <a:cs typeface="Arial" panose="020B0604020202020204" pitchFamily="34" charset="0"/>
-            </a:endParaRPr>
-          </a:p>
-        </p:txBody>
-      </p:sp>
-      <p:sp>
-        <p:nvSpPr>
-          <p:cNvPr id="302" name="모서리가 둥근 직사각형 301"/>
-          <p:cNvSpPr/>
-          <p:nvPr/>
-        </p:nvSpPr>
-        <p:spPr>
-          <a:xfrm>
-            <a:off x="15552192" y="32291007"/>
-            <a:ext cx="2784596" cy="988112"/>
-          </a:xfrm>
-          <a:prstGeom prst="roundRect">
-            <a:avLst>
-              <a:gd name="adj" fmla="val 50000"/>
-            </a:avLst>
-          </a:prstGeom>
-          <a:solidFill>
-            <a:schemeClr val="tx2">
-              <a:lumMod val="60000"/>
-              <a:lumOff val="40000"/>
-            </a:schemeClr>
-          </a:solidFill>
-          <a:ln>
-            <a:noFill/>
-          </a:ln>
-          <a:effectLst>
-            <a:outerShdw blurRad="50800" dist="38100" algn="l" rotWithShape="0">
-              <a:prstClr val="black">
-                <a:alpha val="40000"/>
-              </a:prstClr>
-            </a:outerShdw>
-          </a:effectLst>
-        </p:spPr>
-        <p:style>
-          <a:lnRef idx="2">
-            <a:schemeClr val="accent1">
-              <a:shade val="50000"/>
-            </a:schemeClr>
-          </a:lnRef>
-          <a:fillRef idx="1">
-            <a:schemeClr val="accent1"/>
-          </a:fillRef>
-          <a:effectRef idx="0">
-            <a:schemeClr val="accent1"/>
-          </a:effectRef>
-          <a:fontRef idx="minor">
-            <a:schemeClr val="lt1"/>
-          </a:fontRef>
-        </p:style>
-        <p:txBody>
-          <a:bodyPr lIns="72000" tIns="36000" rIns="72000" bIns="36000" rtlCol="0" anchor="ctr"/>
-          <a:lstStyle/>
-          <a:p>
-            <a:pPr algn="ctr"/>
-            <a:endParaRPr lang="ko-KR" altLang="en-US" sz="5200" b="1" dirty="0">
-              <a:solidFill>
-                <a:schemeClr val="bg1"/>
-              </a:solidFill>
-              <a:latin typeface="Arial" panose="020B0604020202020204" pitchFamily="34" charset="0"/>
-              <a:ea typeface="KoPub돋움체 Bold" panose="00000800000000000000" pitchFamily="2" charset="-127"/>
-              <a:cs typeface="Arial" panose="020B0604020202020204" pitchFamily="34" charset="0"/>
-            </a:endParaRPr>
-          </a:p>
-        </p:txBody>
-      </p:sp>
-      <p:pic>
-        <p:nvPicPr>
-          <p:cNvPr id="2" name="그림 1">
+          <p:cNvPr id="81" name="TextBox 80">
             <a:extLst>
               <a:ext uri="{FF2B5EF4-FFF2-40B4-BE49-F238E27FC236}">
-                <a16:creationId xmlns:a16="http://schemas.microsoft.com/office/drawing/2014/main" id="{AF1A4CE4-B72D-6BB5-D05E-DFEE500120BE}"/>
+                <a16:creationId xmlns:a16="http://schemas.microsoft.com/office/drawing/2014/main" id="{12257049-D74F-4963-909A-69564BEADFE7}"/>
               </a:ext>
             </a:extLst>
           </p:cNvPr>
-          <p:cNvPicPr>
-            <a:picLocks noChangeAspect="1"/>
-          </p:cNvPicPr>
+          <p:cNvSpPr txBox="1"/>
+          <p:nvPr/>
+        </p:nvSpPr>
+        <p:spPr>
+          <a:xfrm>
+            <a:off x="15480184" y="36644997"/>
+            <a:ext cx="14255419" cy="6555641"/>
+          </a:xfrm>
+          <a:prstGeom prst="rect">
+            <a:avLst/>
+          </a:prstGeom>
+          <a:noFill/>
+        </p:spPr>
+        <p:txBody>
+          <a:bodyPr wrap="square" rtlCol="0">
+            <a:spAutoFit/>
+          </a:bodyPr>
+          <a:lstStyle/>
+          <a:p>
+            <a:pPr algn="l"/>
+            <a:r>
+              <a:rPr lang="ko-KR" altLang="en-US" sz="2800" b="1" dirty="0">
+                <a:solidFill>
+                  <a:srgbClr val="1F2328"/>
+                </a:solidFill>
+                <a:latin typeface="-apple-system"/>
+              </a:rPr>
+              <a:t>본 모델은 건설현장의 리프트와 곤돌라 등 양중기에 </a:t>
+            </a:r>
+            <a:r>
+              <a:rPr lang="en-US" altLang="ko-KR" sz="2800" b="1" dirty="0">
+                <a:solidFill>
+                  <a:srgbClr val="1F2328"/>
+                </a:solidFill>
+                <a:latin typeface="-apple-system"/>
+              </a:rPr>
+              <a:t>IoT</a:t>
+            </a:r>
+            <a:r>
+              <a:rPr lang="ko-KR" altLang="en-US" sz="2800" b="1" dirty="0">
+                <a:solidFill>
+                  <a:srgbClr val="1F2328"/>
+                </a:solidFill>
+                <a:latin typeface="-apple-system"/>
+              </a:rPr>
+              <a:t> 센서를 적용하여</a:t>
+            </a:r>
+            <a:r>
+              <a:rPr lang="en-US" altLang="ko-KR" sz="2800" b="1" dirty="0">
+                <a:solidFill>
+                  <a:srgbClr val="1F2328"/>
+                </a:solidFill>
+                <a:latin typeface="-apple-system"/>
+              </a:rPr>
+              <a:t>, 1</a:t>
+            </a:r>
+            <a:r>
+              <a:rPr lang="ko-KR" altLang="en-US" sz="2800" b="1" dirty="0">
+                <a:solidFill>
+                  <a:srgbClr val="1F2328"/>
+                </a:solidFill>
+                <a:latin typeface="-apple-system"/>
+              </a:rPr>
+              <a:t>분 단위로 수집한 데이터를 분석하고 실시간으로 모니터링하는 모델이다</a:t>
+            </a:r>
+            <a:r>
+              <a:rPr lang="en-US" altLang="ko-KR" sz="2800" b="1" dirty="0">
+                <a:solidFill>
+                  <a:srgbClr val="1F2328"/>
+                </a:solidFill>
+                <a:latin typeface="-apple-system"/>
+              </a:rPr>
+              <a:t>. </a:t>
+            </a:r>
+            <a:r>
+              <a:rPr lang="ko-KR" altLang="en-US" sz="2800" b="1" dirty="0">
+                <a:solidFill>
+                  <a:srgbClr val="1F2328"/>
+                </a:solidFill>
+                <a:latin typeface="-apple-system"/>
+              </a:rPr>
+              <a:t>이를 통해 엘리베이터의 잠재적 고장 가능성과 고장 유무 예측이 가능하다</a:t>
+            </a:r>
+            <a:r>
+              <a:rPr lang="en-US" altLang="ko-KR" sz="2800" b="1" dirty="0">
+                <a:solidFill>
+                  <a:srgbClr val="1F2328"/>
+                </a:solidFill>
+                <a:latin typeface="-apple-system"/>
+              </a:rPr>
+              <a:t>.</a:t>
+            </a:r>
+          </a:p>
+          <a:p>
+            <a:pPr algn="l"/>
+            <a:endParaRPr lang="en-US" altLang="ko-KR" sz="2800" b="1" dirty="0">
+              <a:solidFill>
+                <a:srgbClr val="1F2328"/>
+              </a:solidFill>
+              <a:latin typeface="-apple-system"/>
+            </a:endParaRPr>
+          </a:p>
+          <a:p>
+            <a:pPr algn="l"/>
+            <a:r>
+              <a:rPr lang="ko-KR" altLang="en-US" sz="2800" b="1" dirty="0">
+                <a:solidFill>
+                  <a:srgbClr val="1F2328"/>
+                </a:solidFill>
+                <a:latin typeface="-apple-system"/>
+              </a:rPr>
+              <a:t>본 모델을 활용할 경우</a:t>
+            </a:r>
+            <a:r>
+              <a:rPr lang="en-US" altLang="ko-KR" sz="2800" b="1" dirty="0">
+                <a:solidFill>
+                  <a:srgbClr val="1F2328"/>
+                </a:solidFill>
+                <a:latin typeface="-apple-system"/>
+              </a:rPr>
+              <a:t>, </a:t>
+            </a:r>
+            <a:r>
+              <a:rPr lang="ko-KR" altLang="en-US" sz="2800" b="1" dirty="0">
+                <a:solidFill>
+                  <a:srgbClr val="1F2328"/>
+                </a:solidFill>
+                <a:latin typeface="-apple-system"/>
+              </a:rPr>
+              <a:t>실시간 데이터 모니터링을 통해 장비 상태와 작업 환경을 추적하고</a:t>
+            </a:r>
+            <a:r>
+              <a:rPr lang="en-US" altLang="ko-KR" sz="2800" b="1" dirty="0">
+                <a:solidFill>
+                  <a:srgbClr val="1F2328"/>
+                </a:solidFill>
+                <a:latin typeface="-apple-system"/>
+              </a:rPr>
+              <a:t>, </a:t>
+            </a:r>
+            <a:r>
+              <a:rPr lang="ko-KR" altLang="en-US" sz="2800" b="1" dirty="0">
+                <a:solidFill>
+                  <a:srgbClr val="1F2328"/>
+                </a:solidFill>
+                <a:latin typeface="-apple-system"/>
+              </a:rPr>
+              <a:t>잠재적인 위험을 사전에 예측해 사고를 예방할 수 있다</a:t>
+            </a:r>
+            <a:r>
+              <a:rPr lang="en-US" altLang="ko-KR" sz="2800" b="1" dirty="0">
+                <a:solidFill>
+                  <a:srgbClr val="1F2328"/>
+                </a:solidFill>
+                <a:latin typeface="-apple-system"/>
+              </a:rPr>
+              <a:t>.</a:t>
+            </a:r>
+          </a:p>
+          <a:p>
+            <a:pPr algn="l"/>
+            <a:r>
+              <a:rPr lang="ko-KR" altLang="en-US" sz="2800" b="1" dirty="0">
+                <a:solidFill>
+                  <a:srgbClr val="1F2328"/>
+                </a:solidFill>
+                <a:latin typeface="-apple-system"/>
+              </a:rPr>
+              <a:t>시계열 데이터를 학습해 시간에 따른 패턴을 분석하고</a:t>
+            </a:r>
+            <a:r>
+              <a:rPr lang="en-US" altLang="ko-KR" sz="2800" b="1" dirty="0">
+                <a:solidFill>
+                  <a:srgbClr val="1F2328"/>
+                </a:solidFill>
+                <a:latin typeface="-apple-system"/>
+              </a:rPr>
+              <a:t>, </a:t>
+            </a:r>
+            <a:r>
+              <a:rPr lang="ko-KR" altLang="en-US" sz="2800" b="1" dirty="0">
+                <a:solidFill>
+                  <a:srgbClr val="1F2328"/>
+                </a:solidFill>
+                <a:latin typeface="-apple-system"/>
+              </a:rPr>
+              <a:t>이를 통해 미래의 상태를 정확히 예측할 수 있다</a:t>
+            </a:r>
+            <a:r>
+              <a:rPr lang="en-US" altLang="ko-KR" sz="2800" b="1" dirty="0">
+                <a:solidFill>
+                  <a:srgbClr val="1F2328"/>
+                </a:solidFill>
+                <a:latin typeface="-apple-system"/>
+              </a:rPr>
+              <a:t>. </a:t>
+            </a:r>
+            <a:r>
+              <a:rPr lang="ko-KR" altLang="en-US" sz="2800" b="1" dirty="0">
+                <a:solidFill>
+                  <a:srgbClr val="1F2328"/>
+                </a:solidFill>
+                <a:latin typeface="-apple-system"/>
+              </a:rPr>
+              <a:t>이는 안전관리의 정확성과 신뢰도를 높여준다</a:t>
+            </a:r>
+            <a:r>
+              <a:rPr lang="en-US" altLang="ko-KR" sz="2800" b="1" dirty="0">
+                <a:solidFill>
+                  <a:srgbClr val="1F2328"/>
+                </a:solidFill>
+                <a:latin typeface="-apple-system"/>
+              </a:rPr>
+              <a:t>. </a:t>
+            </a:r>
+            <a:r>
+              <a:rPr lang="ko-KR" altLang="en-US" sz="2800" b="1" dirty="0">
+                <a:solidFill>
+                  <a:srgbClr val="1F2328"/>
+                </a:solidFill>
+                <a:latin typeface="-apple-system"/>
+              </a:rPr>
+              <a:t>추가로 본 모델에 </a:t>
+            </a:r>
+            <a:r>
+              <a:rPr lang="ko-KR" altLang="en-US" sz="2800" b="1" dirty="0">
+                <a:solidFill>
+                  <a:srgbClr val="FF0000"/>
+                </a:solidFill>
+                <a:latin typeface="-apple-system"/>
+              </a:rPr>
+              <a:t>리프트 안전장치</a:t>
+            </a:r>
+            <a:r>
+              <a:rPr lang="ko-KR" altLang="en-US" sz="2800" b="1" dirty="0">
+                <a:solidFill>
+                  <a:srgbClr val="1F2328"/>
+                </a:solidFill>
+                <a:latin typeface="-apple-system"/>
+              </a:rPr>
+              <a:t>인 </a:t>
+            </a:r>
+            <a:r>
+              <a:rPr lang="ko-KR" altLang="en-US" sz="2800" b="1" dirty="0" err="1">
+                <a:solidFill>
+                  <a:srgbClr val="1F2328"/>
+                </a:solidFill>
+                <a:latin typeface="-apple-system"/>
+              </a:rPr>
+              <a:t>권과방지장치</a:t>
+            </a:r>
+            <a:r>
+              <a:rPr lang="en-US" altLang="ko-KR" sz="2800" b="1" dirty="0">
+                <a:solidFill>
+                  <a:srgbClr val="1F2328"/>
+                </a:solidFill>
+                <a:latin typeface="-apple-system"/>
+              </a:rPr>
+              <a:t>, </a:t>
+            </a:r>
+            <a:r>
+              <a:rPr lang="ko-KR" altLang="en-US" sz="2800" b="1" dirty="0">
+                <a:solidFill>
+                  <a:srgbClr val="1F2328"/>
+                </a:solidFill>
+                <a:latin typeface="-apple-system"/>
+              </a:rPr>
+              <a:t>과부하방지장치</a:t>
+            </a:r>
+            <a:r>
+              <a:rPr lang="en-US" altLang="ko-KR" sz="2800" b="1" dirty="0">
+                <a:solidFill>
+                  <a:srgbClr val="1F2328"/>
+                </a:solidFill>
+                <a:latin typeface="-apple-system"/>
+              </a:rPr>
+              <a:t>, </a:t>
+            </a:r>
+            <a:r>
+              <a:rPr lang="ko-KR" altLang="en-US" sz="2800" b="1" dirty="0">
+                <a:solidFill>
+                  <a:srgbClr val="1F2328"/>
+                </a:solidFill>
+                <a:latin typeface="-apple-system"/>
+              </a:rPr>
+              <a:t>완충장치</a:t>
+            </a:r>
+            <a:r>
+              <a:rPr lang="en-US" altLang="ko-KR" sz="2800" b="1" dirty="0">
+                <a:solidFill>
+                  <a:srgbClr val="1F2328"/>
+                </a:solidFill>
+                <a:latin typeface="-apple-system"/>
+              </a:rPr>
+              <a:t>, </a:t>
+            </a:r>
+            <a:r>
+              <a:rPr lang="ko-KR" altLang="en-US" sz="2800" b="1" dirty="0" err="1">
+                <a:solidFill>
+                  <a:srgbClr val="1F2328"/>
+                </a:solidFill>
+                <a:latin typeface="-apple-system"/>
+              </a:rPr>
+              <a:t>방호울</a:t>
+            </a:r>
+            <a:r>
+              <a:rPr lang="ko-KR" altLang="en-US" sz="2800" b="1" dirty="0">
+                <a:solidFill>
+                  <a:srgbClr val="1F2328"/>
+                </a:solidFill>
+                <a:latin typeface="-apple-system"/>
+              </a:rPr>
+              <a:t> 등 감지 센서를 결합한다면 산재 예방에 큰 도움이 될 것이다</a:t>
+            </a:r>
+            <a:r>
+              <a:rPr lang="en-US" altLang="ko-KR" sz="2800" b="1" dirty="0">
+                <a:solidFill>
+                  <a:srgbClr val="1F2328"/>
+                </a:solidFill>
+                <a:latin typeface="-apple-system"/>
+              </a:rPr>
+              <a:t>.</a:t>
+            </a:r>
+          </a:p>
+          <a:p>
+            <a:pPr algn="l"/>
+            <a:endParaRPr lang="en-US" altLang="ko-KR" sz="2800" b="1" dirty="0">
+              <a:solidFill>
+                <a:srgbClr val="1F2328"/>
+              </a:solidFill>
+              <a:latin typeface="-apple-system"/>
+            </a:endParaRPr>
+          </a:p>
+          <a:p>
+            <a:pPr algn="l"/>
+            <a:r>
+              <a:rPr lang="ko-KR" altLang="en-US" sz="2800" b="1" dirty="0">
+                <a:solidFill>
+                  <a:srgbClr val="1F2328"/>
+                </a:solidFill>
+                <a:latin typeface="-apple-system"/>
+              </a:rPr>
+              <a:t>하지만</a:t>
+            </a:r>
+            <a:r>
+              <a:rPr lang="en-US" altLang="ko-KR" sz="2800" b="1" dirty="0">
+                <a:solidFill>
+                  <a:srgbClr val="1F2328"/>
+                </a:solidFill>
+                <a:latin typeface="-apple-system"/>
+              </a:rPr>
+              <a:t>, </a:t>
+            </a:r>
+            <a:r>
+              <a:rPr lang="ko-KR" altLang="en-US" sz="2800" b="1" dirty="0">
+                <a:solidFill>
+                  <a:srgbClr val="1F2328"/>
+                </a:solidFill>
+                <a:latin typeface="-apple-system"/>
+              </a:rPr>
+              <a:t>건설 현장의 대형화와 복잡화로 인해 모든 작업 데이터를 꼼꼼히 파악하기 어려운 상황이다</a:t>
+            </a:r>
+            <a:r>
+              <a:rPr lang="en-US" altLang="ko-KR" sz="2800" b="1" dirty="0">
+                <a:solidFill>
+                  <a:srgbClr val="1F2328"/>
+                </a:solidFill>
+                <a:latin typeface="-apple-system"/>
+              </a:rPr>
+              <a:t>. </a:t>
+            </a:r>
+            <a:r>
+              <a:rPr lang="ko-KR" altLang="en-US" sz="2800" b="1" dirty="0">
+                <a:solidFill>
+                  <a:srgbClr val="FF0000"/>
+                </a:solidFill>
+                <a:latin typeface="-apple-system"/>
+              </a:rPr>
+              <a:t>시계열 모델을 발전</a:t>
+            </a:r>
+            <a:r>
+              <a:rPr lang="ko-KR" altLang="en-US" sz="2800" b="1" dirty="0">
+                <a:solidFill>
+                  <a:srgbClr val="1F2328"/>
+                </a:solidFill>
+                <a:latin typeface="-apple-system"/>
+              </a:rPr>
+              <a:t>시킬 경우</a:t>
+            </a:r>
+            <a:r>
+              <a:rPr lang="en-US" altLang="ko-KR" sz="2800" b="1" dirty="0">
+                <a:solidFill>
+                  <a:srgbClr val="1F2328"/>
+                </a:solidFill>
+                <a:latin typeface="-apple-system"/>
+              </a:rPr>
+              <a:t>, </a:t>
+            </a:r>
+            <a:r>
+              <a:rPr lang="ko-KR" altLang="en-US" sz="2800" b="1" dirty="0">
+                <a:solidFill>
+                  <a:srgbClr val="1F2328"/>
+                </a:solidFill>
+                <a:latin typeface="-apple-system"/>
+              </a:rPr>
+              <a:t>광범위한 데이터 분석과 예측이 가능해질 것이며 보다 효율적인 안전관리가 이루어질 것으로 예상한다</a:t>
+            </a:r>
+            <a:r>
+              <a:rPr lang="en-US" altLang="ko-KR" sz="2800" b="1" dirty="0">
+                <a:solidFill>
+                  <a:srgbClr val="1F2328"/>
+                </a:solidFill>
+                <a:latin typeface="-apple-system"/>
+              </a:rPr>
+              <a:t>.</a:t>
+            </a:r>
+          </a:p>
+          <a:p>
+            <a:pPr algn="l"/>
+            <a:endParaRPr lang="en-US" altLang="ko-KR" sz="2800" b="1" dirty="0">
+              <a:solidFill>
+                <a:srgbClr val="1F2328"/>
+              </a:solidFill>
+              <a:latin typeface="-apple-system"/>
+            </a:endParaRPr>
+          </a:p>
+        </p:txBody>
+      </p:sp>
+      <p:pic>
+        <p:nvPicPr>
+          <p:cNvPr id="83" name="그림 82">
+            <a:extLst>
+              <a:ext uri="{FF2B5EF4-FFF2-40B4-BE49-F238E27FC236}">
+                <a16:creationId xmlns:a16="http://schemas.microsoft.com/office/drawing/2014/main" id="{0C991327-3FD3-4A27-B644-D6078E13FE94}"/>
+              </a:ext>
+            </a:extLst>
+          </p:cNvPr>
+          <p:cNvPicPr/>
           <p:nvPr/>
         </p:nvPicPr>
         <p:blipFill>
-          <a:blip r:embed="rId3">
+          <a:blip r:embed="rId9">
             <a:extLst>
               <a:ext uri="{28A0092B-C50C-407E-A947-70E740481C1C}">
                 <a14:useLocalDpi xmlns:a14="http://schemas.microsoft.com/office/drawing/2010/main" val="0"/>
@@ -6318,8 +8447,8 @@
         </p:blipFill>
         <p:spPr bwMode="auto">
           <a:xfrm>
-            <a:off x="823382" y="20698948"/>
-            <a:ext cx="7236576" cy="5427432"/>
+            <a:off x="15741616" y="21452089"/>
+            <a:ext cx="5287010" cy="4227195"/>
           </a:xfrm>
           <a:prstGeom prst="rect">
             <a:avLst/>
@@ -6330,53 +8459,12 @@
           </a:ln>
         </p:spPr>
       </p:pic>
-      <p:pic>
-        <p:nvPicPr>
-          <p:cNvPr id="4" name="그림 3">
+      <p:sp>
+        <p:nvSpPr>
+          <p:cNvPr id="84" name="TextBox 83">
             <a:extLst>
               <a:ext uri="{FF2B5EF4-FFF2-40B4-BE49-F238E27FC236}">
-                <a16:creationId xmlns:a16="http://schemas.microsoft.com/office/drawing/2014/main" id="{E657547E-AF6B-0755-61EB-AFFA04FADFA8}"/>
-              </a:ext>
-            </a:extLst>
-          </p:cNvPr>
-          <p:cNvPicPr>
-            <a:picLocks noChangeAspect="1"/>
-          </p:cNvPicPr>
-          <p:nvPr/>
-        </p:nvPicPr>
-        <p:blipFill>
-          <a:blip r:embed="rId4">
-            <a:extLst>
-              <a:ext uri="{28A0092B-C50C-407E-A947-70E740481C1C}">
-                <a14:useLocalDpi xmlns:a14="http://schemas.microsoft.com/office/drawing/2010/main" val="0"/>
-              </a:ext>
-            </a:extLst>
-          </a:blip>
-          <a:srcRect/>
-          <a:stretch>
-            <a:fillRect/>
-          </a:stretch>
-        </p:blipFill>
-        <p:spPr bwMode="auto">
-          <a:xfrm>
-            <a:off x="8169474" y="20664215"/>
-            <a:ext cx="6487399" cy="5462165"/>
-          </a:xfrm>
-          <a:prstGeom prst="rect">
-            <a:avLst/>
-          </a:prstGeom>
-          <a:noFill/>
-          <a:ln>
-            <a:noFill/>
-          </a:ln>
-        </p:spPr>
-      </p:pic>
-      <p:sp>
-        <p:nvSpPr>
-          <p:cNvPr id="7" name="TextBox 6">
-            <a:extLst>
-              <a:ext uri="{FF2B5EF4-FFF2-40B4-BE49-F238E27FC236}">
-                <a16:creationId xmlns:a16="http://schemas.microsoft.com/office/drawing/2014/main" id="{D3AA5F8A-C264-3009-FB35-2B9C22DB18C7}"/>
+                <a16:creationId xmlns:a16="http://schemas.microsoft.com/office/drawing/2014/main" id="{7A63300E-A3AF-4C2B-9388-B012B6DB5427}"/>
               </a:ext>
             </a:extLst>
           </p:cNvPr>
@@ -6385,8 +8473,8 @@
         </p:nvSpPr>
         <p:spPr>
           <a:xfrm>
-            <a:off x="731723" y="28915256"/>
-            <a:ext cx="14151347" cy="6555641"/>
+            <a:off x="14649126" y="25860273"/>
+            <a:ext cx="14676281" cy="954107"/>
           </a:xfrm>
           <a:prstGeom prst="rect">
             <a:avLst/>
@@ -6399,456 +8487,131 @@
           </a:bodyPr>
           <a:lstStyle/>
           <a:p>
-            <a:pPr algn="l"/>
+            <a:pPr marL="1437005"/>
+            <a:r>
+              <a:rPr lang="ko-KR" altLang="en-US" sz="2800" b="1" i="0" dirty="0">
+                <a:solidFill>
+                  <a:srgbClr val="000000"/>
+                </a:solidFill>
+                <a:effectLst/>
+                <a:latin typeface="Malgun Gothic" panose="020B0503020000020004" pitchFamily="50" charset="-127"/>
+                <a:ea typeface="Malgun Gothic" panose="020B0503020000020004" pitchFamily="50" charset="-127"/>
+              </a:rPr>
+              <a:t>로지스틱 회귀의 경우 예측을 </a:t>
+            </a:r>
             <a:r>
               <a:rPr lang="en-US" altLang="ko-KR" sz="2800" b="1" i="0" dirty="0">
                 <a:solidFill>
-                  <a:srgbClr val="1F2328"/>
+                  <a:srgbClr val="000000"/>
                 </a:solidFill>
                 <a:effectLst/>
-                <a:latin typeface="-apple-system"/>
-              </a:rPr>
-              <a:t>1. </a:t>
+                <a:latin typeface="Malgun Gothic" panose="020B0503020000020004" pitchFamily="50" charset="-127"/>
+                <a:ea typeface="Malgun Gothic" panose="020B0503020000020004" pitchFamily="50" charset="-127"/>
+              </a:rPr>
+              <a:t>100% </a:t>
             </a:r>
             <a:r>
               <a:rPr lang="ko-KR" altLang="en-US" sz="2800" b="1" i="0" dirty="0">
                 <a:solidFill>
-                  <a:srgbClr val="1F2328"/>
+                  <a:srgbClr val="000000"/>
                 </a:solidFill>
                 <a:effectLst/>
-                <a:latin typeface="-apple-system"/>
-              </a:rPr>
-              <a:t>실시간 모니터링</a:t>
-            </a:r>
-          </a:p>
-          <a:p>
-            <a:pPr algn="l"/>
-            <a:r>
-              <a:rPr lang="en-US" altLang="ko-KR" sz="2800" dirty="0">
-                <a:solidFill>
-                  <a:srgbClr val="1F2328"/>
-                </a:solidFill>
-                <a:latin typeface="-apple-system"/>
-              </a:rPr>
-              <a:t> </a:t>
-            </a:r>
-            <a:r>
-              <a:rPr lang="ko-KR" altLang="en-US" sz="2800" b="0" i="0" dirty="0">
-                <a:solidFill>
-                  <a:srgbClr val="1F2328"/>
+                <a:latin typeface="Malgun Gothic" panose="020B0503020000020004" pitchFamily="50" charset="-127"/>
+                <a:ea typeface="Malgun Gothic" panose="020B0503020000020004" pitchFamily="50" charset="-127"/>
+              </a:rPr>
+              <a:t>성공한 반면 </a:t>
+            </a:r>
+            <a:r>
+              <a:rPr lang="ko-KR" altLang="en-US" sz="2800" b="1" i="0" dirty="0" err="1">
+                <a:solidFill>
+                  <a:srgbClr val="000000"/>
                 </a:solidFill>
                 <a:effectLst/>
-                <a:latin typeface="-apple-system"/>
-              </a:rPr>
-              <a:t>승강기의 상태를 실시간으로 감시하고</a:t>
-            </a:r>
-            <a:r>
-              <a:rPr lang="en-US" altLang="ko-KR" sz="2800" b="0" i="0" dirty="0">
-                <a:solidFill>
-                  <a:srgbClr val="1F2328"/>
+                <a:latin typeface="Malgun Gothic" panose="020B0503020000020004" pitchFamily="50" charset="-127"/>
+                <a:ea typeface="Malgun Gothic" panose="020B0503020000020004" pitchFamily="50" charset="-127"/>
+              </a:rPr>
+              <a:t>디시젼</a:t>
+            </a:r>
+            <a:r>
+              <a:rPr lang="ko-KR" altLang="en-US" sz="2800" b="1" i="0" dirty="0">
+                <a:solidFill>
+                  <a:srgbClr val="000000"/>
                 </a:solidFill>
                 <a:effectLst/>
-                <a:latin typeface="-apple-system"/>
-              </a:rPr>
-              <a:t>, </a:t>
-            </a:r>
-            <a:r>
-              <a:rPr lang="ko-KR" altLang="en-US" sz="2800" b="0" i="0" dirty="0">
-                <a:solidFill>
-                  <a:srgbClr val="FF0000"/>
+                <a:latin typeface="Malgun Gothic" panose="020B0503020000020004" pitchFamily="50" charset="-127"/>
+                <a:ea typeface="Malgun Gothic" panose="020B0503020000020004" pitchFamily="50" charset="-127"/>
+              </a:rPr>
+              <a:t> 트리의 경우 </a:t>
+            </a:r>
+            <a:r>
+              <a:rPr lang="en-US" altLang="ko-KR" sz="2800" b="1" i="0" dirty="0">
+                <a:solidFill>
+                  <a:srgbClr val="000000"/>
                 </a:solidFill>
                 <a:effectLst/>
-                <a:latin typeface="-apple-system"/>
-              </a:rPr>
-              <a:t>이상 징후를 조기에 감지</a:t>
-            </a:r>
-            <a:endParaRPr lang="en-US" altLang="ko-KR" sz="2800" b="0" i="0" dirty="0">
-              <a:solidFill>
-                <a:srgbClr val="FF0000"/>
-              </a:solidFill>
+                <a:latin typeface="Malgun Gothic" panose="020B0503020000020004" pitchFamily="50" charset="-127"/>
+                <a:ea typeface="Malgun Gothic" panose="020B0503020000020004" pitchFamily="50" charset="-127"/>
+              </a:rPr>
+              <a:t>20</a:t>
+            </a:r>
+            <a:r>
+              <a:rPr lang="ko-KR" altLang="en-US" sz="2800" b="1" i="0" dirty="0">
+                <a:solidFill>
+                  <a:srgbClr val="000000"/>
+                </a:solidFill>
+                <a:effectLst/>
+                <a:latin typeface="Malgun Gothic" panose="020B0503020000020004" pitchFamily="50" charset="-127"/>
+                <a:ea typeface="Malgun Gothic" panose="020B0503020000020004" pitchFamily="50" charset="-127"/>
+              </a:rPr>
+              <a:t>번의 예측 중 </a:t>
+            </a:r>
+            <a:r>
+              <a:rPr lang="en-US" altLang="ko-KR" sz="2800" b="1" i="0" dirty="0">
+                <a:solidFill>
+                  <a:srgbClr val="000000"/>
+                </a:solidFill>
+                <a:effectLst/>
+                <a:latin typeface="Malgun Gothic" panose="020B0503020000020004" pitchFamily="50" charset="-127"/>
+                <a:ea typeface="Malgun Gothic" panose="020B0503020000020004" pitchFamily="50" charset="-127"/>
+              </a:rPr>
+              <a:t>2</a:t>
+            </a:r>
+            <a:r>
+              <a:rPr lang="ko-KR" altLang="en-US" sz="2800" b="1" i="0" dirty="0">
+                <a:solidFill>
+                  <a:srgbClr val="000000"/>
+                </a:solidFill>
+                <a:effectLst/>
+                <a:latin typeface="Malgun Gothic" panose="020B0503020000020004" pitchFamily="50" charset="-127"/>
+                <a:ea typeface="Malgun Gothic" panose="020B0503020000020004" pitchFamily="50" charset="-127"/>
+              </a:rPr>
+              <a:t>개의 예측이 빗나간 모습이다</a:t>
+            </a:r>
+            <a:r>
+              <a:rPr lang="en-US" altLang="ko-KR" sz="2800" b="1" i="0" dirty="0">
+                <a:solidFill>
+                  <a:srgbClr val="000000"/>
+                </a:solidFill>
+                <a:effectLst/>
+                <a:latin typeface="Malgun Gothic" panose="020B0503020000020004" pitchFamily="50" charset="-127"/>
+                <a:ea typeface="Malgun Gothic" panose="020B0503020000020004" pitchFamily="50" charset="-127"/>
+              </a:rPr>
+              <a:t>.</a:t>
+            </a:r>
+            <a:endParaRPr lang="ko-KR" altLang="ko-KR" sz="2800" b="1" kern="100" dirty="0">
               <a:effectLst/>
-              <a:latin typeface="-apple-system"/>
+              <a:ea typeface="맑은 고딕" panose="020B0503020000020004" pitchFamily="50" charset="-127"/>
+              <a:cs typeface="Times New Roman" panose="02020603050405020304" pitchFamily="18" charset="0"/>
             </a:endParaRPr>
           </a:p>
-          <a:p>
-            <a:pPr algn="l"/>
-            <a:endParaRPr lang="en-US" altLang="ko-KR" sz="2800" b="0" i="0" dirty="0">
-              <a:solidFill>
-                <a:srgbClr val="1F2328"/>
-              </a:solidFill>
-              <a:effectLst/>
-              <a:latin typeface="-apple-system"/>
-            </a:endParaRPr>
-          </a:p>
-          <a:p>
-            <a:pPr algn="l"/>
-            <a:r>
-              <a:rPr lang="en-US" altLang="ko-KR" sz="2800" b="1" i="0" dirty="0">
-                <a:solidFill>
-                  <a:srgbClr val="1F2328"/>
-                </a:solidFill>
-                <a:effectLst/>
-                <a:latin typeface="-apple-system"/>
-              </a:rPr>
-              <a:t>2. </a:t>
-            </a:r>
-            <a:r>
-              <a:rPr lang="ko-KR" altLang="en-US" sz="2800" b="1" i="0" dirty="0">
-                <a:solidFill>
-                  <a:srgbClr val="1F2328"/>
-                </a:solidFill>
-                <a:effectLst/>
-                <a:latin typeface="-apple-system"/>
-              </a:rPr>
-              <a:t>데이터 분석</a:t>
-            </a:r>
-          </a:p>
-          <a:p>
-            <a:pPr algn="l"/>
-            <a:r>
-              <a:rPr lang="en-US" altLang="ko-KR" sz="2800" dirty="0">
-                <a:solidFill>
-                  <a:srgbClr val="1F2328"/>
-                </a:solidFill>
-                <a:latin typeface="-apple-system"/>
-              </a:rPr>
-              <a:t> </a:t>
-            </a:r>
-            <a:r>
-              <a:rPr lang="ko-KR" altLang="en-US" sz="2800" b="0" i="0" dirty="0">
-                <a:solidFill>
-                  <a:srgbClr val="1F2328"/>
-                </a:solidFill>
-                <a:effectLst/>
-                <a:latin typeface="-apple-system"/>
-              </a:rPr>
-              <a:t>장비의 작동 데이터를 분석하여 위험 요소를 사전에 예측하고 </a:t>
-            </a:r>
-            <a:r>
-              <a:rPr lang="ko-KR" altLang="en-US" sz="2800" b="0" i="0" dirty="0">
-                <a:solidFill>
-                  <a:srgbClr val="FF0000"/>
-                </a:solidFill>
-                <a:effectLst/>
-                <a:latin typeface="-apple-system"/>
-              </a:rPr>
-              <a:t>유지보수 필요성</a:t>
-            </a:r>
-            <a:r>
-              <a:rPr lang="ko-KR" altLang="en-US" sz="2800" b="0" i="0" dirty="0">
-                <a:solidFill>
-                  <a:srgbClr val="1F2328"/>
-                </a:solidFill>
-                <a:effectLst/>
-                <a:latin typeface="-apple-system"/>
-              </a:rPr>
-              <a:t>을 자동으로 식별</a:t>
-            </a:r>
-            <a:endParaRPr lang="en-US" altLang="ko-KR" sz="2800" b="0" i="0" dirty="0">
-              <a:solidFill>
-                <a:srgbClr val="1F2328"/>
-              </a:solidFill>
-              <a:effectLst/>
-              <a:latin typeface="-apple-system"/>
-            </a:endParaRPr>
-          </a:p>
-          <a:p>
-            <a:pPr algn="l"/>
-            <a:endParaRPr lang="en-US" altLang="ko-KR" sz="2800" b="0" i="0" dirty="0">
-              <a:solidFill>
-                <a:srgbClr val="1F2328"/>
-              </a:solidFill>
-              <a:effectLst/>
-              <a:latin typeface="-apple-system"/>
-            </a:endParaRPr>
-          </a:p>
-          <a:p>
-            <a:pPr algn="l"/>
-            <a:r>
-              <a:rPr lang="en-US" altLang="ko-KR" sz="2800" b="1" i="0" dirty="0">
-                <a:solidFill>
-                  <a:srgbClr val="1F2328"/>
-                </a:solidFill>
-                <a:effectLst/>
-                <a:latin typeface="-apple-system"/>
-              </a:rPr>
-              <a:t>3. </a:t>
-            </a:r>
-            <a:r>
-              <a:rPr lang="ko-KR" altLang="en-US" sz="2800" b="1" i="0" dirty="0">
-                <a:solidFill>
-                  <a:srgbClr val="1F2328"/>
-                </a:solidFill>
-                <a:effectLst/>
-                <a:latin typeface="-apple-system"/>
-              </a:rPr>
-              <a:t>사고 예방</a:t>
-            </a:r>
-            <a:endParaRPr lang="en-US" altLang="ko-KR" sz="2800" b="1" i="0" dirty="0">
-              <a:solidFill>
-                <a:srgbClr val="1F2328"/>
-              </a:solidFill>
-              <a:effectLst/>
-              <a:latin typeface="-apple-system"/>
-            </a:endParaRPr>
-          </a:p>
-          <a:p>
-            <a:pPr algn="l"/>
-            <a:r>
-              <a:rPr lang="en-US" altLang="ko-KR" sz="2800" b="1" dirty="0">
-                <a:solidFill>
-                  <a:srgbClr val="1F2328"/>
-                </a:solidFill>
-                <a:latin typeface="-apple-system"/>
-              </a:rPr>
-              <a:t> </a:t>
-            </a:r>
-            <a:r>
-              <a:rPr lang="ko-KR" altLang="en-US" sz="2800" b="0" i="0" dirty="0">
-                <a:solidFill>
-                  <a:srgbClr val="1F2328"/>
-                </a:solidFill>
-                <a:effectLst/>
-                <a:latin typeface="-apple-system"/>
-              </a:rPr>
-              <a:t>예측 분석을 통해 사고 발생 가능성을 줄이고 안전한 작업 환경을 보장</a:t>
-            </a:r>
-            <a:endParaRPr lang="en-US" altLang="ko-KR" sz="2800" dirty="0">
-              <a:solidFill>
-                <a:srgbClr val="1F2328"/>
-              </a:solidFill>
-              <a:latin typeface="-apple-system"/>
-            </a:endParaRPr>
-          </a:p>
-          <a:p>
-            <a:pPr algn="l"/>
-            <a:endParaRPr lang="en-US" altLang="ko-KR" sz="2800" b="0" i="0" dirty="0">
-              <a:solidFill>
-                <a:srgbClr val="1F2328"/>
-              </a:solidFill>
-              <a:effectLst/>
-              <a:latin typeface="-apple-system"/>
-            </a:endParaRPr>
-          </a:p>
-          <a:p>
-            <a:pPr algn="l"/>
-            <a:r>
-              <a:rPr lang="en-US" altLang="ko-KR" sz="2800" b="1" i="0" dirty="0">
-                <a:solidFill>
-                  <a:srgbClr val="1F2328"/>
-                </a:solidFill>
-                <a:effectLst/>
-                <a:latin typeface="-apple-system"/>
-              </a:rPr>
-              <a:t>4. </a:t>
-            </a:r>
-            <a:r>
-              <a:rPr lang="ko-KR" altLang="en-US" sz="2800" b="1" i="0" dirty="0">
-                <a:solidFill>
-                  <a:srgbClr val="1F2328"/>
-                </a:solidFill>
-                <a:effectLst/>
-                <a:latin typeface="-apple-system"/>
-              </a:rPr>
-              <a:t>작업 기록 관리</a:t>
-            </a:r>
-          </a:p>
-          <a:p>
-            <a:pPr algn="l"/>
-            <a:r>
-              <a:rPr lang="en-US" altLang="ko-KR" sz="2800" dirty="0">
-                <a:solidFill>
-                  <a:srgbClr val="1F2328"/>
-                </a:solidFill>
-                <a:latin typeface="-apple-system"/>
-              </a:rPr>
-              <a:t> </a:t>
-            </a:r>
-            <a:r>
-              <a:rPr lang="ko-KR" altLang="en-US" sz="2800" b="0" i="0" dirty="0">
-                <a:solidFill>
-                  <a:srgbClr val="1F2328"/>
-                </a:solidFill>
-                <a:effectLst/>
-                <a:latin typeface="-apple-system"/>
-              </a:rPr>
-              <a:t>모든 작업 기록을 자동으로 저장하고</a:t>
-            </a:r>
-            <a:r>
-              <a:rPr lang="en-US" altLang="ko-KR" sz="2800" b="0" i="0" dirty="0">
-                <a:solidFill>
-                  <a:srgbClr val="1F2328"/>
-                </a:solidFill>
-                <a:effectLst/>
-                <a:latin typeface="-apple-system"/>
-              </a:rPr>
-              <a:t>, </a:t>
-            </a:r>
-            <a:r>
-              <a:rPr lang="ko-KR" altLang="en-US" sz="2800" b="0" i="0" dirty="0">
-                <a:solidFill>
-                  <a:srgbClr val="1F2328"/>
-                </a:solidFill>
-                <a:effectLst/>
-                <a:latin typeface="-apple-system"/>
-              </a:rPr>
-              <a:t>분석하여 문제 해결과 시스템 개선에 활용</a:t>
-            </a:r>
-            <a:endParaRPr lang="en-US" altLang="ko-KR" sz="2800" b="0" i="0" dirty="0">
-              <a:solidFill>
-                <a:srgbClr val="1F2328"/>
-              </a:solidFill>
-              <a:effectLst/>
-              <a:latin typeface="-apple-system"/>
-            </a:endParaRPr>
-          </a:p>
-          <a:p>
-            <a:pPr algn="l"/>
-            <a:endParaRPr lang="en-US" altLang="ko-KR" sz="2800" b="0" i="0" dirty="0">
-              <a:solidFill>
-                <a:srgbClr val="1F2328"/>
-              </a:solidFill>
-              <a:effectLst/>
-              <a:latin typeface="-apple-system"/>
-            </a:endParaRPr>
-          </a:p>
-          <a:p>
-            <a:pPr algn="l"/>
-            <a:r>
-              <a:rPr lang="en-US" altLang="ko-KR" sz="2800" b="1" i="0" dirty="0">
-                <a:solidFill>
-                  <a:srgbClr val="1F2328"/>
-                </a:solidFill>
-                <a:effectLst/>
-                <a:latin typeface="-apple-system"/>
-              </a:rPr>
-              <a:t>5. </a:t>
-            </a:r>
-            <a:r>
-              <a:rPr lang="ko-KR" altLang="en-US" sz="2800" b="1" i="0" dirty="0">
-                <a:solidFill>
-                  <a:srgbClr val="1F2328"/>
-                </a:solidFill>
-                <a:effectLst/>
-                <a:latin typeface="-apple-system"/>
-              </a:rPr>
-              <a:t>맞춤형 알림</a:t>
-            </a:r>
-          </a:p>
-          <a:p>
-            <a:pPr algn="l"/>
-            <a:r>
-              <a:rPr lang="en-US" altLang="ko-KR" sz="2800" dirty="0">
-                <a:solidFill>
-                  <a:srgbClr val="1F2328"/>
-                </a:solidFill>
-                <a:latin typeface="-apple-system"/>
-              </a:rPr>
-              <a:t> </a:t>
-            </a:r>
-            <a:r>
-              <a:rPr lang="ko-KR" altLang="en-US" sz="2800" b="0" i="0" dirty="0">
-                <a:solidFill>
-                  <a:srgbClr val="1F2328"/>
-                </a:solidFill>
-                <a:effectLst/>
-                <a:latin typeface="-apple-system"/>
-              </a:rPr>
-              <a:t>설정된 기준에 따라 사용자에게 중요한 알림을 제공하고 긴급 상황에서 신속 대응 가능</a:t>
-            </a:r>
-            <a:endParaRPr lang="en-US" altLang="ko-KR" sz="2800" b="0" i="0" dirty="0">
-              <a:solidFill>
-                <a:srgbClr val="1F2328"/>
-              </a:solidFill>
-              <a:effectLst/>
-              <a:latin typeface="-apple-system"/>
-            </a:endParaRPr>
-          </a:p>
-        </p:txBody>
-      </p:sp>
-      <p:pic>
-        <p:nvPicPr>
-          <p:cNvPr id="3" name="그림 2">
+        </p:txBody>
+      </p:sp>
+      <p:sp>
+        <p:nvSpPr>
+          <p:cNvPr id="85" name="TextBox 84">
             <a:extLst>
               <a:ext uri="{FF2B5EF4-FFF2-40B4-BE49-F238E27FC236}">
-                <a16:creationId xmlns:a16="http://schemas.microsoft.com/office/drawing/2014/main" id="{8DDC7750-CC3E-413A-9822-90ED7216F8A8}"/>
-              </a:ext>
-            </a:extLst>
-          </p:cNvPr>
-          <p:cNvPicPr>
-            <a:picLocks noChangeAspect="1"/>
-          </p:cNvPicPr>
-          <p:nvPr/>
-        </p:nvPicPr>
-        <p:blipFill>
-          <a:blip r:embed="rId5"/>
-          <a:stretch>
-            <a:fillRect/>
-          </a:stretch>
-        </p:blipFill>
-        <p:spPr>
-          <a:xfrm>
-            <a:off x="35223" y="-9996"/>
-            <a:ext cx="6993543" cy="7007904"/>
-          </a:xfrm>
-          <a:prstGeom prst="rect">
-            <a:avLst/>
-          </a:prstGeom>
-        </p:spPr>
-      </p:pic>
-      <p:pic>
-        <p:nvPicPr>
-          <p:cNvPr id="1026" name="Picture 2">
-            <a:extLst>
-              <a:ext uri="{FF2B5EF4-FFF2-40B4-BE49-F238E27FC236}">
-                <a16:creationId xmlns:a16="http://schemas.microsoft.com/office/drawing/2014/main" id="{6ED57415-1708-4542-80EB-062727209AF7}"/>
-              </a:ext>
-            </a:extLst>
-          </p:cNvPr>
-          <p:cNvPicPr>
-            <a:picLocks noChangeAspect="1" noChangeArrowheads="1"/>
-          </p:cNvPicPr>
-          <p:nvPr/>
-        </p:nvPicPr>
-        <p:blipFill>
-          <a:blip r:embed="rId6" cstate="print">
-            <a:extLst>
-              <a:ext uri="{28A0092B-C50C-407E-A947-70E740481C1C}">
-                <a14:useLocalDpi xmlns:a14="http://schemas.microsoft.com/office/drawing/2010/main" val="0"/>
-              </a:ext>
-            </a:extLst>
-          </a:blip>
-          <a:srcRect/>
-          <a:stretch>
-            <a:fillRect/>
-          </a:stretch>
-        </p:blipFill>
-        <p:spPr bwMode="auto">
-          <a:xfrm>
-            <a:off x="26500803" y="3776442"/>
-            <a:ext cx="3122484" cy="3122484"/>
-          </a:xfrm>
-          <a:prstGeom prst="rect">
-            <a:avLst/>
-          </a:prstGeom>
-          <a:noFill/>
-          <a:extLst>
-            <a:ext uri="{909E8E84-426E-40DD-AFC4-6F175D3DCCD1}">
-              <a14:hiddenFill xmlns:a14="http://schemas.microsoft.com/office/drawing/2010/main">
-                <a:solidFill>
-                  <a:srgbClr val="FFFFFF"/>
-                </a:solidFill>
-              </a14:hiddenFill>
-            </a:ext>
-          </a:extLst>
-        </p:spPr>
-      </p:pic>
-      <p:sp>
-        <p:nvSpPr>
-          <p:cNvPr id="6" name="TextBox 5">
-            <a:extLst>
-              <a:ext uri="{FF2B5EF4-FFF2-40B4-BE49-F238E27FC236}">
-                <a16:creationId xmlns:a16="http://schemas.microsoft.com/office/drawing/2014/main" id="{FC4AB5CB-9920-4518-8C12-E0A3A84712FF}"/>
+                <a16:creationId xmlns:a16="http://schemas.microsoft.com/office/drawing/2014/main" id="{6669B89D-AAB0-4383-81F8-57A53EFE89D4}"/>
               </a:ext>
             </a:extLst>
           </p:cNvPr>
@@ -6857,8 +8620,8 @@
         </p:nvSpPr>
         <p:spPr>
           <a:xfrm>
-            <a:off x="14656873" y="9947412"/>
-            <a:ext cx="13865212" cy="3970318"/>
+            <a:off x="21188694" y="25104652"/>
+            <a:ext cx="6289849" cy="397677"/>
           </a:xfrm>
           <a:prstGeom prst="rect">
             <a:avLst/>
@@ -6871,744 +8634,161 @@
           </a:bodyPr>
           <a:lstStyle/>
           <a:p>
-            <a:pPr marL="1437005"/>
-            <a:r>
-              <a:rPr lang="ko-KR" altLang="ko-KR" sz="2800" b="1" kern="100" dirty="0">
-                <a:effectLst/>
-                <a:ea typeface="맑은 고딕" panose="020B0503020000020004" pitchFamily="50" charset="-127"/>
-                <a:cs typeface="Times New Roman" panose="02020603050405020304" pitchFamily="18" charset="0"/>
-              </a:rPr>
-              <a:t>독립변수</a:t>
-            </a:r>
-            <a:r>
-              <a:rPr lang="en-US" altLang="ko-KR" sz="2800" b="1" kern="100" dirty="0">
-                <a:effectLst/>
-                <a:ea typeface="맑은 고딕" panose="020B0503020000020004" pitchFamily="50" charset="-127"/>
-                <a:cs typeface="Times New Roman" panose="02020603050405020304" pitchFamily="18" charset="0"/>
-              </a:rPr>
-              <a:t> 1 = </a:t>
-            </a:r>
-            <a:r>
-              <a:rPr lang="ko-KR" altLang="ko-KR" sz="2800" b="1" kern="100" dirty="0">
-                <a:effectLst/>
-                <a:ea typeface="맑은 고딕" panose="020B0503020000020004" pitchFamily="50" charset="-127"/>
-                <a:cs typeface="Times New Roman" panose="02020603050405020304" pitchFamily="18" charset="0"/>
-              </a:rPr>
-              <a:t>온도</a:t>
-            </a:r>
-            <a:r>
-              <a:rPr lang="en-US" altLang="ko-KR" sz="2800" b="1" kern="100" dirty="0">
-                <a:effectLst/>
-                <a:ea typeface="맑은 고딕" panose="020B0503020000020004" pitchFamily="50" charset="-127"/>
-                <a:cs typeface="Times New Roman" panose="02020603050405020304" pitchFamily="18" charset="0"/>
-              </a:rPr>
-              <a:t> (</a:t>
-            </a:r>
-            <a:r>
-              <a:rPr lang="ko-KR" altLang="ko-KR" sz="2800" b="1" kern="100" dirty="0">
-                <a:effectLst/>
-                <a:ea typeface="맑은 고딕" panose="020B0503020000020004" pitchFamily="50" charset="-127"/>
-                <a:cs typeface="Times New Roman" panose="02020603050405020304" pitchFamily="18" charset="0"/>
-              </a:rPr>
-              <a:t>장비의 과열</a:t>
-            </a:r>
-            <a:r>
-              <a:rPr lang="en-US" altLang="ko-KR" sz="2800" b="1" kern="100" dirty="0">
-                <a:effectLst/>
-                <a:ea typeface="맑은 고딕" panose="020B0503020000020004" pitchFamily="50" charset="-127"/>
-                <a:cs typeface="Times New Roman" panose="02020603050405020304" pitchFamily="18" charset="0"/>
-              </a:rPr>
-              <a:t>, </a:t>
-            </a:r>
-            <a:r>
-              <a:rPr lang="ko-KR" altLang="ko-KR" sz="2800" b="1" kern="100" dirty="0">
-                <a:effectLst/>
-                <a:ea typeface="맑은 고딕" panose="020B0503020000020004" pitchFamily="50" charset="-127"/>
-                <a:cs typeface="Times New Roman" panose="02020603050405020304" pitchFamily="18" charset="0"/>
-              </a:rPr>
-              <a:t>외부 온도에 의한 인장</a:t>
-            </a:r>
-            <a:r>
-              <a:rPr lang="en-US" altLang="ko-KR" sz="2800" b="1" kern="100" dirty="0">
-                <a:effectLst/>
-                <a:ea typeface="맑은 고딕" panose="020B0503020000020004" pitchFamily="50" charset="-127"/>
-                <a:cs typeface="Times New Roman" panose="02020603050405020304" pitchFamily="18" charset="0"/>
-              </a:rPr>
-              <a:t>)</a:t>
-            </a:r>
-            <a:endParaRPr lang="ko-KR" altLang="ko-KR" sz="2800" b="1" kern="100" dirty="0">
-              <a:effectLst/>
-              <a:ea typeface="맑은 고딕" panose="020B0503020000020004" pitchFamily="50" charset="-127"/>
-              <a:cs typeface="Times New Roman" panose="02020603050405020304" pitchFamily="18" charset="0"/>
-            </a:endParaRPr>
-          </a:p>
-          <a:p>
-            <a:pPr marL="1437005"/>
-            <a:r>
-              <a:rPr lang="ko-KR" altLang="ko-KR" sz="2800" b="1" kern="100" dirty="0">
-                <a:effectLst/>
-                <a:ea typeface="맑은 고딕" panose="020B0503020000020004" pitchFamily="50" charset="-127"/>
-                <a:cs typeface="Times New Roman" panose="02020603050405020304" pitchFamily="18" charset="0"/>
-              </a:rPr>
-              <a:t>독립변수</a:t>
-            </a:r>
-            <a:r>
-              <a:rPr lang="en-US" altLang="ko-KR" sz="2800" b="1" kern="100" dirty="0">
-                <a:effectLst/>
-                <a:ea typeface="맑은 고딕" panose="020B0503020000020004" pitchFamily="50" charset="-127"/>
-                <a:cs typeface="Times New Roman" panose="02020603050405020304" pitchFamily="18" charset="0"/>
-              </a:rPr>
-              <a:t> 2 = </a:t>
-            </a:r>
-            <a:r>
-              <a:rPr lang="ko-KR" altLang="ko-KR" sz="2800" b="1" kern="100" dirty="0">
-                <a:effectLst/>
-                <a:ea typeface="맑은 고딕" panose="020B0503020000020004" pitchFamily="50" charset="-127"/>
-                <a:cs typeface="Times New Roman" panose="02020603050405020304" pitchFamily="18" charset="0"/>
-              </a:rPr>
-              <a:t>습도</a:t>
-            </a:r>
-            <a:r>
-              <a:rPr lang="en-US" altLang="ko-KR" sz="2800" b="1" kern="100" dirty="0">
-                <a:effectLst/>
-                <a:ea typeface="맑은 고딕" panose="020B0503020000020004" pitchFamily="50" charset="-127"/>
-                <a:cs typeface="Times New Roman" panose="02020603050405020304" pitchFamily="18" charset="0"/>
-              </a:rPr>
-              <a:t> (</a:t>
-            </a:r>
-            <a:r>
-              <a:rPr lang="ko-KR" altLang="ko-KR" sz="2800" b="1" kern="100" dirty="0">
-                <a:effectLst/>
-                <a:ea typeface="맑은 고딕" panose="020B0503020000020004" pitchFamily="50" charset="-127"/>
-                <a:cs typeface="Times New Roman" panose="02020603050405020304" pitchFamily="18" charset="0"/>
-              </a:rPr>
-              <a:t>습도</a:t>
-            </a:r>
-            <a:r>
-              <a:rPr lang="en-US" altLang="ko-KR" sz="2800" b="1" kern="100" dirty="0">
-                <a:effectLst/>
-                <a:ea typeface="맑은 고딕" panose="020B0503020000020004" pitchFamily="50" charset="-127"/>
-                <a:cs typeface="Times New Roman" panose="02020603050405020304" pitchFamily="18" charset="0"/>
-              </a:rPr>
-              <a:t>, </a:t>
-            </a:r>
-            <a:r>
-              <a:rPr lang="ko-KR" altLang="ko-KR" sz="2800" b="1" kern="100" dirty="0">
-                <a:effectLst/>
-                <a:ea typeface="맑은 고딕" panose="020B0503020000020004" pitchFamily="50" charset="-127"/>
-                <a:cs typeface="Times New Roman" panose="02020603050405020304" pitchFamily="18" charset="0"/>
-              </a:rPr>
-              <a:t>장비의 부식</a:t>
-            </a:r>
-            <a:r>
-              <a:rPr lang="en-US" altLang="ko-KR" sz="2800" b="1" kern="100" dirty="0">
-                <a:effectLst/>
-                <a:ea typeface="맑은 고딕" panose="020B0503020000020004" pitchFamily="50" charset="-127"/>
-                <a:cs typeface="Times New Roman" panose="02020603050405020304" pitchFamily="18" charset="0"/>
-              </a:rPr>
-              <a:t>, </a:t>
-            </a:r>
-            <a:r>
-              <a:rPr lang="ko-KR" altLang="ko-KR" sz="2800" b="1" kern="100" dirty="0">
-                <a:effectLst/>
-                <a:ea typeface="맑은 고딕" panose="020B0503020000020004" pitchFamily="50" charset="-127"/>
-                <a:cs typeface="Times New Roman" panose="02020603050405020304" pitchFamily="18" charset="0"/>
-              </a:rPr>
-              <a:t>무게 증량</a:t>
-            </a:r>
-            <a:r>
-              <a:rPr lang="en-US" altLang="ko-KR" sz="2800" b="1" kern="100" dirty="0">
-                <a:effectLst/>
-                <a:ea typeface="맑은 고딕" panose="020B0503020000020004" pitchFamily="50" charset="-127"/>
-                <a:cs typeface="Times New Roman" panose="02020603050405020304" pitchFamily="18" charset="0"/>
-              </a:rPr>
-              <a:t>)</a:t>
-            </a:r>
-            <a:endParaRPr lang="ko-KR" altLang="ko-KR" sz="2800" b="1" kern="100" dirty="0">
-              <a:effectLst/>
-              <a:ea typeface="맑은 고딕" panose="020B0503020000020004" pitchFamily="50" charset="-127"/>
-              <a:cs typeface="Times New Roman" panose="02020603050405020304" pitchFamily="18" charset="0"/>
-            </a:endParaRPr>
-          </a:p>
-          <a:p>
-            <a:pPr marL="1437005"/>
-            <a:r>
-              <a:rPr lang="ko-KR" altLang="ko-KR" sz="2800" b="1" kern="100" dirty="0">
-                <a:effectLst/>
-                <a:ea typeface="맑은 고딕" panose="020B0503020000020004" pitchFamily="50" charset="-127"/>
-                <a:cs typeface="Times New Roman" panose="02020603050405020304" pitchFamily="18" charset="0"/>
-              </a:rPr>
-              <a:t>독립변수</a:t>
-            </a:r>
-            <a:r>
-              <a:rPr lang="en-US" altLang="ko-KR" sz="2800" b="1" kern="100" dirty="0">
-                <a:effectLst/>
-                <a:ea typeface="맑은 고딕" panose="020B0503020000020004" pitchFamily="50" charset="-127"/>
-                <a:cs typeface="Times New Roman" panose="02020603050405020304" pitchFamily="18" charset="0"/>
-              </a:rPr>
-              <a:t> 3 = RPM (</a:t>
-            </a:r>
-            <a:r>
-              <a:rPr lang="ko-KR" altLang="ko-KR" sz="2800" b="1" kern="100" dirty="0">
-                <a:effectLst/>
-                <a:ea typeface="맑은 고딕" panose="020B0503020000020004" pitchFamily="50" charset="-127"/>
-                <a:cs typeface="Times New Roman" panose="02020603050405020304" pitchFamily="18" charset="0"/>
-              </a:rPr>
-              <a:t>장비의 과부화</a:t>
-            </a:r>
-            <a:r>
-              <a:rPr lang="en-US" altLang="ko-KR" sz="2800" b="1" kern="100" dirty="0">
-                <a:effectLst/>
-                <a:ea typeface="맑은 고딕" panose="020B0503020000020004" pitchFamily="50" charset="-127"/>
-                <a:cs typeface="Times New Roman" panose="02020603050405020304" pitchFamily="18" charset="0"/>
-              </a:rPr>
-              <a:t>, </a:t>
-            </a:r>
-            <a:r>
-              <a:rPr lang="ko-KR" altLang="ko-KR" sz="2800" b="1" kern="100" dirty="0">
-                <a:effectLst/>
-                <a:ea typeface="맑은 고딕" panose="020B0503020000020004" pitchFamily="50" charset="-127"/>
-                <a:cs typeface="Times New Roman" panose="02020603050405020304" pitchFamily="18" charset="0"/>
-              </a:rPr>
-              <a:t>오작동 상태</a:t>
-            </a:r>
-            <a:r>
-              <a:rPr lang="en-US" altLang="ko-KR" sz="2800" b="1" kern="100" dirty="0">
-                <a:effectLst/>
-                <a:ea typeface="맑은 고딕" panose="020B0503020000020004" pitchFamily="50" charset="-127"/>
-                <a:cs typeface="Times New Roman" panose="02020603050405020304" pitchFamily="18" charset="0"/>
-              </a:rPr>
-              <a:t>)</a:t>
-            </a:r>
-            <a:endParaRPr lang="ko-KR" altLang="ko-KR" sz="2800" b="1" kern="100" dirty="0">
-              <a:effectLst/>
-              <a:ea typeface="맑은 고딕" panose="020B0503020000020004" pitchFamily="50" charset="-127"/>
-              <a:cs typeface="Times New Roman" panose="02020603050405020304" pitchFamily="18" charset="0"/>
-            </a:endParaRPr>
-          </a:p>
-          <a:p>
-            <a:pPr marL="1437005"/>
-            <a:r>
-              <a:rPr lang="ko-KR" altLang="ko-KR" sz="2800" b="1" kern="100" dirty="0">
-                <a:effectLst/>
-                <a:ea typeface="맑은 고딕" panose="020B0503020000020004" pitchFamily="50" charset="-127"/>
-                <a:cs typeface="Times New Roman" panose="02020603050405020304" pitchFamily="18" charset="0"/>
-              </a:rPr>
-              <a:t>독립변수</a:t>
-            </a:r>
-            <a:r>
-              <a:rPr lang="en-US" altLang="ko-KR" sz="2800" b="1" kern="100" dirty="0">
-                <a:effectLst/>
-                <a:ea typeface="맑은 고딕" panose="020B0503020000020004" pitchFamily="50" charset="-127"/>
-                <a:cs typeface="Times New Roman" panose="02020603050405020304" pitchFamily="18" charset="0"/>
-              </a:rPr>
-              <a:t> 4 = </a:t>
-            </a:r>
-            <a:r>
-              <a:rPr lang="ko-KR" altLang="ko-KR" sz="2800" b="1" kern="100" dirty="0">
-                <a:effectLst/>
-                <a:ea typeface="맑은 고딕" panose="020B0503020000020004" pitchFamily="50" charset="-127"/>
-                <a:cs typeface="Times New Roman" panose="02020603050405020304" pitchFamily="18" charset="0"/>
-              </a:rPr>
-              <a:t>진동</a:t>
-            </a:r>
-            <a:r>
-              <a:rPr lang="en-US" altLang="ko-KR" sz="2800" b="1" kern="100" dirty="0">
-                <a:effectLst/>
-                <a:ea typeface="맑은 고딕" panose="020B0503020000020004" pitchFamily="50" charset="-127"/>
-                <a:cs typeface="Times New Roman" panose="02020603050405020304" pitchFamily="18" charset="0"/>
-              </a:rPr>
-              <a:t> (</a:t>
-            </a:r>
-            <a:r>
-              <a:rPr lang="ko-KR" altLang="ko-KR" sz="2800" b="1" kern="100" dirty="0">
-                <a:effectLst/>
-                <a:ea typeface="맑은 고딕" panose="020B0503020000020004" pitchFamily="50" charset="-127"/>
-                <a:cs typeface="Times New Roman" panose="02020603050405020304" pitchFamily="18" charset="0"/>
-              </a:rPr>
-              <a:t>장비의 과부화</a:t>
-            </a:r>
-            <a:r>
-              <a:rPr lang="en-US" altLang="ko-KR" sz="2800" b="1" kern="100" dirty="0">
-                <a:effectLst/>
-                <a:ea typeface="맑은 고딕" panose="020B0503020000020004" pitchFamily="50" charset="-127"/>
-                <a:cs typeface="Times New Roman" panose="02020603050405020304" pitchFamily="18" charset="0"/>
-              </a:rPr>
-              <a:t>, </a:t>
-            </a:r>
-            <a:r>
-              <a:rPr lang="ko-KR" altLang="ko-KR" sz="2800" b="1" kern="100" dirty="0">
-                <a:effectLst/>
-                <a:ea typeface="맑은 고딕" panose="020B0503020000020004" pitchFamily="50" charset="-127"/>
-                <a:cs typeface="Times New Roman" panose="02020603050405020304" pitchFamily="18" charset="0"/>
-              </a:rPr>
-              <a:t>장비의 부하</a:t>
-            </a:r>
-            <a:r>
-              <a:rPr lang="en-US" altLang="ko-KR" sz="2800" b="1" kern="100" dirty="0">
-                <a:effectLst/>
-                <a:ea typeface="맑은 고딕" panose="020B0503020000020004" pitchFamily="50" charset="-127"/>
-                <a:cs typeface="Times New Roman" panose="02020603050405020304" pitchFamily="18" charset="0"/>
-              </a:rPr>
-              <a:t>)</a:t>
-            </a:r>
-            <a:endParaRPr lang="ko-KR" altLang="ko-KR" sz="2800" b="1" kern="100" dirty="0">
-              <a:effectLst/>
-              <a:ea typeface="맑은 고딕" panose="020B0503020000020004" pitchFamily="50" charset="-127"/>
-              <a:cs typeface="Times New Roman" panose="02020603050405020304" pitchFamily="18" charset="0"/>
-            </a:endParaRPr>
-          </a:p>
-          <a:p>
-            <a:pPr marL="1437005"/>
-            <a:r>
-              <a:rPr lang="ko-KR" altLang="ko-KR" sz="2800" b="1" kern="100" dirty="0">
-                <a:effectLst/>
-                <a:ea typeface="맑은 고딕" panose="020B0503020000020004" pitchFamily="50" charset="-127"/>
-                <a:cs typeface="Times New Roman" panose="02020603050405020304" pitchFamily="18" charset="0"/>
-              </a:rPr>
-              <a:t>독립변수</a:t>
-            </a:r>
-            <a:r>
-              <a:rPr lang="en-US" altLang="ko-KR" sz="2800" b="1" kern="100" dirty="0">
-                <a:effectLst/>
-                <a:ea typeface="맑은 고딕" panose="020B0503020000020004" pitchFamily="50" charset="-127"/>
-                <a:cs typeface="Times New Roman" panose="02020603050405020304" pitchFamily="18" charset="0"/>
-              </a:rPr>
-              <a:t> 5 = </a:t>
-            </a:r>
-            <a:r>
-              <a:rPr lang="ko-KR" altLang="ko-KR" sz="2800" b="1" kern="100" dirty="0">
-                <a:effectLst/>
-                <a:ea typeface="맑은 고딕" panose="020B0503020000020004" pitchFamily="50" charset="-127"/>
-                <a:cs typeface="Times New Roman" panose="02020603050405020304" pitchFamily="18" charset="0"/>
-              </a:rPr>
-              <a:t>압력</a:t>
-            </a:r>
-            <a:r>
-              <a:rPr lang="en-US" altLang="ko-KR" sz="2800" b="1" kern="100" dirty="0">
-                <a:effectLst/>
-                <a:ea typeface="맑은 고딕" panose="020B0503020000020004" pitchFamily="50" charset="-127"/>
-                <a:cs typeface="Times New Roman" panose="02020603050405020304" pitchFamily="18" charset="0"/>
-              </a:rPr>
-              <a:t> (</a:t>
-            </a:r>
-            <a:r>
-              <a:rPr lang="ko-KR" altLang="ko-KR" sz="2800" b="1" kern="100" dirty="0">
-                <a:effectLst/>
-                <a:ea typeface="맑은 고딕" panose="020B0503020000020004" pitchFamily="50" charset="-127"/>
-                <a:cs typeface="Times New Roman" panose="02020603050405020304" pitchFamily="18" charset="0"/>
-              </a:rPr>
-              <a:t>장비의 부하</a:t>
-            </a:r>
-            <a:r>
-              <a:rPr lang="en-US" altLang="ko-KR" sz="2800" b="1" kern="100" dirty="0">
-                <a:effectLst/>
-                <a:ea typeface="맑은 고딕" panose="020B0503020000020004" pitchFamily="50" charset="-127"/>
-                <a:cs typeface="Times New Roman" panose="02020603050405020304" pitchFamily="18" charset="0"/>
-              </a:rPr>
-              <a:t>, </a:t>
-            </a:r>
-            <a:r>
-              <a:rPr lang="ko-KR" altLang="ko-KR" sz="2800" b="1" kern="100" dirty="0">
-                <a:effectLst/>
-                <a:ea typeface="맑은 고딕" panose="020B0503020000020004" pitchFamily="50" charset="-127"/>
-                <a:cs typeface="Times New Roman" panose="02020603050405020304" pitchFamily="18" charset="0"/>
-              </a:rPr>
-              <a:t>하중</a:t>
-            </a:r>
-            <a:r>
-              <a:rPr lang="en-US" altLang="ko-KR" sz="2800" b="1" kern="100" dirty="0">
-                <a:effectLst/>
-                <a:ea typeface="맑은 고딕" panose="020B0503020000020004" pitchFamily="50" charset="-127"/>
-                <a:cs typeface="Times New Roman" panose="02020603050405020304" pitchFamily="18" charset="0"/>
-              </a:rPr>
-              <a:t>)</a:t>
-            </a:r>
-            <a:endParaRPr lang="ko-KR" altLang="ko-KR" sz="2800" b="1" kern="100" dirty="0">
-              <a:effectLst/>
-              <a:ea typeface="맑은 고딕" panose="020B0503020000020004" pitchFamily="50" charset="-127"/>
-              <a:cs typeface="Times New Roman" panose="02020603050405020304" pitchFamily="18" charset="0"/>
-            </a:endParaRPr>
-          </a:p>
-          <a:p>
-            <a:pPr marL="1437005"/>
-            <a:r>
-              <a:rPr lang="ko-KR" altLang="ko-KR" sz="2800" b="1" kern="100" dirty="0">
-                <a:effectLst/>
-                <a:ea typeface="맑은 고딕" panose="020B0503020000020004" pitchFamily="50" charset="-127"/>
-                <a:cs typeface="Times New Roman" panose="02020603050405020304" pitchFamily="18" charset="0"/>
-              </a:rPr>
-              <a:t>센서</a:t>
-            </a:r>
-            <a:r>
-              <a:rPr lang="en-US" altLang="ko-KR" sz="2800" b="1" kern="100" dirty="0">
-                <a:effectLst/>
-                <a:ea typeface="맑은 고딕" panose="020B0503020000020004" pitchFamily="50" charset="-127"/>
-                <a:cs typeface="Times New Roman" panose="02020603050405020304" pitchFamily="18" charset="0"/>
-              </a:rPr>
-              <a:t>1~6 (</a:t>
-            </a:r>
-            <a:r>
-              <a:rPr lang="ko-KR" altLang="ko-KR" sz="2800" b="1" kern="100" dirty="0">
-                <a:effectLst/>
-                <a:ea typeface="맑은 고딕" panose="020B0503020000020004" pitchFamily="50" charset="-127"/>
-                <a:cs typeface="Times New Roman" panose="02020603050405020304" pitchFamily="18" charset="0"/>
-              </a:rPr>
-              <a:t>베어링</a:t>
-            </a:r>
-            <a:r>
-              <a:rPr lang="en-US" altLang="ko-KR" sz="2800" b="1" kern="100" dirty="0">
-                <a:effectLst/>
-                <a:ea typeface="맑은 고딕" panose="020B0503020000020004" pitchFamily="50" charset="-127"/>
-                <a:cs typeface="Times New Roman" panose="02020603050405020304" pitchFamily="18" charset="0"/>
-              </a:rPr>
-              <a:t>, </a:t>
-            </a:r>
-            <a:r>
-              <a:rPr lang="ko-KR" altLang="ko-KR" sz="2800" b="1" kern="100" dirty="0">
-                <a:effectLst/>
-                <a:ea typeface="맑은 고딕" panose="020B0503020000020004" pitchFamily="50" charset="-127"/>
-                <a:cs typeface="Times New Roman" panose="02020603050405020304" pitchFamily="18" charset="0"/>
-              </a:rPr>
-              <a:t>와이어로프 등 장비에 대한 센서</a:t>
-            </a:r>
-            <a:r>
-              <a:rPr lang="en-US" altLang="ko-KR" sz="2800" b="1" kern="100" dirty="0">
-                <a:effectLst/>
-                <a:ea typeface="맑은 고딕" panose="020B0503020000020004" pitchFamily="50" charset="-127"/>
-                <a:cs typeface="Times New Roman" panose="02020603050405020304" pitchFamily="18" charset="0"/>
-              </a:rPr>
-              <a:t>)</a:t>
-            </a:r>
-          </a:p>
-          <a:p>
-            <a:pPr marL="1437005"/>
-            <a:endParaRPr lang="ko-KR" altLang="ko-KR" sz="2800" b="1" kern="100" dirty="0">
-              <a:effectLst/>
-              <a:ea typeface="맑은 고딕" panose="020B0503020000020004" pitchFamily="50" charset="-127"/>
-              <a:cs typeface="Times New Roman" panose="02020603050405020304" pitchFamily="18" charset="0"/>
-            </a:endParaRPr>
-          </a:p>
-          <a:p>
-            <a:pPr marL="1437005"/>
-            <a:r>
-              <a:rPr lang="ko-KR" altLang="ko-KR" sz="2800" b="1" kern="100" dirty="0">
-                <a:effectLst/>
-                <a:ea typeface="맑은 고딕" panose="020B0503020000020004" pitchFamily="50" charset="-127"/>
-                <a:cs typeface="Times New Roman" panose="02020603050405020304" pitchFamily="18" charset="0"/>
-              </a:rPr>
-              <a:t>종속변수</a:t>
-            </a:r>
-            <a:r>
-              <a:rPr lang="en-US" altLang="ko-KR" sz="2800" b="1" kern="100" dirty="0">
-                <a:effectLst/>
-                <a:ea typeface="맑은 고딕" panose="020B0503020000020004" pitchFamily="50" charset="-127"/>
-                <a:cs typeface="Times New Roman" panose="02020603050405020304" pitchFamily="18" charset="0"/>
-              </a:rPr>
-              <a:t> = </a:t>
-            </a:r>
-            <a:r>
-              <a:rPr lang="ko-KR" altLang="ko-KR" sz="2800" b="1" kern="100" dirty="0">
-                <a:effectLst/>
-                <a:ea typeface="맑은 고딕" panose="020B0503020000020004" pitchFamily="50" charset="-127"/>
-                <a:cs typeface="Times New Roman" panose="02020603050405020304" pitchFamily="18" charset="0"/>
-              </a:rPr>
-              <a:t>고장유무</a:t>
-            </a:r>
-            <a:r>
-              <a:rPr lang="en-US" altLang="ko-KR" sz="2800" b="1" kern="100" dirty="0">
-                <a:effectLst/>
-                <a:ea typeface="맑은 고딕" panose="020B0503020000020004" pitchFamily="50" charset="-127"/>
-                <a:cs typeface="Times New Roman" panose="02020603050405020304" pitchFamily="18" charset="0"/>
-              </a:rPr>
-              <a:t>(0</a:t>
-            </a:r>
-            <a:r>
-              <a:rPr lang="ko-KR" altLang="ko-KR" sz="2800" b="1" kern="100" dirty="0">
-                <a:effectLst/>
-                <a:ea typeface="맑은 고딕" panose="020B0503020000020004" pitchFamily="50" charset="-127"/>
-                <a:cs typeface="Times New Roman" panose="02020603050405020304" pitchFamily="18" charset="0"/>
-              </a:rPr>
-              <a:t>정상</a:t>
-            </a:r>
-            <a:r>
-              <a:rPr lang="en-US" altLang="ko-KR" sz="2800" b="1" kern="100" dirty="0">
-                <a:effectLst/>
-                <a:ea typeface="맑은 고딕" panose="020B0503020000020004" pitchFamily="50" charset="-127"/>
-                <a:cs typeface="Times New Roman" panose="02020603050405020304" pitchFamily="18" charset="0"/>
-              </a:rPr>
-              <a:t>, 1</a:t>
-            </a:r>
-            <a:r>
-              <a:rPr lang="ko-KR" altLang="ko-KR" sz="2800" b="1" kern="100" dirty="0">
-                <a:effectLst/>
-                <a:ea typeface="맑은 고딕" panose="020B0503020000020004" pitchFamily="50" charset="-127"/>
-                <a:cs typeface="Times New Roman" panose="02020603050405020304" pitchFamily="18" charset="0"/>
-              </a:rPr>
-              <a:t>위험</a:t>
-            </a:r>
-            <a:r>
-              <a:rPr lang="en-US" altLang="ko-KR" sz="2800" b="1" kern="100" dirty="0">
-                <a:effectLst/>
-                <a:ea typeface="맑은 고딕" panose="020B0503020000020004" pitchFamily="50" charset="-127"/>
-                <a:cs typeface="Times New Roman" panose="02020603050405020304" pitchFamily="18" charset="0"/>
-              </a:rPr>
-              <a:t>, 2</a:t>
-            </a:r>
-            <a:r>
-              <a:rPr lang="ko-KR" altLang="ko-KR" sz="2800" b="1" kern="100" dirty="0">
-                <a:effectLst/>
-                <a:ea typeface="맑은 고딕" panose="020B0503020000020004" pitchFamily="50" charset="-127"/>
-                <a:cs typeface="Times New Roman" panose="02020603050405020304" pitchFamily="18" charset="0"/>
-              </a:rPr>
-              <a:t>고장</a:t>
-            </a:r>
-            <a:r>
-              <a:rPr lang="en-US" altLang="ko-KR" sz="2800" b="1" kern="100" dirty="0">
-                <a:effectLst/>
-                <a:ea typeface="맑은 고딕" panose="020B0503020000020004" pitchFamily="50" charset="-127"/>
-                <a:cs typeface="Times New Roman" panose="02020603050405020304" pitchFamily="18" charset="0"/>
-              </a:rPr>
-              <a:t>) </a:t>
-            </a:r>
-            <a:endParaRPr lang="ko-KR" altLang="ko-KR" sz="2800" b="1" kern="100" dirty="0">
-              <a:effectLst/>
-              <a:ea typeface="맑은 고딕" panose="020B0503020000020004" pitchFamily="50" charset="-127"/>
-              <a:cs typeface="Times New Roman" panose="02020603050405020304" pitchFamily="18" charset="0"/>
-            </a:endParaRPr>
-          </a:p>
-          <a:p>
-            <a:pPr marL="685800"/>
-            <a:r>
-              <a:rPr lang="en-US" altLang="ko-KR" sz="2800" kern="100" dirty="0">
+            <a:r>
+              <a:rPr lang="ko-KR" altLang="en-US" sz="2000" dirty="0"/>
+              <a:t>그림 </a:t>
+            </a:r>
+            <a:r>
+              <a:rPr lang="en-US" altLang="ko-KR" sz="2000" dirty="0"/>
+              <a:t>3 </a:t>
+            </a:r>
+            <a:r>
+              <a:rPr lang="ko-KR" altLang="ko-KR" sz="1800" dirty="0">
                 <a:effectLst/>
                 <a:latin typeface="Calibri" panose="020F0502020204030204" pitchFamily="34" charset="0"/>
                 <a:ea typeface="맑은 고딕" panose="020B0503020000020004" pitchFamily="50" charset="-127"/>
                 <a:cs typeface="Times New Roman" panose="02020603050405020304" pitchFamily="18" charset="0"/>
               </a:rPr>
-              <a:t> </a:t>
-            </a:r>
-            <a:endParaRPr lang="ko-KR" altLang="ko-KR" sz="2800" kern="100" dirty="0">
-              <a:effectLst/>
-              <a:latin typeface="Calibri" panose="020F0502020204030204" pitchFamily="34" charset="0"/>
-              <a:ea typeface="맑은 고딕" panose="020B0503020000020004" pitchFamily="50" charset="-127"/>
-              <a:cs typeface="Times New Roman" panose="02020603050405020304" pitchFamily="18" charset="0"/>
-            </a:endParaRPr>
-          </a:p>
-        </p:txBody>
-      </p:sp>
-      <p:pic>
-        <p:nvPicPr>
-          <p:cNvPr id="53" name="그림 52" descr="텍스트, 스크린샷, 사각형, 패턴이(가) 표시된 사진&#10;&#10;자동 생성된 설명">
-            <a:extLst>
-              <a:ext uri="{FF2B5EF4-FFF2-40B4-BE49-F238E27FC236}">
-                <a16:creationId xmlns:a16="http://schemas.microsoft.com/office/drawing/2014/main" id="{6629CA43-E8F2-4F65-8D31-A181540EED2B}"/>
-              </a:ext>
-            </a:extLst>
-          </p:cNvPr>
-          <p:cNvPicPr/>
-          <p:nvPr/>
-        </p:nvPicPr>
-        <p:blipFill>
-          <a:blip r:embed="rId7" cstate="print">
-            <a:extLst>
-              <a:ext uri="{28A0092B-C50C-407E-A947-70E740481C1C}">
-                <a14:useLocalDpi xmlns:a14="http://schemas.microsoft.com/office/drawing/2010/main" val="0"/>
-              </a:ext>
-            </a:extLst>
-          </a:blip>
-          <a:srcRect/>
-          <a:stretch>
-            <a:fillRect/>
-          </a:stretch>
-        </p:blipFill>
-        <p:spPr bwMode="auto">
-          <a:xfrm>
-            <a:off x="15840224" y="13540510"/>
-            <a:ext cx="6929741" cy="5343491"/>
-          </a:xfrm>
-          <a:prstGeom prst="rect">
-            <a:avLst/>
-          </a:prstGeom>
-          <a:noFill/>
-          <a:ln>
-            <a:noFill/>
-          </a:ln>
-        </p:spPr>
-      </p:pic>
-      <p:sp>
-        <p:nvSpPr>
-          <p:cNvPr id="8" name="TextBox 7">
-            <a:extLst>
-              <a:ext uri="{FF2B5EF4-FFF2-40B4-BE49-F238E27FC236}">
-                <a16:creationId xmlns:a16="http://schemas.microsoft.com/office/drawing/2014/main" id="{1DA8EA10-3741-492F-BB14-CC87001BD4AC}"/>
-              </a:ext>
-            </a:extLst>
-          </p:cNvPr>
-          <p:cNvSpPr txBox="1"/>
-          <p:nvPr/>
-        </p:nvSpPr>
-        <p:spPr>
-          <a:xfrm>
-            <a:off x="17049588" y="19011572"/>
-            <a:ext cx="6337027" cy="400110"/>
-          </a:xfrm>
-          <a:prstGeom prst="rect">
-            <a:avLst/>
-          </a:prstGeom>
-          <a:noFill/>
-        </p:spPr>
-        <p:txBody>
-          <a:bodyPr wrap="square" rtlCol="0">
-            <a:spAutoFit/>
-          </a:bodyPr>
-          <a:lstStyle/>
-          <a:p>
-            <a:r>
-              <a:rPr lang="ko-KR" altLang="en-US" sz="2000" dirty="0"/>
-              <a:t>그림 </a:t>
-            </a:r>
-            <a:r>
-              <a:rPr lang="en-US" altLang="ko-KR" sz="2000" dirty="0"/>
-              <a:t>2 </a:t>
-            </a:r>
-            <a:r>
-              <a:rPr lang="ko-KR" altLang="en-US" sz="2000" dirty="0"/>
-              <a:t>각 변수의 상관관계 분석표</a:t>
-            </a:r>
-          </a:p>
-        </p:txBody>
-      </p:sp>
-      <p:sp>
-        <p:nvSpPr>
-          <p:cNvPr id="55" name="TextBox 54">
-            <a:extLst>
-              <a:ext uri="{FF2B5EF4-FFF2-40B4-BE49-F238E27FC236}">
-                <a16:creationId xmlns:a16="http://schemas.microsoft.com/office/drawing/2014/main" id="{DC47903F-6B5D-45A2-A145-A12E49DE902C}"/>
-              </a:ext>
-            </a:extLst>
-          </p:cNvPr>
-          <p:cNvSpPr txBox="1"/>
-          <p:nvPr/>
-        </p:nvSpPr>
-        <p:spPr>
-          <a:xfrm>
-            <a:off x="5543882" y="26384785"/>
-            <a:ext cx="6337027" cy="400110"/>
-          </a:xfrm>
-          <a:prstGeom prst="rect">
-            <a:avLst/>
-          </a:prstGeom>
-          <a:noFill/>
-        </p:spPr>
-        <p:txBody>
-          <a:bodyPr wrap="square" rtlCol="0">
-            <a:spAutoFit/>
-          </a:bodyPr>
-          <a:lstStyle/>
-          <a:p>
-            <a:r>
-              <a:rPr lang="ko-KR" altLang="en-US" sz="2000" dirty="0"/>
-              <a:t>그림 </a:t>
-            </a:r>
-            <a:r>
-              <a:rPr lang="en-US" altLang="ko-KR" sz="2000" dirty="0"/>
-              <a:t>1 </a:t>
-            </a:r>
-            <a:r>
-              <a:rPr lang="ko-KR" altLang="en-US" sz="2000" dirty="0"/>
-              <a:t>건설용 리프트 추락 사고</a:t>
-            </a:r>
-          </a:p>
-        </p:txBody>
-      </p:sp>
-      <p:pic>
-        <p:nvPicPr>
-          <p:cNvPr id="56" name="그림 55" descr="텍스트, 도표, 평면도, 기술 도면이(가) 표시된 사진&#10;&#10;자동 생성된 설명">
-            <a:extLst>
-              <a:ext uri="{FF2B5EF4-FFF2-40B4-BE49-F238E27FC236}">
-                <a16:creationId xmlns:a16="http://schemas.microsoft.com/office/drawing/2014/main" id="{C5721F02-365F-4DAC-A8DC-098D271B64B7}"/>
-              </a:ext>
-            </a:extLst>
-          </p:cNvPr>
-          <p:cNvPicPr/>
-          <p:nvPr/>
-        </p:nvPicPr>
-        <p:blipFill>
-          <a:blip r:embed="rId8">
-            <a:extLst>
-              <a:ext uri="{28A0092B-C50C-407E-A947-70E740481C1C}">
-                <a14:useLocalDpi xmlns:a14="http://schemas.microsoft.com/office/drawing/2010/main" val="0"/>
-              </a:ext>
-            </a:extLst>
-          </a:blip>
-          <a:srcRect/>
-          <a:stretch>
-            <a:fillRect/>
-          </a:stretch>
-        </p:blipFill>
-        <p:spPr bwMode="auto">
-          <a:xfrm>
-            <a:off x="23055165" y="12834283"/>
-            <a:ext cx="6021867" cy="6339917"/>
-          </a:xfrm>
-          <a:prstGeom prst="rect">
-            <a:avLst/>
-          </a:prstGeom>
-          <a:noFill/>
-          <a:ln>
-            <a:noFill/>
-          </a:ln>
-        </p:spPr>
-      </p:pic>
-      <p:sp>
-        <p:nvSpPr>
-          <p:cNvPr id="58" name="TextBox 57">
-            <a:extLst>
-              <a:ext uri="{FF2B5EF4-FFF2-40B4-BE49-F238E27FC236}">
-                <a16:creationId xmlns:a16="http://schemas.microsoft.com/office/drawing/2014/main" id="{609E8F6D-D3FC-4697-B244-BBE359BB21F0}"/>
-              </a:ext>
-            </a:extLst>
-          </p:cNvPr>
-          <p:cNvSpPr txBox="1"/>
-          <p:nvPr/>
-        </p:nvSpPr>
-        <p:spPr>
-          <a:xfrm>
-            <a:off x="23401064" y="19011572"/>
-            <a:ext cx="6337027" cy="400110"/>
-          </a:xfrm>
-          <a:prstGeom prst="rect">
-            <a:avLst/>
-          </a:prstGeom>
-          <a:noFill/>
-        </p:spPr>
-        <p:txBody>
-          <a:bodyPr wrap="square" rtlCol="0">
-            <a:spAutoFit/>
-          </a:bodyPr>
-          <a:lstStyle/>
-          <a:p>
-            <a:r>
-              <a:rPr lang="ko-KR" altLang="en-US" sz="2000" dirty="0"/>
-              <a:t>그림 </a:t>
-            </a:r>
-            <a:r>
-              <a:rPr lang="en-US" altLang="ko-KR" sz="2000" dirty="0"/>
-              <a:t>3 </a:t>
-            </a:r>
-            <a:r>
-              <a:rPr lang="ko-KR" altLang="en-US" sz="2000" dirty="0"/>
-              <a:t>종속변수별 각 독립변수의 </a:t>
-            </a:r>
-            <a:r>
-              <a:rPr lang="ko-KR" altLang="en-US" sz="2000" dirty="0" err="1"/>
-              <a:t>데이터량</a:t>
-            </a:r>
-            <a:r>
-              <a:rPr lang="ko-KR" altLang="en-US" sz="2000" dirty="0"/>
-              <a:t> 수치</a:t>
-            </a:r>
+              <a:t>각</a:t>
+            </a:r>
+            <a:r>
+              <a:rPr lang="ko-KR" altLang="ko-KR" sz="1800" dirty="0">
+                <a:effectLst/>
+                <a:ea typeface="Calibri" panose="020F0502020204030204" pitchFamily="34" charset="0"/>
+                <a:cs typeface="Times New Roman" panose="02020603050405020304" pitchFamily="18" charset="0"/>
+              </a:rPr>
+              <a:t> </a:t>
+            </a:r>
+            <a:r>
+              <a:rPr lang="ko-KR" altLang="ko-KR" sz="1800" dirty="0">
+                <a:effectLst/>
+                <a:latin typeface="Calibri" panose="020F0502020204030204" pitchFamily="34" charset="0"/>
+                <a:ea typeface="맑은 고딕" panose="020B0503020000020004" pitchFamily="50" charset="-127"/>
+                <a:cs typeface="Times New Roman" panose="02020603050405020304" pitchFamily="18" charset="0"/>
+              </a:rPr>
+              <a:t>모델</a:t>
+            </a:r>
+            <a:r>
+              <a:rPr lang="ko-KR" altLang="ko-KR" sz="1800" dirty="0">
+                <a:effectLst/>
+                <a:ea typeface="Calibri" panose="020F0502020204030204" pitchFamily="34" charset="0"/>
+                <a:cs typeface="Times New Roman" panose="02020603050405020304" pitchFamily="18" charset="0"/>
+              </a:rPr>
+              <a:t> </a:t>
+            </a:r>
+            <a:r>
+              <a:rPr lang="ko-KR" altLang="ko-KR" sz="1800" dirty="0">
+                <a:effectLst/>
+                <a:latin typeface="Calibri" panose="020F0502020204030204" pitchFamily="34" charset="0"/>
+                <a:ea typeface="맑은 고딕" panose="020B0503020000020004" pitchFamily="50" charset="-127"/>
+                <a:cs typeface="Times New Roman" panose="02020603050405020304" pitchFamily="18" charset="0"/>
+              </a:rPr>
+              <a:t>별</a:t>
+            </a:r>
+            <a:r>
+              <a:rPr lang="ko-KR" altLang="ko-KR" sz="1800" dirty="0">
+                <a:effectLst/>
+                <a:ea typeface="Calibri" panose="020F0502020204030204" pitchFamily="34" charset="0"/>
+                <a:cs typeface="Times New Roman" panose="02020603050405020304" pitchFamily="18" charset="0"/>
+              </a:rPr>
+              <a:t> </a:t>
+            </a:r>
+            <a:r>
+              <a:rPr lang="ko-KR" altLang="ko-KR" sz="1800" dirty="0">
+                <a:effectLst/>
+                <a:latin typeface="Calibri" panose="020F0502020204030204" pitchFamily="34" charset="0"/>
+                <a:ea typeface="맑은 고딕" panose="020B0503020000020004" pitchFamily="50" charset="-127"/>
+                <a:cs typeface="Times New Roman" panose="02020603050405020304" pitchFamily="18" charset="0"/>
+              </a:rPr>
+              <a:t>실제</a:t>
+            </a:r>
+            <a:r>
+              <a:rPr lang="ko-KR" altLang="ko-KR" sz="1800" dirty="0">
+                <a:effectLst/>
+                <a:ea typeface="Calibri" panose="020F0502020204030204" pitchFamily="34" charset="0"/>
+                <a:cs typeface="Times New Roman" panose="02020603050405020304" pitchFamily="18" charset="0"/>
+              </a:rPr>
+              <a:t> </a:t>
+            </a:r>
+            <a:r>
+              <a:rPr lang="ko-KR" altLang="ko-KR" sz="1800" dirty="0">
+                <a:effectLst/>
+                <a:latin typeface="Calibri" panose="020F0502020204030204" pitchFamily="34" charset="0"/>
+                <a:ea typeface="맑은 고딕" panose="020B0503020000020004" pitchFamily="50" charset="-127"/>
+                <a:cs typeface="Times New Roman" panose="02020603050405020304" pitchFamily="18" charset="0"/>
+              </a:rPr>
+              <a:t>값과</a:t>
+            </a:r>
+            <a:r>
+              <a:rPr lang="ko-KR" altLang="ko-KR" sz="1800" dirty="0">
+                <a:effectLst/>
+                <a:ea typeface="Calibri" panose="020F0502020204030204" pitchFamily="34" charset="0"/>
+                <a:cs typeface="Times New Roman" panose="02020603050405020304" pitchFamily="18" charset="0"/>
+              </a:rPr>
+              <a:t> </a:t>
+            </a:r>
+            <a:r>
+              <a:rPr lang="ko-KR" altLang="ko-KR" sz="1800" dirty="0">
+                <a:effectLst/>
+                <a:latin typeface="Calibri" panose="020F0502020204030204" pitchFamily="34" charset="0"/>
+                <a:ea typeface="맑은 고딕" panose="020B0503020000020004" pitchFamily="50" charset="-127"/>
+                <a:cs typeface="Times New Roman" panose="02020603050405020304" pitchFamily="18" charset="0"/>
+              </a:rPr>
+              <a:t>예측</a:t>
+            </a:r>
+            <a:r>
+              <a:rPr lang="ko-KR" altLang="ko-KR" sz="1800" dirty="0">
+                <a:effectLst/>
+                <a:ea typeface="Calibri" panose="020F0502020204030204" pitchFamily="34" charset="0"/>
+                <a:cs typeface="Times New Roman" panose="02020603050405020304" pitchFamily="18" charset="0"/>
+              </a:rPr>
+              <a:t> </a:t>
+            </a:r>
+            <a:r>
+              <a:rPr lang="ko-KR" altLang="ko-KR" sz="1800" dirty="0">
+                <a:effectLst/>
+                <a:latin typeface="Calibri" panose="020F0502020204030204" pitchFamily="34" charset="0"/>
+                <a:ea typeface="맑은 고딕" panose="020B0503020000020004" pitchFamily="50" charset="-127"/>
+                <a:cs typeface="Times New Roman" panose="02020603050405020304" pitchFamily="18" charset="0"/>
+              </a:rPr>
+              <a:t>값</a:t>
+            </a:r>
+            <a:r>
+              <a:rPr lang="en-US" altLang="ko-KR" sz="1800" dirty="0">
+                <a:effectLst/>
+                <a:latin typeface="Calibri" panose="020F0502020204030204" pitchFamily="34" charset="0"/>
+                <a:ea typeface="맑은 고딕" panose="020B0503020000020004" pitchFamily="50" charset="-127"/>
+                <a:cs typeface="Times New Roman" panose="02020603050405020304" pitchFamily="18" charset="0"/>
+              </a:rPr>
+              <a:t> </a:t>
+            </a:r>
+            <a:r>
+              <a:rPr lang="ko-KR" altLang="en-US" sz="1800" dirty="0">
+                <a:effectLst/>
+                <a:latin typeface="Calibri" panose="020F0502020204030204" pitchFamily="34" charset="0"/>
+                <a:ea typeface="맑은 고딕" panose="020B0503020000020004" pitchFamily="50" charset="-127"/>
+                <a:cs typeface="Times New Roman" panose="02020603050405020304" pitchFamily="18" charset="0"/>
+              </a:rPr>
+              <a:t>차이</a:t>
+            </a:r>
+            <a:r>
+              <a:rPr lang="ko-KR" altLang="ko-KR" sz="1800" dirty="0">
+                <a:effectLst/>
+                <a:ea typeface="Calibri" panose="020F0502020204030204" pitchFamily="34" charset="0"/>
+                <a:cs typeface="Times New Roman" panose="02020603050405020304" pitchFamily="18" charset="0"/>
+              </a:rPr>
+              <a:t> </a:t>
+            </a:r>
+            <a:r>
+              <a:rPr lang="ko-KR" altLang="ko-KR" sz="1800" dirty="0">
+                <a:effectLst/>
+                <a:latin typeface="Calibri" panose="020F0502020204030204" pitchFamily="34" charset="0"/>
+                <a:ea typeface="맑은 고딕" panose="020B0503020000020004" pitchFamily="50" charset="-127"/>
+                <a:cs typeface="Times New Roman" panose="02020603050405020304" pitchFamily="18" charset="0"/>
+              </a:rPr>
+              <a:t>시각화</a:t>
+            </a:r>
+            <a:endParaRPr lang="ko-KR" altLang="en-US" sz="2000" dirty="0"/>
           </a:p>
         </p:txBody>
       </p:sp>
